--- a/docs/figures/figures.pptx
+++ b/docs/figures/figures.pptx
@@ -6,6 +6,7 @@
   </p:sldMasterIdLst>
   <p:sldIdLst>
     <p:sldId id="257" r:id="rId2"/>
+    <p:sldId id="258" r:id="rId3"/>
   </p:sldIdLst>
   <p:sldSz cx="12192000" cy="6858000"/>
   <p:notesSz cx="6858000" cy="9144000"/>
@@ -3845,6 +3846,130 @@
 </p:sld>
 </file>
 
+<file path=ppt/slides/slide2.xml><?xml version="1.0" encoding="utf-8"?>
+<p:sld xmlns:a="http://schemas.openxmlformats.org/drawingml/2006/main" xmlns:r="http://schemas.openxmlformats.org/officeDocument/2006/relationships" xmlns:p="http://schemas.openxmlformats.org/presentationml/2006/main">
+  <p:cSld>
+    <p:spTree>
+      <p:nvGrpSpPr>
+        <p:cNvPr id="1" name=""/>
+        <p:cNvGrpSpPr/>
+        <p:nvPr/>
+      </p:nvGrpSpPr>
+      <p:grpSpPr>
+        <a:xfrm>
+          <a:off x="0" y="0"/>
+          <a:ext cx="0" cy="0"/>
+          <a:chOff x="0" y="0"/>
+          <a:chExt cx="0" cy="0"/>
+        </a:xfrm>
+      </p:grpSpPr>
+      <p:sp>
+        <p:nvSpPr>
+          <p:cNvPr id="8" name="TextBox 7">
+            <a:extLst>
+              <a:ext uri="{FF2B5EF4-FFF2-40B4-BE49-F238E27FC236}">
+                <a16:creationId xmlns:a16="http://schemas.microsoft.com/office/drawing/2014/main" id="{963AD41F-43C9-2E27-AE48-2BFB88732422}"/>
+              </a:ext>
+            </a:extLst>
+          </p:cNvPr>
+          <p:cNvSpPr txBox="1"/>
+          <p:nvPr/>
+        </p:nvSpPr>
+        <p:spPr>
+          <a:xfrm>
+            <a:off x="5417769" y="3238292"/>
+            <a:ext cx="1356462" cy="338554"/>
+          </a:xfrm>
+          <a:prstGeom prst="rect">
+            <a:avLst/>
+          </a:prstGeom>
+          <a:noFill/>
+        </p:spPr>
+        <p:txBody>
+          <a:bodyPr wrap="none" rtlCol="0">
+            <a:spAutoFit/>
+          </a:bodyPr>
+          <a:lstStyle/>
+          <a:p>
+            <a:r>
+              <a:rPr lang="en-US" sz="1600" dirty="0">
+                <a:latin typeface="Avenir Book" panose="02000503020000020003" pitchFamily="2" charset="0"/>
+              </a:rPr>
+              <a:t>Second slide</a:t>
+            </a:r>
+            <a:endParaRPr lang="en-US" sz="1200" dirty="0">
+              <a:latin typeface="Avenir Book" panose="02000503020000020003" pitchFamily="2" charset="0"/>
+            </a:endParaRPr>
+          </a:p>
+        </p:txBody>
+      </p:sp>
+      <p:sp>
+        <p:nvSpPr>
+          <p:cNvPr id="12" name="Rectangle 11">
+            <a:extLst>
+              <a:ext uri="{FF2B5EF4-FFF2-40B4-BE49-F238E27FC236}">
+                <a16:creationId xmlns:a16="http://schemas.microsoft.com/office/drawing/2014/main" id="{53A239F0-9EF5-41F4-B7C9-9C3B5BB509D1}"/>
+              </a:ext>
+            </a:extLst>
+          </p:cNvPr>
+          <p:cNvSpPr/>
+          <p:nvPr/>
+        </p:nvSpPr>
+        <p:spPr>
+          <a:xfrm>
+            <a:off x="171450" y="471488"/>
+            <a:ext cx="11872913" cy="5872162"/>
+          </a:xfrm>
+          <a:prstGeom prst="rect">
+            <a:avLst/>
+          </a:prstGeom>
+          <a:noFill/>
+          <a:ln>
+            <a:solidFill>
+              <a:schemeClr val="bg1">
+                <a:lumMod val="85000"/>
+              </a:schemeClr>
+            </a:solidFill>
+          </a:ln>
+        </p:spPr>
+        <p:style>
+          <a:lnRef idx="2">
+            <a:schemeClr val="accent1">
+              <a:shade val="50000"/>
+            </a:schemeClr>
+          </a:lnRef>
+          <a:fillRef idx="1">
+            <a:schemeClr val="accent1"/>
+          </a:fillRef>
+          <a:effectRef idx="0">
+            <a:schemeClr val="accent1"/>
+          </a:effectRef>
+          <a:fontRef idx="minor">
+            <a:schemeClr val="lt1"/>
+          </a:fontRef>
+        </p:style>
+        <p:txBody>
+          <a:bodyPr rtlCol="0" anchor="ctr"/>
+          <a:lstStyle/>
+          <a:p>
+            <a:pPr algn="ctr"/>
+            <a:endParaRPr lang="en-US"/>
+          </a:p>
+        </p:txBody>
+      </p:sp>
+    </p:spTree>
+    <p:extLst>
+      <p:ext uri="{BB962C8B-B14F-4D97-AF65-F5344CB8AC3E}">
+        <p14:creationId xmlns:p14="http://schemas.microsoft.com/office/powerpoint/2010/main" val="2275931222"/>
+      </p:ext>
+    </p:extLst>
+  </p:cSld>
+  <p:clrMapOvr>
+    <a:masterClrMapping/>
+  </p:clrMapOvr>
+</p:sld>
+</file>
+
 <file path=ppt/theme/theme1.xml><?xml version="1.0" encoding="utf-8"?>
 <a:theme xmlns:a="http://schemas.openxmlformats.org/drawingml/2006/main" name="Office Theme">
   <a:themeElements>

--- a/docs/figures/figures.pptx
+++ b/docs/figures/figures.pptx
@@ -5,8 +5,8 @@
     <p:sldMasterId id="2147483648" r:id="rId1"/>
   </p:sldMasterIdLst>
   <p:sldIdLst>
-    <p:sldId id="257" r:id="rId2"/>
-    <p:sldId id="258" r:id="rId3"/>
+    <p:sldId id="258" r:id="rId2"/>
+    <p:sldId id="257" r:id="rId3"/>
   </p:sldIdLst>
   <p:sldSz cx="12192000" cy="6858000"/>
   <p:notesSz cx="6858000" cy="9144000"/>
@@ -3327,6 +3327,170 @@
           <a:chExt cx="0" cy="0"/>
         </a:xfrm>
       </p:grpSpPr>
+      <p:sp>
+        <p:nvSpPr>
+          <p:cNvPr id="12" name="Rectangle 11">
+            <a:extLst>
+              <a:ext uri="{FF2B5EF4-FFF2-40B4-BE49-F238E27FC236}">
+                <a16:creationId xmlns:a16="http://schemas.microsoft.com/office/drawing/2014/main" id="{53A239F0-9EF5-41F4-B7C9-9C3B5BB509D1}"/>
+              </a:ext>
+            </a:extLst>
+          </p:cNvPr>
+          <p:cNvSpPr/>
+          <p:nvPr/>
+        </p:nvSpPr>
+        <p:spPr>
+          <a:xfrm>
+            <a:off x="171450" y="1660634"/>
+            <a:ext cx="11872913" cy="3493870"/>
+          </a:xfrm>
+          <a:prstGeom prst="rect">
+            <a:avLst/>
+          </a:prstGeom>
+          <a:noFill/>
+          <a:ln>
+            <a:solidFill>
+              <a:schemeClr val="bg1">
+                <a:lumMod val="85000"/>
+              </a:schemeClr>
+            </a:solidFill>
+          </a:ln>
+        </p:spPr>
+        <p:style>
+          <a:lnRef idx="2">
+            <a:schemeClr val="accent1">
+              <a:shade val="50000"/>
+            </a:schemeClr>
+          </a:lnRef>
+          <a:fillRef idx="1">
+            <a:schemeClr val="accent1"/>
+          </a:fillRef>
+          <a:effectRef idx="0">
+            <a:schemeClr val="accent1"/>
+          </a:effectRef>
+          <a:fontRef idx="minor">
+            <a:schemeClr val="lt1"/>
+          </a:fontRef>
+        </p:style>
+        <p:txBody>
+          <a:bodyPr rtlCol="0" anchor="ctr"/>
+          <a:lstStyle/>
+          <a:p>
+            <a:pPr algn="ctr"/>
+            <a:endParaRPr lang="en-US"/>
+          </a:p>
+        </p:txBody>
+      </p:sp>
+      <p:pic>
+        <p:nvPicPr>
+          <p:cNvPr id="2" name="Picture 1">
+            <a:extLst>
+              <a:ext uri="{FF2B5EF4-FFF2-40B4-BE49-F238E27FC236}">
+                <a16:creationId xmlns:a16="http://schemas.microsoft.com/office/drawing/2014/main" id="{D89E6012-84EB-FE69-715D-A362EB7C0045}"/>
+              </a:ext>
+            </a:extLst>
+          </p:cNvPr>
+          <p:cNvPicPr>
+            <a:picLocks noChangeAspect="1"/>
+          </p:cNvPicPr>
+          <p:nvPr/>
+        </p:nvPicPr>
+        <p:blipFill>
+          <a:blip r:embed="rId2"/>
+          <a:stretch>
+            <a:fillRect/>
+          </a:stretch>
+        </p:blipFill>
+        <p:spPr>
+          <a:xfrm>
+            <a:off x="948558" y="1965434"/>
+            <a:ext cx="10743381" cy="2704692"/>
+          </a:xfrm>
+          <a:prstGeom prst="rect">
+            <a:avLst/>
+          </a:prstGeom>
+        </p:spPr>
+      </p:pic>
+      <p:sp>
+        <p:nvSpPr>
+          <p:cNvPr id="3" name="TextBox 2">
+            <a:extLst>
+              <a:ext uri="{FF2B5EF4-FFF2-40B4-BE49-F238E27FC236}">
+                <a16:creationId xmlns:a16="http://schemas.microsoft.com/office/drawing/2014/main" id="{2063DB09-F118-F601-A9B2-53BB088FEDAA}"/>
+              </a:ext>
+            </a:extLst>
+          </p:cNvPr>
+          <p:cNvSpPr txBox="1"/>
+          <p:nvPr/>
+        </p:nvSpPr>
+        <p:spPr>
+          <a:xfrm>
+            <a:off x="201009" y="4876753"/>
+            <a:ext cx="3209533" cy="246221"/>
+          </a:xfrm>
+          <a:prstGeom prst="rect">
+            <a:avLst/>
+          </a:prstGeom>
+          <a:noFill/>
+        </p:spPr>
+        <p:txBody>
+          <a:bodyPr wrap="none" rtlCol="0">
+            <a:spAutoFit/>
+          </a:bodyPr>
+          <a:lstStyle/>
+          <a:p>
+            <a:r>
+              <a:rPr lang="en-US" sz="1000" dirty="0">
+                <a:solidFill>
+                  <a:schemeClr val="bg1">
+                    <a:lumMod val="75000"/>
+                  </a:schemeClr>
+                </a:solidFill>
+                <a:latin typeface="Avenir Book" panose="02000503020000020003" pitchFamily="2" charset="0"/>
+              </a:rPr>
+              <a:t>figures-0 : 4-bit local quantum Fourier transformation</a:t>
+            </a:r>
+            <a:endParaRPr lang="en-US" sz="800" dirty="0">
+              <a:solidFill>
+                <a:schemeClr val="bg1">
+                  <a:lumMod val="75000"/>
+                </a:schemeClr>
+              </a:solidFill>
+              <a:latin typeface="Avenir Book" panose="02000503020000020003" pitchFamily="2" charset="0"/>
+            </a:endParaRPr>
+          </a:p>
+        </p:txBody>
+      </p:sp>
+    </p:spTree>
+    <p:extLst>
+      <p:ext uri="{BB962C8B-B14F-4D97-AF65-F5344CB8AC3E}">
+        <p14:creationId xmlns:p14="http://schemas.microsoft.com/office/powerpoint/2010/main" val="2275931222"/>
+      </p:ext>
+    </p:extLst>
+  </p:cSld>
+  <p:clrMapOvr>
+    <a:masterClrMapping/>
+  </p:clrMapOvr>
+</p:sld>
+</file>
+
+<file path=ppt/slides/slide2.xml><?xml version="1.0" encoding="utf-8"?>
+<p:sld xmlns:a="http://schemas.openxmlformats.org/drawingml/2006/main" xmlns:r="http://schemas.openxmlformats.org/officeDocument/2006/relationships" xmlns:p="http://schemas.openxmlformats.org/presentationml/2006/main">
+  <p:cSld>
+    <p:spTree>
+      <p:nvGrpSpPr>
+        <p:cNvPr id="1" name=""/>
+        <p:cNvGrpSpPr/>
+        <p:nvPr/>
+      </p:nvGrpSpPr>
+      <p:grpSpPr>
+        <a:xfrm>
+          <a:off x="0" y="0"/>
+          <a:ext cx="0" cy="0"/>
+          <a:chOff x="0" y="0"/>
+          <a:chExt cx="0" cy="0"/>
+        </a:xfrm>
+      </p:grpSpPr>
       <p:pic>
         <p:nvPicPr>
           <p:cNvPr id="2" name="Picture 1">
@@ -3798,7 +3962,7 @@
         <p:spPr>
           <a:xfrm>
             <a:off x="201009" y="6075484"/>
-            <a:ext cx="2473754" cy="246221"/>
+            <a:ext cx="2444900" cy="246221"/>
           </a:xfrm>
           <a:prstGeom prst="rect">
             <a:avLst/>
@@ -3820,7 +3984,7 @@
                 </a:solidFill>
                 <a:latin typeface="Avenir Book" panose="02000503020000020003" pitchFamily="2" charset="0"/>
               </a:rPr>
-              <a:t>figures-0 : Quantum Processor Registers</a:t>
+              <a:t>figures-1 : quantum processor registers</a:t>
             </a:r>
             <a:endParaRPr lang="en-US" sz="800" dirty="0">
               <a:solidFill>
@@ -3837,130 +4001,6 @@
     <p:extLst>
       <p:ext uri="{BB962C8B-B14F-4D97-AF65-F5344CB8AC3E}">
         <p14:creationId xmlns:p14="http://schemas.microsoft.com/office/powerpoint/2010/main" val="3810293133"/>
-      </p:ext>
-    </p:extLst>
-  </p:cSld>
-  <p:clrMapOvr>
-    <a:masterClrMapping/>
-  </p:clrMapOvr>
-</p:sld>
-</file>
-
-<file path=ppt/slides/slide2.xml><?xml version="1.0" encoding="utf-8"?>
-<p:sld xmlns:a="http://schemas.openxmlformats.org/drawingml/2006/main" xmlns:r="http://schemas.openxmlformats.org/officeDocument/2006/relationships" xmlns:p="http://schemas.openxmlformats.org/presentationml/2006/main">
-  <p:cSld>
-    <p:spTree>
-      <p:nvGrpSpPr>
-        <p:cNvPr id="1" name=""/>
-        <p:cNvGrpSpPr/>
-        <p:nvPr/>
-      </p:nvGrpSpPr>
-      <p:grpSpPr>
-        <a:xfrm>
-          <a:off x="0" y="0"/>
-          <a:ext cx="0" cy="0"/>
-          <a:chOff x="0" y="0"/>
-          <a:chExt cx="0" cy="0"/>
-        </a:xfrm>
-      </p:grpSpPr>
-      <p:sp>
-        <p:nvSpPr>
-          <p:cNvPr id="8" name="TextBox 7">
-            <a:extLst>
-              <a:ext uri="{FF2B5EF4-FFF2-40B4-BE49-F238E27FC236}">
-                <a16:creationId xmlns:a16="http://schemas.microsoft.com/office/drawing/2014/main" id="{963AD41F-43C9-2E27-AE48-2BFB88732422}"/>
-              </a:ext>
-            </a:extLst>
-          </p:cNvPr>
-          <p:cNvSpPr txBox="1"/>
-          <p:nvPr/>
-        </p:nvSpPr>
-        <p:spPr>
-          <a:xfrm>
-            <a:off x="5417769" y="3238292"/>
-            <a:ext cx="1356462" cy="338554"/>
-          </a:xfrm>
-          <a:prstGeom prst="rect">
-            <a:avLst/>
-          </a:prstGeom>
-          <a:noFill/>
-        </p:spPr>
-        <p:txBody>
-          <a:bodyPr wrap="none" rtlCol="0">
-            <a:spAutoFit/>
-          </a:bodyPr>
-          <a:lstStyle/>
-          <a:p>
-            <a:r>
-              <a:rPr lang="en-US" sz="1600" dirty="0">
-                <a:latin typeface="Avenir Book" panose="02000503020000020003" pitchFamily="2" charset="0"/>
-              </a:rPr>
-              <a:t>Second slide</a:t>
-            </a:r>
-            <a:endParaRPr lang="en-US" sz="1200" dirty="0">
-              <a:latin typeface="Avenir Book" panose="02000503020000020003" pitchFamily="2" charset="0"/>
-            </a:endParaRPr>
-          </a:p>
-        </p:txBody>
-      </p:sp>
-      <p:sp>
-        <p:nvSpPr>
-          <p:cNvPr id="12" name="Rectangle 11">
-            <a:extLst>
-              <a:ext uri="{FF2B5EF4-FFF2-40B4-BE49-F238E27FC236}">
-                <a16:creationId xmlns:a16="http://schemas.microsoft.com/office/drawing/2014/main" id="{53A239F0-9EF5-41F4-B7C9-9C3B5BB509D1}"/>
-              </a:ext>
-            </a:extLst>
-          </p:cNvPr>
-          <p:cNvSpPr/>
-          <p:nvPr/>
-        </p:nvSpPr>
-        <p:spPr>
-          <a:xfrm>
-            <a:off x="171450" y="471488"/>
-            <a:ext cx="11872913" cy="5872162"/>
-          </a:xfrm>
-          <a:prstGeom prst="rect">
-            <a:avLst/>
-          </a:prstGeom>
-          <a:noFill/>
-          <a:ln>
-            <a:solidFill>
-              <a:schemeClr val="bg1">
-                <a:lumMod val="85000"/>
-              </a:schemeClr>
-            </a:solidFill>
-          </a:ln>
-        </p:spPr>
-        <p:style>
-          <a:lnRef idx="2">
-            <a:schemeClr val="accent1">
-              <a:shade val="50000"/>
-            </a:schemeClr>
-          </a:lnRef>
-          <a:fillRef idx="1">
-            <a:schemeClr val="accent1"/>
-          </a:fillRef>
-          <a:effectRef idx="0">
-            <a:schemeClr val="accent1"/>
-          </a:effectRef>
-          <a:fontRef idx="minor">
-            <a:schemeClr val="lt1"/>
-          </a:fontRef>
-        </p:style>
-        <p:txBody>
-          <a:bodyPr rtlCol="0" anchor="ctr"/>
-          <a:lstStyle/>
-          <a:p>
-            <a:pPr algn="ctr"/>
-            <a:endParaRPr lang="en-US"/>
-          </a:p>
-        </p:txBody>
-      </p:sp>
-    </p:spTree>
-    <p:extLst>
-      <p:ext uri="{BB962C8B-B14F-4D97-AF65-F5344CB8AC3E}">
-        <p14:creationId xmlns:p14="http://schemas.microsoft.com/office/powerpoint/2010/main" val="2275931222"/>
       </p:ext>
     </p:extLst>
   </p:cSld>

--- a/docs/figures/figures.pptx
+++ b/docs/figures/figures.pptx
@@ -6,7 +6,8 @@
   </p:sldMasterIdLst>
   <p:sldIdLst>
     <p:sldId id="258" r:id="rId2"/>
-    <p:sldId id="257" r:id="rId3"/>
+    <p:sldId id="259" r:id="rId3"/>
+    <p:sldId id="257" r:id="rId4"/>
   </p:sldIdLst>
   <p:sldSz cx="12192000" cy="6858000"/>
   <p:notesSz cx="6858000" cy="9144000"/>
@@ -3496,6 +3497,170 @@
           <p:cNvPr id="2" name="Picture 1">
             <a:extLst>
               <a:ext uri="{FF2B5EF4-FFF2-40B4-BE49-F238E27FC236}">
+                <a16:creationId xmlns:a16="http://schemas.microsoft.com/office/drawing/2014/main" id="{49C3CE69-8119-3BB7-DA97-9615E5420FA0}"/>
+              </a:ext>
+            </a:extLst>
+          </p:cNvPr>
+          <p:cNvPicPr>
+            <a:picLocks noChangeAspect="1"/>
+          </p:cNvPicPr>
+          <p:nvPr/>
+        </p:nvPicPr>
+        <p:blipFill>
+          <a:blip r:embed="rId2"/>
+          <a:stretch>
+            <a:fillRect/>
+          </a:stretch>
+        </p:blipFill>
+        <p:spPr>
+          <a:xfrm>
+            <a:off x="1134544" y="2140521"/>
+            <a:ext cx="10070486" cy="2576958"/>
+          </a:xfrm>
+          <a:prstGeom prst="rect">
+            <a:avLst/>
+          </a:prstGeom>
+        </p:spPr>
+      </p:pic>
+      <p:sp>
+        <p:nvSpPr>
+          <p:cNvPr id="3" name="Rectangle 2">
+            <a:extLst>
+              <a:ext uri="{FF2B5EF4-FFF2-40B4-BE49-F238E27FC236}">
+                <a16:creationId xmlns:a16="http://schemas.microsoft.com/office/drawing/2014/main" id="{8EC5EBF3-0EC5-F92B-C108-DA02173BFBE6}"/>
+              </a:ext>
+            </a:extLst>
+          </p:cNvPr>
+          <p:cNvSpPr/>
+          <p:nvPr/>
+        </p:nvSpPr>
+        <p:spPr>
+          <a:xfrm>
+            <a:off x="171450" y="1660634"/>
+            <a:ext cx="11872913" cy="3493870"/>
+          </a:xfrm>
+          <a:prstGeom prst="rect">
+            <a:avLst/>
+          </a:prstGeom>
+          <a:noFill/>
+          <a:ln>
+            <a:solidFill>
+              <a:schemeClr val="bg1">
+                <a:lumMod val="85000"/>
+              </a:schemeClr>
+            </a:solidFill>
+          </a:ln>
+        </p:spPr>
+        <p:style>
+          <a:lnRef idx="2">
+            <a:schemeClr val="accent1">
+              <a:shade val="50000"/>
+            </a:schemeClr>
+          </a:lnRef>
+          <a:fillRef idx="1">
+            <a:schemeClr val="accent1"/>
+          </a:fillRef>
+          <a:effectRef idx="0">
+            <a:schemeClr val="accent1"/>
+          </a:effectRef>
+          <a:fontRef idx="minor">
+            <a:schemeClr val="lt1"/>
+          </a:fontRef>
+        </p:style>
+        <p:txBody>
+          <a:bodyPr rtlCol="0" anchor="ctr"/>
+          <a:lstStyle/>
+          <a:p>
+            <a:pPr algn="ctr"/>
+            <a:endParaRPr lang="en-US"/>
+          </a:p>
+        </p:txBody>
+      </p:sp>
+      <p:sp>
+        <p:nvSpPr>
+          <p:cNvPr id="4" name="TextBox 3">
+            <a:extLst>
+              <a:ext uri="{FF2B5EF4-FFF2-40B4-BE49-F238E27FC236}">
+                <a16:creationId xmlns:a16="http://schemas.microsoft.com/office/drawing/2014/main" id="{D1E2D570-0021-0772-9537-D4427AC2480F}"/>
+              </a:ext>
+            </a:extLst>
+          </p:cNvPr>
+          <p:cNvSpPr txBox="1"/>
+          <p:nvPr/>
+        </p:nvSpPr>
+        <p:spPr>
+          <a:xfrm>
+            <a:off x="201009" y="4876753"/>
+            <a:ext cx="3316934" cy="246221"/>
+          </a:xfrm>
+          <a:prstGeom prst="rect">
+            <a:avLst/>
+          </a:prstGeom>
+          <a:noFill/>
+        </p:spPr>
+        <p:txBody>
+          <a:bodyPr wrap="none" rtlCol="0">
+            <a:spAutoFit/>
+          </a:bodyPr>
+          <a:lstStyle/>
+          <a:p>
+            <a:r>
+              <a:rPr lang="en-US" sz="1000" dirty="0">
+                <a:solidFill>
+                  <a:schemeClr val="bg1">
+                    <a:lumMod val="75000"/>
+                  </a:schemeClr>
+                </a:solidFill>
+                <a:latin typeface="Avenir Book" panose="02000503020000020003" pitchFamily="2" charset="0"/>
+              </a:rPr>
+              <a:t>figures-1 : Bloch multi-vector for 4-bit QFT with input 3</a:t>
+            </a:r>
+            <a:endParaRPr lang="en-US" sz="800" dirty="0">
+              <a:solidFill>
+                <a:schemeClr val="bg1">
+                  <a:lumMod val="75000"/>
+                </a:schemeClr>
+              </a:solidFill>
+              <a:latin typeface="Avenir Book" panose="02000503020000020003" pitchFamily="2" charset="0"/>
+            </a:endParaRPr>
+          </a:p>
+        </p:txBody>
+      </p:sp>
+    </p:spTree>
+    <p:extLst>
+      <p:ext uri="{BB962C8B-B14F-4D97-AF65-F5344CB8AC3E}">
+        <p14:creationId xmlns:p14="http://schemas.microsoft.com/office/powerpoint/2010/main" val="3874470473"/>
+      </p:ext>
+    </p:extLst>
+  </p:cSld>
+  <p:clrMapOvr>
+    <a:masterClrMapping/>
+  </p:clrMapOvr>
+</p:sld>
+</file>
+
+<file path=ppt/slides/slide3.xml><?xml version="1.0" encoding="utf-8"?>
+<p:sld xmlns:a="http://schemas.openxmlformats.org/drawingml/2006/main" xmlns:r="http://schemas.openxmlformats.org/officeDocument/2006/relationships" xmlns:p="http://schemas.openxmlformats.org/presentationml/2006/main">
+  <p:cSld>
+    <p:spTree>
+      <p:nvGrpSpPr>
+        <p:cNvPr id="1" name=""/>
+        <p:cNvGrpSpPr/>
+        <p:nvPr/>
+      </p:nvGrpSpPr>
+      <p:grpSpPr>
+        <a:xfrm>
+          <a:off x="0" y="0"/>
+          <a:ext cx="0" cy="0"/>
+          <a:chOff x="0" y="0"/>
+          <a:chExt cx="0" cy="0"/>
+        </a:xfrm>
+      </p:grpSpPr>
+      <p:pic>
+        <p:nvPicPr>
+          <p:cNvPr id="2" name="Picture 1">
+            <a:extLst>
+              <a:ext uri="{FF2B5EF4-FFF2-40B4-BE49-F238E27FC236}">
                 <a16:creationId xmlns:a16="http://schemas.microsoft.com/office/drawing/2014/main" id="{04528B67-5DEC-A5F2-1649-7CA6599B2895}"/>
               </a:ext>
             </a:extLst>
@@ -3962,7 +4127,7 @@
         <p:spPr>
           <a:xfrm>
             <a:off x="201009" y="6075484"/>
-            <a:ext cx="2444900" cy="246221"/>
+            <a:ext cx="2417650" cy="246221"/>
           </a:xfrm>
           <a:prstGeom prst="rect">
             <a:avLst/>
@@ -3984,7 +4149,7 @@
                 </a:solidFill>
                 <a:latin typeface="Avenir Book" panose="02000503020000020003" pitchFamily="2" charset="0"/>
               </a:rPr>
-              <a:t>figures-1 : quantum processor registers</a:t>
+              <a:t>figures-2 : quantum processor registers</a:t>
             </a:r>
             <a:endParaRPr lang="en-US" sz="800" dirty="0">
               <a:solidFill>

--- a/docs/figures/figures.pptx
+++ b/docs/figures/figures.pptx
@@ -7,7 +7,8 @@
   <p:sldIdLst>
     <p:sldId id="258" r:id="rId2"/>
     <p:sldId id="259" r:id="rId3"/>
-    <p:sldId id="257" r:id="rId4"/>
+    <p:sldId id="260" r:id="rId4"/>
+    <p:sldId id="257" r:id="rId5"/>
   </p:sldIdLst>
   <p:sldSz cx="12192000" cy="6858000"/>
   <p:notesSz cx="6858000" cy="9144000"/>
@@ -3661,6 +3662,170 @@
           <p:cNvPr id="2" name="Picture 1">
             <a:extLst>
               <a:ext uri="{FF2B5EF4-FFF2-40B4-BE49-F238E27FC236}">
+                <a16:creationId xmlns:a16="http://schemas.microsoft.com/office/drawing/2014/main" id="{1460B762-9644-4936-210D-81AD5A52D13D}"/>
+              </a:ext>
+            </a:extLst>
+          </p:cNvPr>
+          <p:cNvPicPr>
+            <a:picLocks noChangeAspect="1"/>
+          </p:cNvPicPr>
+          <p:nvPr/>
+        </p:nvPicPr>
+        <p:blipFill>
+          <a:blip r:embed="rId2"/>
+          <a:stretch>
+            <a:fillRect/>
+          </a:stretch>
+        </p:blipFill>
+        <p:spPr>
+          <a:xfrm>
+            <a:off x="1663262" y="1460937"/>
+            <a:ext cx="9343728" cy="3603411"/>
+          </a:xfrm>
+          <a:prstGeom prst="rect">
+            <a:avLst/>
+          </a:prstGeom>
+        </p:spPr>
+      </p:pic>
+      <p:sp>
+        <p:nvSpPr>
+          <p:cNvPr id="3" name="Rectangle 2">
+            <a:extLst>
+              <a:ext uri="{FF2B5EF4-FFF2-40B4-BE49-F238E27FC236}">
+                <a16:creationId xmlns:a16="http://schemas.microsoft.com/office/drawing/2014/main" id="{421FE0EC-03B0-0015-3D11-701461754577}"/>
+              </a:ext>
+            </a:extLst>
+          </p:cNvPr>
+          <p:cNvSpPr/>
+          <p:nvPr/>
+        </p:nvSpPr>
+        <p:spPr>
+          <a:xfrm>
+            <a:off x="171450" y="1660634"/>
+            <a:ext cx="11872913" cy="3493870"/>
+          </a:xfrm>
+          <a:prstGeom prst="rect">
+            <a:avLst/>
+          </a:prstGeom>
+          <a:noFill/>
+          <a:ln>
+            <a:solidFill>
+              <a:schemeClr val="bg1">
+                <a:lumMod val="85000"/>
+              </a:schemeClr>
+            </a:solidFill>
+          </a:ln>
+        </p:spPr>
+        <p:style>
+          <a:lnRef idx="2">
+            <a:schemeClr val="accent1">
+              <a:shade val="50000"/>
+            </a:schemeClr>
+          </a:lnRef>
+          <a:fillRef idx="1">
+            <a:schemeClr val="accent1"/>
+          </a:fillRef>
+          <a:effectRef idx="0">
+            <a:schemeClr val="accent1"/>
+          </a:effectRef>
+          <a:fontRef idx="minor">
+            <a:schemeClr val="lt1"/>
+          </a:fontRef>
+        </p:style>
+        <p:txBody>
+          <a:bodyPr rtlCol="0" anchor="ctr"/>
+          <a:lstStyle/>
+          <a:p>
+            <a:pPr algn="ctr"/>
+            <a:endParaRPr lang="en-US"/>
+          </a:p>
+        </p:txBody>
+      </p:sp>
+      <p:sp>
+        <p:nvSpPr>
+          <p:cNvPr id="4" name="TextBox 3">
+            <a:extLst>
+              <a:ext uri="{FF2B5EF4-FFF2-40B4-BE49-F238E27FC236}">
+                <a16:creationId xmlns:a16="http://schemas.microsoft.com/office/drawing/2014/main" id="{EED4190C-48A5-0B8A-E7FE-5459AA1721BB}"/>
+              </a:ext>
+            </a:extLst>
+          </p:cNvPr>
+          <p:cNvSpPr txBox="1"/>
+          <p:nvPr/>
+        </p:nvSpPr>
+        <p:spPr>
+          <a:xfrm>
+            <a:off x="201009" y="4876753"/>
+            <a:ext cx="3592650" cy="246221"/>
+          </a:xfrm>
+          <a:prstGeom prst="rect">
+            <a:avLst/>
+          </a:prstGeom>
+          <a:noFill/>
+        </p:spPr>
+        <p:txBody>
+          <a:bodyPr wrap="none" rtlCol="0">
+            <a:spAutoFit/>
+          </a:bodyPr>
+          <a:lstStyle/>
+          <a:p>
+            <a:r>
+              <a:rPr lang="en-US" sz="1000" dirty="0">
+                <a:solidFill>
+                  <a:schemeClr val="bg1">
+                    <a:lumMod val="75000"/>
+                  </a:schemeClr>
+                </a:solidFill>
+                <a:latin typeface="Avenir Book" panose="02000503020000020003" pitchFamily="2" charset="0"/>
+              </a:rPr>
+              <a:t>figures-2 : Density matrix city plot for 4-bit QFT with input 3</a:t>
+            </a:r>
+            <a:endParaRPr lang="en-US" sz="800" dirty="0">
+              <a:solidFill>
+                <a:schemeClr val="bg1">
+                  <a:lumMod val="75000"/>
+                </a:schemeClr>
+              </a:solidFill>
+              <a:latin typeface="Avenir Book" panose="02000503020000020003" pitchFamily="2" charset="0"/>
+            </a:endParaRPr>
+          </a:p>
+        </p:txBody>
+      </p:sp>
+    </p:spTree>
+    <p:extLst>
+      <p:ext uri="{BB962C8B-B14F-4D97-AF65-F5344CB8AC3E}">
+        <p14:creationId xmlns:p14="http://schemas.microsoft.com/office/powerpoint/2010/main" val="1268461441"/>
+      </p:ext>
+    </p:extLst>
+  </p:cSld>
+  <p:clrMapOvr>
+    <a:masterClrMapping/>
+  </p:clrMapOvr>
+</p:sld>
+</file>
+
+<file path=ppt/slides/slide4.xml><?xml version="1.0" encoding="utf-8"?>
+<p:sld xmlns:a="http://schemas.openxmlformats.org/drawingml/2006/main" xmlns:r="http://schemas.openxmlformats.org/officeDocument/2006/relationships" xmlns:p="http://schemas.openxmlformats.org/presentationml/2006/main">
+  <p:cSld>
+    <p:spTree>
+      <p:nvGrpSpPr>
+        <p:cNvPr id="1" name=""/>
+        <p:cNvGrpSpPr/>
+        <p:nvPr/>
+      </p:nvGrpSpPr>
+      <p:grpSpPr>
+        <a:xfrm>
+          <a:off x="0" y="0"/>
+          <a:ext cx="0" cy="0"/>
+          <a:chOff x="0" y="0"/>
+          <a:chExt cx="0" cy="0"/>
+        </a:xfrm>
+      </p:grpSpPr>
+      <p:pic>
+        <p:nvPicPr>
+          <p:cNvPr id="2" name="Picture 1">
+            <a:extLst>
+              <a:ext uri="{FF2B5EF4-FFF2-40B4-BE49-F238E27FC236}">
                 <a16:creationId xmlns:a16="http://schemas.microsoft.com/office/drawing/2014/main" id="{04528B67-5DEC-A5F2-1649-7CA6599B2895}"/>
               </a:ext>
             </a:extLst>
@@ -4149,7 +4314,7 @@
                 </a:solidFill>
                 <a:latin typeface="Avenir Book" panose="02000503020000020003" pitchFamily="2" charset="0"/>
               </a:rPr>
-              <a:t>figures-2 : quantum processor registers</a:t>
+              <a:t>figures-3 : quantum processor registers</a:t>
             </a:r>
             <a:endParaRPr lang="en-US" sz="800" dirty="0">
               <a:solidFill>

--- a/docs/figures/figures.pptx
+++ b/docs/figures/figures.pptx
@@ -5,10 +5,10 @@
     <p:sldMasterId id="2147483648" r:id="rId1"/>
   </p:sldMasterIdLst>
   <p:sldIdLst>
-    <p:sldId id="258" r:id="rId2"/>
-    <p:sldId id="259" r:id="rId3"/>
-    <p:sldId id="260" r:id="rId4"/>
-    <p:sldId id="257" r:id="rId5"/>
+    <p:sldId id="257" r:id="rId2"/>
+    <p:sldId id="258" r:id="rId3"/>
+    <p:sldId id="259" r:id="rId4"/>
+    <p:sldId id="260" r:id="rId5"/>
   </p:sldIdLst>
   <p:sldSz cx="12192000" cy="6858000"/>
   <p:notesSz cx="6858000" cy="9144000"/>
@@ -262,7 +262,7 @@
           <a:p>
             <a:fld id="{1D260CC7-D420-F644-9F41-59E094E33DC7}" type="datetimeFigureOut">
               <a:rPr lang="en-US" smtClean="0"/>
-              <a:t>11/30/22</a:t>
+              <a:t>12/19/22</a:t>
             </a:fld>
             <a:endParaRPr lang="en-US"/>
           </a:p>
@@ -460,7 +460,7 @@
           <a:p>
             <a:fld id="{1D260CC7-D420-F644-9F41-59E094E33DC7}" type="datetimeFigureOut">
               <a:rPr lang="en-US" smtClean="0"/>
-              <a:t>11/30/22</a:t>
+              <a:t>12/19/22</a:t>
             </a:fld>
             <a:endParaRPr lang="en-US"/>
           </a:p>
@@ -668,7 +668,7 @@
           <a:p>
             <a:fld id="{1D260CC7-D420-F644-9F41-59E094E33DC7}" type="datetimeFigureOut">
               <a:rPr lang="en-US" smtClean="0"/>
-              <a:t>11/30/22</a:t>
+              <a:t>12/19/22</a:t>
             </a:fld>
             <a:endParaRPr lang="en-US"/>
           </a:p>
@@ -866,7 +866,7 @@
           <a:p>
             <a:fld id="{1D260CC7-D420-F644-9F41-59E094E33DC7}" type="datetimeFigureOut">
               <a:rPr lang="en-US" smtClean="0"/>
-              <a:t>11/30/22</a:t>
+              <a:t>12/19/22</a:t>
             </a:fld>
             <a:endParaRPr lang="en-US"/>
           </a:p>
@@ -1141,7 +1141,7 @@
           <a:p>
             <a:fld id="{1D260CC7-D420-F644-9F41-59E094E33DC7}" type="datetimeFigureOut">
               <a:rPr lang="en-US" smtClean="0"/>
-              <a:t>11/30/22</a:t>
+              <a:t>12/19/22</a:t>
             </a:fld>
             <a:endParaRPr lang="en-US"/>
           </a:p>
@@ -1406,7 +1406,7 @@
           <a:p>
             <a:fld id="{1D260CC7-D420-F644-9F41-59E094E33DC7}" type="datetimeFigureOut">
               <a:rPr lang="en-US" smtClean="0"/>
-              <a:t>11/30/22</a:t>
+              <a:t>12/19/22</a:t>
             </a:fld>
             <a:endParaRPr lang="en-US"/>
           </a:p>
@@ -1818,7 +1818,7 @@
           <a:p>
             <a:fld id="{1D260CC7-D420-F644-9F41-59E094E33DC7}" type="datetimeFigureOut">
               <a:rPr lang="en-US" smtClean="0"/>
-              <a:t>11/30/22</a:t>
+              <a:t>12/19/22</a:t>
             </a:fld>
             <a:endParaRPr lang="en-US"/>
           </a:p>
@@ -1959,7 +1959,7 @@
           <a:p>
             <a:fld id="{1D260CC7-D420-F644-9F41-59E094E33DC7}" type="datetimeFigureOut">
               <a:rPr lang="en-US" smtClean="0"/>
-              <a:t>11/30/22</a:t>
+              <a:t>12/19/22</a:t>
             </a:fld>
             <a:endParaRPr lang="en-US"/>
           </a:p>
@@ -2072,7 +2072,7 @@
           <a:p>
             <a:fld id="{1D260CC7-D420-F644-9F41-59E094E33DC7}" type="datetimeFigureOut">
               <a:rPr lang="en-US" smtClean="0"/>
-              <a:t>11/30/22</a:t>
+              <a:t>12/19/22</a:t>
             </a:fld>
             <a:endParaRPr lang="en-US"/>
           </a:p>
@@ -2383,7 +2383,7 @@
           <a:p>
             <a:fld id="{1D260CC7-D420-F644-9F41-59E094E33DC7}" type="datetimeFigureOut">
               <a:rPr lang="en-US" smtClean="0"/>
-              <a:t>11/30/22</a:t>
+              <a:t>12/19/22</a:t>
             </a:fld>
             <a:endParaRPr lang="en-US"/>
           </a:p>
@@ -2671,7 +2671,7 @@
           <a:p>
             <a:fld id="{1D260CC7-D420-F644-9F41-59E094E33DC7}" type="datetimeFigureOut">
               <a:rPr lang="en-US" smtClean="0"/>
-              <a:t>11/30/22</a:t>
+              <a:t>12/19/22</a:t>
             </a:fld>
             <a:endParaRPr lang="en-US"/>
           </a:p>
@@ -2912,7 +2912,7 @@
           <a:p>
             <a:fld id="{1D260CC7-D420-F644-9F41-59E094E33DC7}" type="datetimeFigureOut">
               <a:rPr lang="en-US" smtClean="0"/>
-              <a:t>11/30/22</a:t>
+              <a:t>12/19/22</a:t>
             </a:fld>
             <a:endParaRPr lang="en-US"/>
           </a:p>
@@ -3329,6 +3329,542 @@
           <a:chExt cx="0" cy="0"/>
         </a:xfrm>
       </p:grpSpPr>
+      <p:pic>
+        <p:nvPicPr>
+          <p:cNvPr id="2" name="Picture 1">
+            <a:extLst>
+              <a:ext uri="{FF2B5EF4-FFF2-40B4-BE49-F238E27FC236}">
+                <a16:creationId xmlns:a16="http://schemas.microsoft.com/office/drawing/2014/main" id="{04528B67-5DEC-A5F2-1649-7CA6599B2895}"/>
+              </a:ext>
+            </a:extLst>
+          </p:cNvPr>
+          <p:cNvPicPr>
+            <a:picLocks noChangeAspect="1"/>
+          </p:cNvPicPr>
+          <p:nvPr/>
+        </p:nvPicPr>
+        <p:blipFill>
+          <a:blip r:embed="rId2"/>
+          <a:stretch>
+            <a:fillRect/>
+          </a:stretch>
+        </p:blipFill>
+        <p:spPr>
+          <a:xfrm>
+            <a:off x="3435340" y="628650"/>
+            <a:ext cx="3302000" cy="5600700"/>
+          </a:xfrm>
+          <a:prstGeom prst="rect">
+            <a:avLst/>
+          </a:prstGeom>
+        </p:spPr>
+      </p:pic>
+      <p:sp>
+        <p:nvSpPr>
+          <p:cNvPr id="4" name="Rectangle 3">
+            <a:extLst>
+              <a:ext uri="{FF2B5EF4-FFF2-40B4-BE49-F238E27FC236}">
+                <a16:creationId xmlns:a16="http://schemas.microsoft.com/office/drawing/2014/main" id="{D3821130-6BA8-ADF6-A295-F9CC7A32446A}"/>
+              </a:ext>
+            </a:extLst>
+          </p:cNvPr>
+          <p:cNvSpPr/>
+          <p:nvPr/>
+        </p:nvSpPr>
+        <p:spPr>
+          <a:xfrm>
+            <a:off x="3600441" y="671514"/>
+            <a:ext cx="3057526" cy="2100263"/>
+          </a:xfrm>
+          <a:prstGeom prst="rect">
+            <a:avLst/>
+          </a:prstGeom>
+          <a:noFill/>
+          <a:ln>
+            <a:solidFill>
+              <a:srgbClr val="FF0000"/>
+            </a:solidFill>
+          </a:ln>
+        </p:spPr>
+        <p:style>
+          <a:lnRef idx="2">
+            <a:schemeClr val="accent1">
+              <a:shade val="50000"/>
+            </a:schemeClr>
+          </a:lnRef>
+          <a:fillRef idx="1">
+            <a:schemeClr val="accent1"/>
+          </a:fillRef>
+          <a:effectRef idx="0">
+            <a:schemeClr val="accent1"/>
+          </a:effectRef>
+          <a:fontRef idx="minor">
+            <a:schemeClr val="lt1"/>
+          </a:fontRef>
+        </p:style>
+        <p:txBody>
+          <a:bodyPr rtlCol="0" anchor="ctr"/>
+          <a:lstStyle/>
+          <a:p>
+            <a:pPr algn="ctr"/>
+            <a:endParaRPr lang="en-US"/>
+          </a:p>
+        </p:txBody>
+      </p:sp>
+      <p:sp>
+        <p:nvSpPr>
+          <p:cNvPr id="5" name="Rectangle 4">
+            <a:extLst>
+              <a:ext uri="{FF2B5EF4-FFF2-40B4-BE49-F238E27FC236}">
+                <a16:creationId xmlns:a16="http://schemas.microsoft.com/office/drawing/2014/main" id="{CCFE9FF9-AB6D-5320-37BD-C4EC9CDFA29E}"/>
+              </a:ext>
+            </a:extLst>
+          </p:cNvPr>
+          <p:cNvSpPr/>
+          <p:nvPr/>
+        </p:nvSpPr>
+        <p:spPr>
+          <a:xfrm>
+            <a:off x="3600441" y="2863065"/>
+            <a:ext cx="3057526" cy="2100263"/>
+          </a:xfrm>
+          <a:prstGeom prst="rect">
+            <a:avLst/>
+          </a:prstGeom>
+          <a:noFill/>
+          <a:ln>
+            <a:solidFill>
+              <a:schemeClr val="accent6">
+                <a:lumMod val="75000"/>
+              </a:schemeClr>
+            </a:solidFill>
+          </a:ln>
+        </p:spPr>
+        <p:style>
+          <a:lnRef idx="2">
+            <a:schemeClr val="accent1">
+              <a:shade val="50000"/>
+            </a:schemeClr>
+          </a:lnRef>
+          <a:fillRef idx="1">
+            <a:schemeClr val="accent1"/>
+          </a:fillRef>
+          <a:effectRef idx="0">
+            <a:schemeClr val="accent1"/>
+          </a:effectRef>
+          <a:fontRef idx="minor">
+            <a:schemeClr val="lt1"/>
+          </a:fontRef>
+        </p:style>
+        <p:txBody>
+          <a:bodyPr rtlCol="0" anchor="ctr"/>
+          <a:lstStyle/>
+          <a:p>
+            <a:pPr algn="ctr"/>
+            <a:endParaRPr lang="en-US"/>
+          </a:p>
+        </p:txBody>
+      </p:sp>
+      <p:sp>
+        <p:nvSpPr>
+          <p:cNvPr id="6" name="Rectangle 5">
+            <a:extLst>
+              <a:ext uri="{FF2B5EF4-FFF2-40B4-BE49-F238E27FC236}">
+                <a16:creationId xmlns:a16="http://schemas.microsoft.com/office/drawing/2014/main" id="{C0C02DF9-85C6-870D-2EDA-29E2DD95F495}"/>
+              </a:ext>
+            </a:extLst>
+          </p:cNvPr>
+          <p:cNvSpPr/>
+          <p:nvPr/>
+        </p:nvSpPr>
+        <p:spPr>
+          <a:xfrm>
+            <a:off x="3600441" y="5054616"/>
+            <a:ext cx="3057526" cy="457192"/>
+          </a:xfrm>
+          <a:prstGeom prst="rect">
+            <a:avLst/>
+          </a:prstGeom>
+          <a:noFill/>
+          <a:ln>
+            <a:solidFill>
+              <a:srgbClr val="FF0000"/>
+            </a:solidFill>
+          </a:ln>
+        </p:spPr>
+        <p:style>
+          <a:lnRef idx="2">
+            <a:schemeClr val="accent1">
+              <a:shade val="50000"/>
+            </a:schemeClr>
+          </a:lnRef>
+          <a:fillRef idx="1">
+            <a:schemeClr val="accent1"/>
+          </a:fillRef>
+          <a:effectRef idx="0">
+            <a:schemeClr val="accent1"/>
+          </a:effectRef>
+          <a:fontRef idx="minor">
+            <a:schemeClr val="lt1"/>
+          </a:fontRef>
+        </p:style>
+        <p:txBody>
+          <a:bodyPr rtlCol="0" anchor="ctr"/>
+          <a:lstStyle/>
+          <a:p>
+            <a:pPr algn="ctr"/>
+            <a:endParaRPr lang="en-US"/>
+          </a:p>
+        </p:txBody>
+      </p:sp>
+      <p:sp>
+        <p:nvSpPr>
+          <p:cNvPr id="7" name="Rectangle 6">
+            <a:extLst>
+              <a:ext uri="{FF2B5EF4-FFF2-40B4-BE49-F238E27FC236}">
+                <a16:creationId xmlns:a16="http://schemas.microsoft.com/office/drawing/2014/main" id="{0980D113-7E8F-2BC0-867C-1CAA6AD1C35B}"/>
+              </a:ext>
+            </a:extLst>
+          </p:cNvPr>
+          <p:cNvSpPr/>
+          <p:nvPr/>
+        </p:nvSpPr>
+        <p:spPr>
+          <a:xfrm>
+            <a:off x="3600441" y="5603095"/>
+            <a:ext cx="3057526" cy="457192"/>
+          </a:xfrm>
+          <a:prstGeom prst="rect">
+            <a:avLst/>
+          </a:prstGeom>
+          <a:noFill/>
+          <a:ln>
+            <a:solidFill>
+              <a:schemeClr val="accent6">
+                <a:lumMod val="75000"/>
+              </a:schemeClr>
+            </a:solidFill>
+          </a:ln>
+        </p:spPr>
+        <p:style>
+          <a:lnRef idx="2">
+            <a:schemeClr val="accent1">
+              <a:shade val="50000"/>
+            </a:schemeClr>
+          </a:lnRef>
+          <a:fillRef idx="1">
+            <a:schemeClr val="accent1"/>
+          </a:fillRef>
+          <a:effectRef idx="0">
+            <a:schemeClr val="accent1"/>
+          </a:effectRef>
+          <a:fontRef idx="minor">
+            <a:schemeClr val="lt1"/>
+          </a:fontRef>
+        </p:style>
+        <p:txBody>
+          <a:bodyPr rtlCol="0" anchor="ctr"/>
+          <a:lstStyle/>
+          <a:p>
+            <a:pPr algn="ctr"/>
+            <a:endParaRPr lang="en-US"/>
+          </a:p>
+        </p:txBody>
+      </p:sp>
+      <p:sp>
+        <p:nvSpPr>
+          <p:cNvPr id="8" name="TextBox 7">
+            <a:extLst>
+              <a:ext uri="{FF2B5EF4-FFF2-40B4-BE49-F238E27FC236}">
+                <a16:creationId xmlns:a16="http://schemas.microsoft.com/office/drawing/2014/main" id="{963AD41F-43C9-2E27-AE48-2BFB88732422}"/>
+              </a:ext>
+            </a:extLst>
+          </p:cNvPr>
+          <p:cNvSpPr txBox="1"/>
+          <p:nvPr/>
+        </p:nvSpPr>
+        <p:spPr>
+          <a:xfrm>
+            <a:off x="6743695" y="1536979"/>
+            <a:ext cx="2652777" cy="338554"/>
+          </a:xfrm>
+          <a:prstGeom prst="rect">
+            <a:avLst/>
+          </a:prstGeom>
+          <a:noFill/>
+        </p:spPr>
+        <p:txBody>
+          <a:bodyPr wrap="none" rtlCol="0">
+            <a:spAutoFit/>
+          </a:bodyPr>
+          <a:lstStyle/>
+          <a:p>
+            <a:r>
+              <a:rPr lang="en-US" sz="1600" dirty="0">
+                <a:latin typeface="Avenir Book" panose="02000503020000020003" pitchFamily="2" charset="0"/>
+              </a:rPr>
+              <a:t>Processor #0 (Alice) qubits </a:t>
+            </a:r>
+            <a:endParaRPr lang="en-US" sz="1200" dirty="0">
+              <a:latin typeface="Avenir Book" panose="02000503020000020003" pitchFamily="2" charset="0"/>
+            </a:endParaRPr>
+          </a:p>
+        </p:txBody>
+      </p:sp>
+      <p:sp>
+        <p:nvSpPr>
+          <p:cNvPr id="9" name="TextBox 8">
+            <a:extLst>
+              <a:ext uri="{FF2B5EF4-FFF2-40B4-BE49-F238E27FC236}">
+                <a16:creationId xmlns:a16="http://schemas.microsoft.com/office/drawing/2014/main" id="{C084BCA4-0FDA-563B-5A85-3841B147B63C}"/>
+              </a:ext>
+            </a:extLst>
+          </p:cNvPr>
+          <p:cNvSpPr txBox="1"/>
+          <p:nvPr/>
+        </p:nvSpPr>
+        <p:spPr>
+          <a:xfrm>
+            <a:off x="6743695" y="3753713"/>
+            <a:ext cx="2575833" cy="338554"/>
+          </a:xfrm>
+          <a:prstGeom prst="rect">
+            <a:avLst/>
+          </a:prstGeom>
+          <a:noFill/>
+        </p:spPr>
+        <p:txBody>
+          <a:bodyPr wrap="none" rtlCol="0">
+            <a:spAutoFit/>
+          </a:bodyPr>
+          <a:lstStyle/>
+          <a:p>
+            <a:r>
+              <a:rPr lang="en-US" sz="1600" dirty="0">
+                <a:latin typeface="Avenir Book" panose="02000503020000020003" pitchFamily="2" charset="0"/>
+              </a:rPr>
+              <a:t>Processor #1 (Bob) qubits </a:t>
+            </a:r>
+            <a:endParaRPr lang="en-US" sz="1200" dirty="0">
+              <a:latin typeface="Avenir Book" panose="02000503020000020003" pitchFamily="2" charset="0"/>
+            </a:endParaRPr>
+          </a:p>
+        </p:txBody>
+      </p:sp>
+      <p:sp>
+        <p:nvSpPr>
+          <p:cNvPr id="10" name="TextBox 9">
+            <a:extLst>
+              <a:ext uri="{FF2B5EF4-FFF2-40B4-BE49-F238E27FC236}">
+                <a16:creationId xmlns:a16="http://schemas.microsoft.com/office/drawing/2014/main" id="{50DE8F06-CC14-1EF9-ED02-995A467A159D}"/>
+              </a:ext>
+            </a:extLst>
+          </p:cNvPr>
+          <p:cNvSpPr txBox="1"/>
+          <p:nvPr/>
+        </p:nvSpPr>
+        <p:spPr>
+          <a:xfrm>
+            <a:off x="6743695" y="5113935"/>
+            <a:ext cx="3207417" cy="338554"/>
+          </a:xfrm>
+          <a:prstGeom prst="rect">
+            <a:avLst/>
+          </a:prstGeom>
+          <a:noFill/>
+        </p:spPr>
+        <p:txBody>
+          <a:bodyPr wrap="none" rtlCol="0">
+            <a:spAutoFit/>
+          </a:bodyPr>
+          <a:lstStyle/>
+          <a:p>
+            <a:r>
+              <a:rPr lang="en-US" sz="1600" dirty="0">
+                <a:latin typeface="Avenir Book" panose="02000503020000020003" pitchFamily="2" charset="0"/>
+              </a:rPr>
+              <a:t>Processor #0 (Alice) classical bits </a:t>
+            </a:r>
+            <a:endParaRPr lang="en-US" sz="1200" dirty="0">
+              <a:latin typeface="Avenir Book" panose="02000503020000020003" pitchFamily="2" charset="0"/>
+            </a:endParaRPr>
+          </a:p>
+        </p:txBody>
+      </p:sp>
+      <p:sp>
+        <p:nvSpPr>
+          <p:cNvPr id="11" name="TextBox 10">
+            <a:extLst>
+              <a:ext uri="{FF2B5EF4-FFF2-40B4-BE49-F238E27FC236}">
+                <a16:creationId xmlns:a16="http://schemas.microsoft.com/office/drawing/2014/main" id="{812581EE-AB14-0248-4D34-11895869B2B6}"/>
+              </a:ext>
+            </a:extLst>
+          </p:cNvPr>
+          <p:cNvSpPr txBox="1"/>
+          <p:nvPr/>
+        </p:nvSpPr>
+        <p:spPr>
+          <a:xfrm>
+            <a:off x="6743695" y="5662414"/>
+            <a:ext cx="3130472" cy="338554"/>
+          </a:xfrm>
+          <a:prstGeom prst="rect">
+            <a:avLst/>
+          </a:prstGeom>
+          <a:noFill/>
+        </p:spPr>
+        <p:txBody>
+          <a:bodyPr wrap="none" rtlCol="0">
+            <a:spAutoFit/>
+          </a:bodyPr>
+          <a:lstStyle/>
+          <a:p>
+            <a:r>
+              <a:rPr lang="en-US" sz="1600" dirty="0">
+                <a:latin typeface="Avenir Book" panose="02000503020000020003" pitchFamily="2" charset="0"/>
+              </a:rPr>
+              <a:t>Processor #1 (Bob) classical bits </a:t>
+            </a:r>
+            <a:endParaRPr lang="en-US" sz="1200" dirty="0">
+              <a:latin typeface="Avenir Book" panose="02000503020000020003" pitchFamily="2" charset="0"/>
+            </a:endParaRPr>
+          </a:p>
+        </p:txBody>
+      </p:sp>
+      <p:sp>
+        <p:nvSpPr>
+          <p:cNvPr id="12" name="Rectangle 11">
+            <a:extLst>
+              <a:ext uri="{FF2B5EF4-FFF2-40B4-BE49-F238E27FC236}">
+                <a16:creationId xmlns:a16="http://schemas.microsoft.com/office/drawing/2014/main" id="{53A239F0-9EF5-41F4-B7C9-9C3B5BB509D1}"/>
+              </a:ext>
+            </a:extLst>
+          </p:cNvPr>
+          <p:cNvSpPr/>
+          <p:nvPr/>
+        </p:nvSpPr>
+        <p:spPr>
+          <a:xfrm>
+            <a:off x="171450" y="471488"/>
+            <a:ext cx="11872913" cy="5872162"/>
+          </a:xfrm>
+          <a:prstGeom prst="rect">
+            <a:avLst/>
+          </a:prstGeom>
+          <a:noFill/>
+          <a:ln>
+            <a:solidFill>
+              <a:schemeClr val="bg1">
+                <a:lumMod val="85000"/>
+              </a:schemeClr>
+            </a:solidFill>
+          </a:ln>
+        </p:spPr>
+        <p:style>
+          <a:lnRef idx="2">
+            <a:schemeClr val="accent1">
+              <a:shade val="50000"/>
+            </a:schemeClr>
+          </a:lnRef>
+          <a:fillRef idx="1">
+            <a:schemeClr val="accent1"/>
+          </a:fillRef>
+          <a:effectRef idx="0">
+            <a:schemeClr val="accent1"/>
+          </a:effectRef>
+          <a:fontRef idx="minor">
+            <a:schemeClr val="lt1"/>
+          </a:fontRef>
+        </p:style>
+        <p:txBody>
+          <a:bodyPr rtlCol="0" anchor="ctr"/>
+          <a:lstStyle/>
+          <a:p>
+            <a:pPr algn="ctr"/>
+            <a:endParaRPr lang="en-US"/>
+          </a:p>
+        </p:txBody>
+      </p:sp>
+      <p:sp>
+        <p:nvSpPr>
+          <p:cNvPr id="3" name="TextBox 2">
+            <a:extLst>
+              <a:ext uri="{FF2B5EF4-FFF2-40B4-BE49-F238E27FC236}">
+                <a16:creationId xmlns:a16="http://schemas.microsoft.com/office/drawing/2014/main" id="{50CCBAC3-4221-2C0F-AC91-730249674437}"/>
+              </a:ext>
+            </a:extLst>
+          </p:cNvPr>
+          <p:cNvSpPr txBox="1"/>
+          <p:nvPr/>
+        </p:nvSpPr>
+        <p:spPr>
+          <a:xfrm>
+            <a:off x="201009" y="6075484"/>
+            <a:ext cx="2417650" cy="246221"/>
+          </a:xfrm>
+          <a:prstGeom prst="rect">
+            <a:avLst/>
+          </a:prstGeom>
+          <a:noFill/>
+        </p:spPr>
+        <p:txBody>
+          <a:bodyPr wrap="none" rtlCol="0">
+            <a:spAutoFit/>
+          </a:bodyPr>
+          <a:lstStyle/>
+          <a:p>
+            <a:r>
+              <a:rPr lang="en-US" sz="1000" dirty="0">
+                <a:solidFill>
+                  <a:schemeClr val="bg1">
+                    <a:lumMod val="75000"/>
+                  </a:schemeClr>
+                </a:solidFill>
+                <a:latin typeface="Avenir Book" panose="02000503020000020003" pitchFamily="2" charset="0"/>
+              </a:rPr>
+              <a:t>figures-0 : quantum processor registers</a:t>
+            </a:r>
+            <a:endParaRPr lang="en-US" sz="800" dirty="0">
+              <a:solidFill>
+                <a:schemeClr val="bg1">
+                  <a:lumMod val="75000"/>
+                </a:schemeClr>
+              </a:solidFill>
+              <a:latin typeface="Avenir Book" panose="02000503020000020003" pitchFamily="2" charset="0"/>
+            </a:endParaRPr>
+          </a:p>
+        </p:txBody>
+      </p:sp>
+    </p:spTree>
+    <p:extLst>
+      <p:ext uri="{BB962C8B-B14F-4D97-AF65-F5344CB8AC3E}">
+        <p14:creationId xmlns:p14="http://schemas.microsoft.com/office/powerpoint/2010/main" val="3810293133"/>
+      </p:ext>
+    </p:extLst>
+  </p:cSld>
+  <p:clrMapOvr>
+    <a:masterClrMapping/>
+  </p:clrMapOvr>
+</p:sld>
+</file>
+
+<file path=ppt/slides/slide2.xml><?xml version="1.0" encoding="utf-8"?>
+<p:sld xmlns:a="http://schemas.openxmlformats.org/drawingml/2006/main" xmlns:r="http://schemas.openxmlformats.org/officeDocument/2006/relationships" xmlns:p="http://schemas.openxmlformats.org/presentationml/2006/main">
+  <p:cSld>
+    <p:spTree>
+      <p:nvGrpSpPr>
+        <p:cNvPr id="1" name=""/>
+        <p:cNvGrpSpPr/>
+        <p:nvPr/>
+      </p:nvGrpSpPr>
+      <p:grpSpPr>
+        <a:xfrm>
+          <a:off x="0" y="0"/>
+          <a:ext cx="0" cy="0"/>
+          <a:chOff x="0" y="0"/>
+          <a:chExt cx="0" cy="0"/>
+        </a:xfrm>
+      </p:grpSpPr>
       <p:sp>
         <p:nvSpPr>
           <p:cNvPr id="12" name="Rectangle 11">
@@ -3450,7 +3986,7 @@
                 </a:solidFill>
                 <a:latin typeface="Avenir Book" panose="02000503020000020003" pitchFamily="2" charset="0"/>
               </a:rPr>
-              <a:t>figures-0 : 4-bit local quantum Fourier transformation</a:t>
+              <a:t>figures-1 : 4-bit local quantum Fourier transformation</a:t>
             </a:r>
             <a:endParaRPr lang="en-US" sz="800" dirty="0">
               <a:solidFill>
@@ -3476,7 +4012,7 @@
 </p:sld>
 </file>
 
-<file path=ppt/slides/slide2.xml><?xml version="1.0" encoding="utf-8"?>
+<file path=ppt/slides/slide3.xml><?xml version="1.0" encoding="utf-8"?>
 <p:sld xmlns:a="http://schemas.openxmlformats.org/drawingml/2006/main" xmlns:r="http://schemas.openxmlformats.org/officeDocument/2006/relationships" xmlns:p="http://schemas.openxmlformats.org/presentationml/2006/main">
   <p:cSld>
     <p:spTree>
@@ -3614,7 +4150,7 @@
                 </a:solidFill>
                 <a:latin typeface="Avenir Book" panose="02000503020000020003" pitchFamily="2" charset="0"/>
               </a:rPr>
-              <a:t>figures-1 : Bloch multi-vector for 4-bit QFT with input 3</a:t>
+              <a:t>figures-2 : Bloch multi-vector for 4-bit QFT with input 3</a:t>
             </a:r>
             <a:endParaRPr lang="en-US" sz="800" dirty="0">
               <a:solidFill>
@@ -3640,7 +4176,7 @@
 </p:sld>
 </file>
 
-<file path=ppt/slides/slide3.xml><?xml version="1.0" encoding="utf-8"?>
+<file path=ppt/slides/slide4.xml><?xml version="1.0" encoding="utf-8"?>
 <p:sld xmlns:a="http://schemas.openxmlformats.org/drawingml/2006/main" xmlns:r="http://schemas.openxmlformats.org/officeDocument/2006/relationships" xmlns:p="http://schemas.openxmlformats.org/presentationml/2006/main">
   <p:cSld>
     <p:spTree>
@@ -3770,6 +4306,17 @@
           <a:lstStyle/>
           <a:p>
             <a:r>
+              <a:rPr lang="en-US" sz="1000">
+                <a:solidFill>
+                  <a:schemeClr val="bg1">
+                    <a:lumMod val="75000"/>
+                  </a:schemeClr>
+                </a:solidFill>
+                <a:latin typeface="Avenir Book" panose="02000503020000020003" pitchFamily="2" charset="0"/>
+              </a:rPr>
+              <a:t>figures-3 </a:t>
+            </a:r>
+            <a:r>
               <a:rPr lang="en-US" sz="1000" dirty="0">
                 <a:solidFill>
                   <a:schemeClr val="bg1">
@@ -3778,7 +4325,7 @@
                 </a:solidFill>
                 <a:latin typeface="Avenir Book" panose="02000503020000020003" pitchFamily="2" charset="0"/>
               </a:rPr>
-              <a:t>figures-2 : Density matrix city plot for 4-bit QFT with input 3</a:t>
+              <a:t>: Density matrix city plot for 4-bit QFT with input 3</a:t>
             </a:r>
             <a:endParaRPr lang="en-US" sz="800" dirty="0">
               <a:solidFill>
@@ -3795,542 +4342,6 @@
     <p:extLst>
       <p:ext uri="{BB962C8B-B14F-4D97-AF65-F5344CB8AC3E}">
         <p14:creationId xmlns:p14="http://schemas.microsoft.com/office/powerpoint/2010/main" val="1268461441"/>
-      </p:ext>
-    </p:extLst>
-  </p:cSld>
-  <p:clrMapOvr>
-    <a:masterClrMapping/>
-  </p:clrMapOvr>
-</p:sld>
-</file>
-
-<file path=ppt/slides/slide4.xml><?xml version="1.0" encoding="utf-8"?>
-<p:sld xmlns:a="http://schemas.openxmlformats.org/drawingml/2006/main" xmlns:r="http://schemas.openxmlformats.org/officeDocument/2006/relationships" xmlns:p="http://schemas.openxmlformats.org/presentationml/2006/main">
-  <p:cSld>
-    <p:spTree>
-      <p:nvGrpSpPr>
-        <p:cNvPr id="1" name=""/>
-        <p:cNvGrpSpPr/>
-        <p:nvPr/>
-      </p:nvGrpSpPr>
-      <p:grpSpPr>
-        <a:xfrm>
-          <a:off x="0" y="0"/>
-          <a:ext cx="0" cy="0"/>
-          <a:chOff x="0" y="0"/>
-          <a:chExt cx="0" cy="0"/>
-        </a:xfrm>
-      </p:grpSpPr>
-      <p:pic>
-        <p:nvPicPr>
-          <p:cNvPr id="2" name="Picture 1">
-            <a:extLst>
-              <a:ext uri="{FF2B5EF4-FFF2-40B4-BE49-F238E27FC236}">
-                <a16:creationId xmlns:a16="http://schemas.microsoft.com/office/drawing/2014/main" id="{04528B67-5DEC-A5F2-1649-7CA6599B2895}"/>
-              </a:ext>
-            </a:extLst>
-          </p:cNvPr>
-          <p:cNvPicPr>
-            <a:picLocks noChangeAspect="1"/>
-          </p:cNvPicPr>
-          <p:nvPr/>
-        </p:nvPicPr>
-        <p:blipFill>
-          <a:blip r:embed="rId2"/>
-          <a:stretch>
-            <a:fillRect/>
-          </a:stretch>
-        </p:blipFill>
-        <p:spPr>
-          <a:xfrm>
-            <a:off x="3435340" y="628650"/>
-            <a:ext cx="3302000" cy="5600700"/>
-          </a:xfrm>
-          <a:prstGeom prst="rect">
-            <a:avLst/>
-          </a:prstGeom>
-        </p:spPr>
-      </p:pic>
-      <p:sp>
-        <p:nvSpPr>
-          <p:cNvPr id="4" name="Rectangle 3">
-            <a:extLst>
-              <a:ext uri="{FF2B5EF4-FFF2-40B4-BE49-F238E27FC236}">
-                <a16:creationId xmlns:a16="http://schemas.microsoft.com/office/drawing/2014/main" id="{D3821130-6BA8-ADF6-A295-F9CC7A32446A}"/>
-              </a:ext>
-            </a:extLst>
-          </p:cNvPr>
-          <p:cNvSpPr/>
-          <p:nvPr/>
-        </p:nvSpPr>
-        <p:spPr>
-          <a:xfrm>
-            <a:off x="3600441" y="671514"/>
-            <a:ext cx="3057526" cy="2100263"/>
-          </a:xfrm>
-          <a:prstGeom prst="rect">
-            <a:avLst/>
-          </a:prstGeom>
-          <a:noFill/>
-          <a:ln>
-            <a:solidFill>
-              <a:srgbClr val="FF0000"/>
-            </a:solidFill>
-          </a:ln>
-        </p:spPr>
-        <p:style>
-          <a:lnRef idx="2">
-            <a:schemeClr val="accent1">
-              <a:shade val="50000"/>
-            </a:schemeClr>
-          </a:lnRef>
-          <a:fillRef idx="1">
-            <a:schemeClr val="accent1"/>
-          </a:fillRef>
-          <a:effectRef idx="0">
-            <a:schemeClr val="accent1"/>
-          </a:effectRef>
-          <a:fontRef idx="minor">
-            <a:schemeClr val="lt1"/>
-          </a:fontRef>
-        </p:style>
-        <p:txBody>
-          <a:bodyPr rtlCol="0" anchor="ctr"/>
-          <a:lstStyle/>
-          <a:p>
-            <a:pPr algn="ctr"/>
-            <a:endParaRPr lang="en-US"/>
-          </a:p>
-        </p:txBody>
-      </p:sp>
-      <p:sp>
-        <p:nvSpPr>
-          <p:cNvPr id="5" name="Rectangle 4">
-            <a:extLst>
-              <a:ext uri="{FF2B5EF4-FFF2-40B4-BE49-F238E27FC236}">
-                <a16:creationId xmlns:a16="http://schemas.microsoft.com/office/drawing/2014/main" id="{CCFE9FF9-AB6D-5320-37BD-C4EC9CDFA29E}"/>
-              </a:ext>
-            </a:extLst>
-          </p:cNvPr>
-          <p:cNvSpPr/>
-          <p:nvPr/>
-        </p:nvSpPr>
-        <p:spPr>
-          <a:xfrm>
-            <a:off x="3600441" y="2863065"/>
-            <a:ext cx="3057526" cy="2100263"/>
-          </a:xfrm>
-          <a:prstGeom prst="rect">
-            <a:avLst/>
-          </a:prstGeom>
-          <a:noFill/>
-          <a:ln>
-            <a:solidFill>
-              <a:schemeClr val="accent6">
-                <a:lumMod val="75000"/>
-              </a:schemeClr>
-            </a:solidFill>
-          </a:ln>
-        </p:spPr>
-        <p:style>
-          <a:lnRef idx="2">
-            <a:schemeClr val="accent1">
-              <a:shade val="50000"/>
-            </a:schemeClr>
-          </a:lnRef>
-          <a:fillRef idx="1">
-            <a:schemeClr val="accent1"/>
-          </a:fillRef>
-          <a:effectRef idx="0">
-            <a:schemeClr val="accent1"/>
-          </a:effectRef>
-          <a:fontRef idx="minor">
-            <a:schemeClr val="lt1"/>
-          </a:fontRef>
-        </p:style>
-        <p:txBody>
-          <a:bodyPr rtlCol="0" anchor="ctr"/>
-          <a:lstStyle/>
-          <a:p>
-            <a:pPr algn="ctr"/>
-            <a:endParaRPr lang="en-US"/>
-          </a:p>
-        </p:txBody>
-      </p:sp>
-      <p:sp>
-        <p:nvSpPr>
-          <p:cNvPr id="6" name="Rectangle 5">
-            <a:extLst>
-              <a:ext uri="{FF2B5EF4-FFF2-40B4-BE49-F238E27FC236}">
-                <a16:creationId xmlns:a16="http://schemas.microsoft.com/office/drawing/2014/main" id="{C0C02DF9-85C6-870D-2EDA-29E2DD95F495}"/>
-              </a:ext>
-            </a:extLst>
-          </p:cNvPr>
-          <p:cNvSpPr/>
-          <p:nvPr/>
-        </p:nvSpPr>
-        <p:spPr>
-          <a:xfrm>
-            <a:off x="3600441" y="5054616"/>
-            <a:ext cx="3057526" cy="457192"/>
-          </a:xfrm>
-          <a:prstGeom prst="rect">
-            <a:avLst/>
-          </a:prstGeom>
-          <a:noFill/>
-          <a:ln>
-            <a:solidFill>
-              <a:srgbClr val="FF0000"/>
-            </a:solidFill>
-          </a:ln>
-        </p:spPr>
-        <p:style>
-          <a:lnRef idx="2">
-            <a:schemeClr val="accent1">
-              <a:shade val="50000"/>
-            </a:schemeClr>
-          </a:lnRef>
-          <a:fillRef idx="1">
-            <a:schemeClr val="accent1"/>
-          </a:fillRef>
-          <a:effectRef idx="0">
-            <a:schemeClr val="accent1"/>
-          </a:effectRef>
-          <a:fontRef idx="minor">
-            <a:schemeClr val="lt1"/>
-          </a:fontRef>
-        </p:style>
-        <p:txBody>
-          <a:bodyPr rtlCol="0" anchor="ctr"/>
-          <a:lstStyle/>
-          <a:p>
-            <a:pPr algn="ctr"/>
-            <a:endParaRPr lang="en-US"/>
-          </a:p>
-        </p:txBody>
-      </p:sp>
-      <p:sp>
-        <p:nvSpPr>
-          <p:cNvPr id="7" name="Rectangle 6">
-            <a:extLst>
-              <a:ext uri="{FF2B5EF4-FFF2-40B4-BE49-F238E27FC236}">
-                <a16:creationId xmlns:a16="http://schemas.microsoft.com/office/drawing/2014/main" id="{0980D113-7E8F-2BC0-867C-1CAA6AD1C35B}"/>
-              </a:ext>
-            </a:extLst>
-          </p:cNvPr>
-          <p:cNvSpPr/>
-          <p:nvPr/>
-        </p:nvSpPr>
-        <p:spPr>
-          <a:xfrm>
-            <a:off x="3600441" y="5603095"/>
-            <a:ext cx="3057526" cy="457192"/>
-          </a:xfrm>
-          <a:prstGeom prst="rect">
-            <a:avLst/>
-          </a:prstGeom>
-          <a:noFill/>
-          <a:ln>
-            <a:solidFill>
-              <a:schemeClr val="accent6">
-                <a:lumMod val="75000"/>
-              </a:schemeClr>
-            </a:solidFill>
-          </a:ln>
-        </p:spPr>
-        <p:style>
-          <a:lnRef idx="2">
-            <a:schemeClr val="accent1">
-              <a:shade val="50000"/>
-            </a:schemeClr>
-          </a:lnRef>
-          <a:fillRef idx="1">
-            <a:schemeClr val="accent1"/>
-          </a:fillRef>
-          <a:effectRef idx="0">
-            <a:schemeClr val="accent1"/>
-          </a:effectRef>
-          <a:fontRef idx="minor">
-            <a:schemeClr val="lt1"/>
-          </a:fontRef>
-        </p:style>
-        <p:txBody>
-          <a:bodyPr rtlCol="0" anchor="ctr"/>
-          <a:lstStyle/>
-          <a:p>
-            <a:pPr algn="ctr"/>
-            <a:endParaRPr lang="en-US"/>
-          </a:p>
-        </p:txBody>
-      </p:sp>
-      <p:sp>
-        <p:nvSpPr>
-          <p:cNvPr id="8" name="TextBox 7">
-            <a:extLst>
-              <a:ext uri="{FF2B5EF4-FFF2-40B4-BE49-F238E27FC236}">
-                <a16:creationId xmlns:a16="http://schemas.microsoft.com/office/drawing/2014/main" id="{963AD41F-43C9-2E27-AE48-2BFB88732422}"/>
-              </a:ext>
-            </a:extLst>
-          </p:cNvPr>
-          <p:cNvSpPr txBox="1"/>
-          <p:nvPr/>
-        </p:nvSpPr>
-        <p:spPr>
-          <a:xfrm>
-            <a:off x="6743695" y="1536979"/>
-            <a:ext cx="2652777" cy="338554"/>
-          </a:xfrm>
-          <a:prstGeom prst="rect">
-            <a:avLst/>
-          </a:prstGeom>
-          <a:noFill/>
-        </p:spPr>
-        <p:txBody>
-          <a:bodyPr wrap="none" rtlCol="0">
-            <a:spAutoFit/>
-          </a:bodyPr>
-          <a:lstStyle/>
-          <a:p>
-            <a:r>
-              <a:rPr lang="en-US" sz="1600" dirty="0">
-                <a:latin typeface="Avenir Book" panose="02000503020000020003" pitchFamily="2" charset="0"/>
-              </a:rPr>
-              <a:t>Processor #0 (Alice) qubits </a:t>
-            </a:r>
-            <a:endParaRPr lang="en-US" sz="1200" dirty="0">
-              <a:latin typeface="Avenir Book" panose="02000503020000020003" pitchFamily="2" charset="0"/>
-            </a:endParaRPr>
-          </a:p>
-        </p:txBody>
-      </p:sp>
-      <p:sp>
-        <p:nvSpPr>
-          <p:cNvPr id="9" name="TextBox 8">
-            <a:extLst>
-              <a:ext uri="{FF2B5EF4-FFF2-40B4-BE49-F238E27FC236}">
-                <a16:creationId xmlns:a16="http://schemas.microsoft.com/office/drawing/2014/main" id="{C084BCA4-0FDA-563B-5A85-3841B147B63C}"/>
-              </a:ext>
-            </a:extLst>
-          </p:cNvPr>
-          <p:cNvSpPr txBox="1"/>
-          <p:nvPr/>
-        </p:nvSpPr>
-        <p:spPr>
-          <a:xfrm>
-            <a:off x="6743695" y="3753713"/>
-            <a:ext cx="2575833" cy="338554"/>
-          </a:xfrm>
-          <a:prstGeom prst="rect">
-            <a:avLst/>
-          </a:prstGeom>
-          <a:noFill/>
-        </p:spPr>
-        <p:txBody>
-          <a:bodyPr wrap="none" rtlCol="0">
-            <a:spAutoFit/>
-          </a:bodyPr>
-          <a:lstStyle/>
-          <a:p>
-            <a:r>
-              <a:rPr lang="en-US" sz="1600" dirty="0">
-                <a:latin typeface="Avenir Book" panose="02000503020000020003" pitchFamily="2" charset="0"/>
-              </a:rPr>
-              <a:t>Processor #1 (Bob) qubits </a:t>
-            </a:r>
-            <a:endParaRPr lang="en-US" sz="1200" dirty="0">
-              <a:latin typeface="Avenir Book" panose="02000503020000020003" pitchFamily="2" charset="0"/>
-            </a:endParaRPr>
-          </a:p>
-        </p:txBody>
-      </p:sp>
-      <p:sp>
-        <p:nvSpPr>
-          <p:cNvPr id="10" name="TextBox 9">
-            <a:extLst>
-              <a:ext uri="{FF2B5EF4-FFF2-40B4-BE49-F238E27FC236}">
-                <a16:creationId xmlns:a16="http://schemas.microsoft.com/office/drawing/2014/main" id="{50DE8F06-CC14-1EF9-ED02-995A467A159D}"/>
-              </a:ext>
-            </a:extLst>
-          </p:cNvPr>
-          <p:cNvSpPr txBox="1"/>
-          <p:nvPr/>
-        </p:nvSpPr>
-        <p:spPr>
-          <a:xfrm>
-            <a:off x="6743695" y="5113935"/>
-            <a:ext cx="3207417" cy="338554"/>
-          </a:xfrm>
-          <a:prstGeom prst="rect">
-            <a:avLst/>
-          </a:prstGeom>
-          <a:noFill/>
-        </p:spPr>
-        <p:txBody>
-          <a:bodyPr wrap="none" rtlCol="0">
-            <a:spAutoFit/>
-          </a:bodyPr>
-          <a:lstStyle/>
-          <a:p>
-            <a:r>
-              <a:rPr lang="en-US" sz="1600" dirty="0">
-                <a:latin typeface="Avenir Book" panose="02000503020000020003" pitchFamily="2" charset="0"/>
-              </a:rPr>
-              <a:t>Processor #0 (Alice) classical bits </a:t>
-            </a:r>
-            <a:endParaRPr lang="en-US" sz="1200" dirty="0">
-              <a:latin typeface="Avenir Book" panose="02000503020000020003" pitchFamily="2" charset="0"/>
-            </a:endParaRPr>
-          </a:p>
-        </p:txBody>
-      </p:sp>
-      <p:sp>
-        <p:nvSpPr>
-          <p:cNvPr id="11" name="TextBox 10">
-            <a:extLst>
-              <a:ext uri="{FF2B5EF4-FFF2-40B4-BE49-F238E27FC236}">
-                <a16:creationId xmlns:a16="http://schemas.microsoft.com/office/drawing/2014/main" id="{812581EE-AB14-0248-4D34-11895869B2B6}"/>
-              </a:ext>
-            </a:extLst>
-          </p:cNvPr>
-          <p:cNvSpPr txBox="1"/>
-          <p:nvPr/>
-        </p:nvSpPr>
-        <p:spPr>
-          <a:xfrm>
-            <a:off x="6743695" y="5662414"/>
-            <a:ext cx="3130472" cy="338554"/>
-          </a:xfrm>
-          <a:prstGeom prst="rect">
-            <a:avLst/>
-          </a:prstGeom>
-          <a:noFill/>
-        </p:spPr>
-        <p:txBody>
-          <a:bodyPr wrap="none" rtlCol="0">
-            <a:spAutoFit/>
-          </a:bodyPr>
-          <a:lstStyle/>
-          <a:p>
-            <a:r>
-              <a:rPr lang="en-US" sz="1600" dirty="0">
-                <a:latin typeface="Avenir Book" panose="02000503020000020003" pitchFamily="2" charset="0"/>
-              </a:rPr>
-              <a:t>Processor #1 (Bob) classical bits </a:t>
-            </a:r>
-            <a:endParaRPr lang="en-US" sz="1200" dirty="0">
-              <a:latin typeface="Avenir Book" panose="02000503020000020003" pitchFamily="2" charset="0"/>
-            </a:endParaRPr>
-          </a:p>
-        </p:txBody>
-      </p:sp>
-      <p:sp>
-        <p:nvSpPr>
-          <p:cNvPr id="12" name="Rectangle 11">
-            <a:extLst>
-              <a:ext uri="{FF2B5EF4-FFF2-40B4-BE49-F238E27FC236}">
-                <a16:creationId xmlns:a16="http://schemas.microsoft.com/office/drawing/2014/main" id="{53A239F0-9EF5-41F4-B7C9-9C3B5BB509D1}"/>
-              </a:ext>
-            </a:extLst>
-          </p:cNvPr>
-          <p:cNvSpPr/>
-          <p:nvPr/>
-        </p:nvSpPr>
-        <p:spPr>
-          <a:xfrm>
-            <a:off x="171450" y="471488"/>
-            <a:ext cx="11872913" cy="5872162"/>
-          </a:xfrm>
-          <a:prstGeom prst="rect">
-            <a:avLst/>
-          </a:prstGeom>
-          <a:noFill/>
-          <a:ln>
-            <a:solidFill>
-              <a:schemeClr val="bg1">
-                <a:lumMod val="85000"/>
-              </a:schemeClr>
-            </a:solidFill>
-          </a:ln>
-        </p:spPr>
-        <p:style>
-          <a:lnRef idx="2">
-            <a:schemeClr val="accent1">
-              <a:shade val="50000"/>
-            </a:schemeClr>
-          </a:lnRef>
-          <a:fillRef idx="1">
-            <a:schemeClr val="accent1"/>
-          </a:fillRef>
-          <a:effectRef idx="0">
-            <a:schemeClr val="accent1"/>
-          </a:effectRef>
-          <a:fontRef idx="minor">
-            <a:schemeClr val="lt1"/>
-          </a:fontRef>
-        </p:style>
-        <p:txBody>
-          <a:bodyPr rtlCol="0" anchor="ctr"/>
-          <a:lstStyle/>
-          <a:p>
-            <a:pPr algn="ctr"/>
-            <a:endParaRPr lang="en-US"/>
-          </a:p>
-        </p:txBody>
-      </p:sp>
-      <p:sp>
-        <p:nvSpPr>
-          <p:cNvPr id="3" name="TextBox 2">
-            <a:extLst>
-              <a:ext uri="{FF2B5EF4-FFF2-40B4-BE49-F238E27FC236}">
-                <a16:creationId xmlns:a16="http://schemas.microsoft.com/office/drawing/2014/main" id="{50CCBAC3-4221-2C0F-AC91-730249674437}"/>
-              </a:ext>
-            </a:extLst>
-          </p:cNvPr>
-          <p:cNvSpPr txBox="1"/>
-          <p:nvPr/>
-        </p:nvSpPr>
-        <p:spPr>
-          <a:xfrm>
-            <a:off x="201009" y="6075484"/>
-            <a:ext cx="2417650" cy="246221"/>
-          </a:xfrm>
-          <a:prstGeom prst="rect">
-            <a:avLst/>
-          </a:prstGeom>
-          <a:noFill/>
-        </p:spPr>
-        <p:txBody>
-          <a:bodyPr wrap="none" rtlCol="0">
-            <a:spAutoFit/>
-          </a:bodyPr>
-          <a:lstStyle/>
-          <a:p>
-            <a:r>
-              <a:rPr lang="en-US" sz="1000" dirty="0">
-                <a:solidFill>
-                  <a:schemeClr val="bg1">
-                    <a:lumMod val="75000"/>
-                  </a:schemeClr>
-                </a:solidFill>
-                <a:latin typeface="Avenir Book" panose="02000503020000020003" pitchFamily="2" charset="0"/>
-              </a:rPr>
-              <a:t>figures-3 : quantum processor registers</a:t>
-            </a:r>
-            <a:endParaRPr lang="en-US" sz="800" dirty="0">
-              <a:solidFill>
-                <a:schemeClr val="bg1">
-                  <a:lumMod val="75000"/>
-                </a:schemeClr>
-              </a:solidFill>
-              <a:latin typeface="Avenir Book" panose="02000503020000020003" pitchFamily="2" charset="0"/>
-            </a:endParaRPr>
-          </a:p>
-        </p:txBody>
-      </p:sp>
-    </p:spTree>
-    <p:extLst>
-      <p:ext uri="{BB962C8B-B14F-4D97-AF65-F5344CB8AC3E}">
-        <p14:creationId xmlns:p14="http://schemas.microsoft.com/office/powerpoint/2010/main" val="3810293133"/>
       </p:ext>
     </p:extLst>
   </p:cSld>

--- a/docs/figures/figures.pptx
+++ b/docs/figures/figures.pptx
@@ -5,10 +5,11 @@
     <p:sldMasterId id="2147483648" r:id="rId1"/>
   </p:sldMasterIdLst>
   <p:sldIdLst>
-    <p:sldId id="257" r:id="rId2"/>
-    <p:sldId id="258" r:id="rId3"/>
-    <p:sldId id="259" r:id="rId4"/>
-    <p:sldId id="260" r:id="rId5"/>
+    <p:sldId id="261" r:id="rId2"/>
+    <p:sldId id="257" r:id="rId3"/>
+    <p:sldId id="258" r:id="rId4"/>
+    <p:sldId id="259" r:id="rId5"/>
+    <p:sldId id="260" r:id="rId6"/>
   </p:sldIdLst>
   <p:sldSz cx="12192000" cy="6858000"/>
   <p:notesSz cx="6858000" cy="9144000"/>
@@ -3334,6 +3335,170 @@
           <p:cNvPr id="2" name="Picture 1">
             <a:extLst>
               <a:ext uri="{FF2B5EF4-FFF2-40B4-BE49-F238E27FC236}">
+                <a16:creationId xmlns:a16="http://schemas.microsoft.com/office/drawing/2014/main" id="{BFB45251-E755-3A72-2D1D-9E77BB78E60B}"/>
+              </a:ext>
+            </a:extLst>
+          </p:cNvPr>
+          <p:cNvPicPr>
+            <a:picLocks noChangeAspect="1"/>
+          </p:cNvPicPr>
+          <p:nvPr/>
+        </p:nvPicPr>
+        <p:blipFill>
+          <a:blip r:embed="rId2"/>
+          <a:stretch>
+            <a:fillRect/>
+          </a:stretch>
+        </p:blipFill>
+        <p:spPr>
+          <a:xfrm>
+            <a:off x="2209800" y="2192633"/>
+            <a:ext cx="7772400" cy="2807230"/>
+          </a:xfrm>
+          <a:prstGeom prst="rect">
+            <a:avLst/>
+          </a:prstGeom>
+        </p:spPr>
+      </p:pic>
+      <p:sp>
+        <p:nvSpPr>
+          <p:cNvPr id="3" name="Rectangle 2">
+            <a:extLst>
+              <a:ext uri="{FF2B5EF4-FFF2-40B4-BE49-F238E27FC236}">
+                <a16:creationId xmlns:a16="http://schemas.microsoft.com/office/drawing/2014/main" id="{FCF5669A-BBF7-9FC6-691C-6384C1415713}"/>
+              </a:ext>
+            </a:extLst>
+          </p:cNvPr>
+          <p:cNvSpPr/>
+          <p:nvPr/>
+        </p:nvSpPr>
+        <p:spPr>
+          <a:xfrm>
+            <a:off x="171450" y="2192632"/>
+            <a:ext cx="11872913" cy="2961871"/>
+          </a:xfrm>
+          <a:prstGeom prst="rect">
+            <a:avLst/>
+          </a:prstGeom>
+          <a:noFill/>
+          <a:ln>
+            <a:solidFill>
+              <a:schemeClr val="bg1">
+                <a:lumMod val="85000"/>
+              </a:schemeClr>
+            </a:solidFill>
+          </a:ln>
+        </p:spPr>
+        <p:style>
+          <a:lnRef idx="2">
+            <a:schemeClr val="accent1">
+              <a:shade val="50000"/>
+            </a:schemeClr>
+          </a:lnRef>
+          <a:fillRef idx="1">
+            <a:schemeClr val="accent1"/>
+          </a:fillRef>
+          <a:effectRef idx="0">
+            <a:schemeClr val="accent1"/>
+          </a:effectRef>
+          <a:fontRef idx="minor">
+            <a:schemeClr val="lt1"/>
+          </a:fontRef>
+        </p:style>
+        <p:txBody>
+          <a:bodyPr rtlCol="0" anchor="ctr"/>
+          <a:lstStyle/>
+          <a:p>
+            <a:pPr algn="ctr"/>
+            <a:endParaRPr lang="en-US"/>
+          </a:p>
+        </p:txBody>
+      </p:sp>
+      <p:sp>
+        <p:nvSpPr>
+          <p:cNvPr id="4" name="TextBox 3">
+            <a:extLst>
+              <a:ext uri="{FF2B5EF4-FFF2-40B4-BE49-F238E27FC236}">
+                <a16:creationId xmlns:a16="http://schemas.microsoft.com/office/drawing/2014/main" id="{BED22A87-7D63-4DA3-915F-DE13C6B2B1D9}"/>
+              </a:ext>
+            </a:extLst>
+          </p:cNvPr>
+          <p:cNvSpPr txBox="1"/>
+          <p:nvPr/>
+        </p:nvSpPr>
+        <p:spPr>
+          <a:xfrm>
+            <a:off x="201009" y="4876753"/>
+            <a:ext cx="3456395" cy="246221"/>
+          </a:xfrm>
+          <a:prstGeom prst="rect">
+            <a:avLst/>
+          </a:prstGeom>
+          <a:noFill/>
+        </p:spPr>
+        <p:txBody>
+          <a:bodyPr wrap="none" rtlCol="0">
+            <a:spAutoFit/>
+          </a:bodyPr>
+          <a:lstStyle/>
+          <a:p>
+            <a:r>
+              <a:rPr lang="en-US" sz="1000" dirty="0">
+                <a:solidFill>
+                  <a:schemeClr val="bg1">
+                    <a:lumMod val="75000"/>
+                  </a:schemeClr>
+                </a:solidFill>
+                <a:latin typeface="Avenir Book" panose="02000503020000020003" pitchFamily="2" charset="0"/>
+              </a:rPr>
+              <a:t>figures-0 : monolithic-quantum-computer-circuit-example</a:t>
+            </a:r>
+            <a:endParaRPr lang="en-US" sz="800" dirty="0">
+              <a:solidFill>
+                <a:schemeClr val="bg1">
+                  <a:lumMod val="75000"/>
+                </a:schemeClr>
+              </a:solidFill>
+              <a:latin typeface="Avenir Book" panose="02000503020000020003" pitchFamily="2" charset="0"/>
+            </a:endParaRPr>
+          </a:p>
+        </p:txBody>
+      </p:sp>
+    </p:spTree>
+    <p:extLst>
+      <p:ext uri="{BB962C8B-B14F-4D97-AF65-F5344CB8AC3E}">
+        <p14:creationId xmlns:p14="http://schemas.microsoft.com/office/powerpoint/2010/main" val="2900849068"/>
+      </p:ext>
+    </p:extLst>
+  </p:cSld>
+  <p:clrMapOvr>
+    <a:masterClrMapping/>
+  </p:clrMapOvr>
+</p:sld>
+</file>
+
+<file path=ppt/slides/slide2.xml><?xml version="1.0" encoding="utf-8"?>
+<p:sld xmlns:a="http://schemas.openxmlformats.org/drawingml/2006/main" xmlns:r="http://schemas.openxmlformats.org/officeDocument/2006/relationships" xmlns:p="http://schemas.openxmlformats.org/presentationml/2006/main">
+  <p:cSld>
+    <p:spTree>
+      <p:nvGrpSpPr>
+        <p:cNvPr id="1" name=""/>
+        <p:cNvGrpSpPr/>
+        <p:nvPr/>
+      </p:nvGrpSpPr>
+      <p:grpSpPr>
+        <a:xfrm>
+          <a:off x="0" y="0"/>
+          <a:ext cx="0" cy="0"/>
+          <a:chOff x="0" y="0"/>
+          <a:chExt cx="0" cy="0"/>
+        </a:xfrm>
+      </p:grpSpPr>
+      <p:pic>
+        <p:nvPicPr>
+          <p:cNvPr id="2" name="Picture 1">
+            <a:extLst>
+              <a:ext uri="{FF2B5EF4-FFF2-40B4-BE49-F238E27FC236}">
                 <a16:creationId xmlns:a16="http://schemas.microsoft.com/office/drawing/2014/main" id="{04528B67-5DEC-A5F2-1649-7CA6599B2895}"/>
               </a:ext>
             </a:extLst>
@@ -3822,7 +3987,7 @@
                 </a:solidFill>
                 <a:latin typeface="Avenir Book" panose="02000503020000020003" pitchFamily="2" charset="0"/>
               </a:rPr>
-              <a:t>figures-0 : quantum processor registers</a:t>
+              <a:t>figures-1 : quantum processor registers</a:t>
             </a:r>
             <a:endParaRPr lang="en-US" sz="800" dirty="0">
               <a:solidFill>
@@ -3848,7 +4013,7 @@
 </p:sld>
 </file>
 
-<file path=ppt/slides/slide2.xml><?xml version="1.0" encoding="utf-8"?>
+<file path=ppt/slides/slide3.xml><?xml version="1.0" encoding="utf-8"?>
 <p:sld xmlns:a="http://schemas.openxmlformats.org/drawingml/2006/main" xmlns:r="http://schemas.openxmlformats.org/officeDocument/2006/relationships" xmlns:p="http://schemas.openxmlformats.org/presentationml/2006/main">
   <p:cSld>
     <p:spTree>
@@ -3986,7 +4151,7 @@
                 </a:solidFill>
                 <a:latin typeface="Avenir Book" panose="02000503020000020003" pitchFamily="2" charset="0"/>
               </a:rPr>
-              <a:t>figures-1 : 4-bit local quantum Fourier transformation</a:t>
+              <a:t>figures-2 : 4-bit local quantum Fourier transformation</a:t>
             </a:r>
             <a:endParaRPr lang="en-US" sz="800" dirty="0">
               <a:solidFill>
@@ -4012,7 +4177,7 @@
 </p:sld>
 </file>
 
-<file path=ppt/slides/slide3.xml><?xml version="1.0" encoding="utf-8"?>
+<file path=ppt/slides/slide4.xml><?xml version="1.0" encoding="utf-8"?>
 <p:sld xmlns:a="http://schemas.openxmlformats.org/drawingml/2006/main" xmlns:r="http://schemas.openxmlformats.org/officeDocument/2006/relationships" xmlns:p="http://schemas.openxmlformats.org/presentationml/2006/main">
   <p:cSld>
     <p:spTree>
@@ -4150,7 +4315,7 @@
                 </a:solidFill>
                 <a:latin typeface="Avenir Book" panose="02000503020000020003" pitchFamily="2" charset="0"/>
               </a:rPr>
-              <a:t>figures-2 : Bloch multi-vector for 4-bit QFT with input 3</a:t>
+              <a:t>figures-3 : Bloch multi-vector for 4-bit QFT with input 3</a:t>
             </a:r>
             <a:endParaRPr lang="en-US" sz="800" dirty="0">
               <a:solidFill>
@@ -4176,7 +4341,7 @@
 </p:sld>
 </file>
 
-<file path=ppt/slides/slide4.xml><?xml version="1.0" encoding="utf-8"?>
+<file path=ppt/slides/slide5.xml><?xml version="1.0" encoding="utf-8"?>
 <p:sld xmlns:a="http://schemas.openxmlformats.org/drawingml/2006/main" xmlns:r="http://schemas.openxmlformats.org/officeDocument/2006/relationships" xmlns:p="http://schemas.openxmlformats.org/presentationml/2006/main">
   <p:cSld>
     <p:spTree>
@@ -4314,7 +4479,7 @@
                 </a:solidFill>
                 <a:latin typeface="Avenir Book" panose="02000503020000020003" pitchFamily="2" charset="0"/>
               </a:rPr>
-              <a:t>figures-3 </a:t>
+              <a:t>figures-4 </a:t>
             </a:r>
             <a:r>
               <a:rPr lang="en-US" sz="1000" dirty="0">

--- a/docs/figures/figures.pptx
+++ b/docs/figures/figures.pptx
@@ -6,10 +6,11 @@
   </p:sldMasterIdLst>
   <p:sldIdLst>
     <p:sldId id="261" r:id="rId2"/>
-    <p:sldId id="257" r:id="rId3"/>
-    <p:sldId id="258" r:id="rId4"/>
-    <p:sldId id="259" r:id="rId5"/>
-    <p:sldId id="260" r:id="rId6"/>
+    <p:sldId id="262" r:id="rId3"/>
+    <p:sldId id="257" r:id="rId4"/>
+    <p:sldId id="258" r:id="rId5"/>
+    <p:sldId id="259" r:id="rId6"/>
+    <p:sldId id="260" r:id="rId7"/>
   </p:sldIdLst>
   <p:sldSz cx="12192000" cy="6858000"/>
   <p:notesSz cx="6858000" cy="9144000"/>
@@ -3499,6 +3500,169 @@
           <p:cNvPr id="2" name="Picture 1">
             <a:extLst>
               <a:ext uri="{FF2B5EF4-FFF2-40B4-BE49-F238E27FC236}">
+                <a16:creationId xmlns:a16="http://schemas.microsoft.com/office/drawing/2014/main" id="{5A721D89-8512-1A54-CCE7-BF33F68AC049}"/>
+              </a:ext>
+            </a:extLst>
+          </p:cNvPr>
+          <p:cNvPicPr>
+            <a:picLocks noChangeAspect="1"/>
+          </p:cNvPicPr>
+          <p:nvPr/>
+        </p:nvPicPr>
+        <p:blipFill rotWithShape="1">
+          <a:blip r:embed="rId2"/>
+          <a:srcRect t="5574" b="9658"/>
+          <a:stretch/>
+        </p:blipFill>
+        <p:spPr>
+          <a:xfrm>
+            <a:off x="2318844" y="2271789"/>
+            <a:ext cx="7596352" cy="2788125"/>
+          </a:xfrm>
+          <a:prstGeom prst="rect">
+            <a:avLst/>
+          </a:prstGeom>
+        </p:spPr>
+      </p:pic>
+      <p:sp>
+        <p:nvSpPr>
+          <p:cNvPr id="3" name="Rectangle 2">
+            <a:extLst>
+              <a:ext uri="{FF2B5EF4-FFF2-40B4-BE49-F238E27FC236}">
+                <a16:creationId xmlns:a16="http://schemas.microsoft.com/office/drawing/2014/main" id="{BE14CBF2-3870-B1E9-A08B-93053CCD553E}"/>
+              </a:ext>
+            </a:extLst>
+          </p:cNvPr>
+          <p:cNvSpPr/>
+          <p:nvPr/>
+        </p:nvSpPr>
+        <p:spPr>
+          <a:xfrm>
+            <a:off x="171450" y="2192632"/>
+            <a:ext cx="11872913" cy="2961871"/>
+          </a:xfrm>
+          <a:prstGeom prst="rect">
+            <a:avLst/>
+          </a:prstGeom>
+          <a:noFill/>
+          <a:ln>
+            <a:solidFill>
+              <a:schemeClr val="bg1">
+                <a:lumMod val="85000"/>
+              </a:schemeClr>
+            </a:solidFill>
+          </a:ln>
+        </p:spPr>
+        <p:style>
+          <a:lnRef idx="2">
+            <a:schemeClr val="accent1">
+              <a:shade val="50000"/>
+            </a:schemeClr>
+          </a:lnRef>
+          <a:fillRef idx="1">
+            <a:schemeClr val="accent1"/>
+          </a:fillRef>
+          <a:effectRef idx="0">
+            <a:schemeClr val="accent1"/>
+          </a:effectRef>
+          <a:fontRef idx="minor">
+            <a:schemeClr val="lt1"/>
+          </a:fontRef>
+        </p:style>
+        <p:txBody>
+          <a:bodyPr rtlCol="0" anchor="ctr"/>
+          <a:lstStyle/>
+          <a:p>
+            <a:pPr algn="ctr"/>
+            <a:endParaRPr lang="en-US"/>
+          </a:p>
+        </p:txBody>
+      </p:sp>
+      <p:sp>
+        <p:nvSpPr>
+          <p:cNvPr id="4" name="TextBox 3">
+            <a:extLst>
+              <a:ext uri="{FF2B5EF4-FFF2-40B4-BE49-F238E27FC236}">
+                <a16:creationId xmlns:a16="http://schemas.microsoft.com/office/drawing/2014/main" id="{93680331-AFCC-9A12-8B40-B57B1F73567F}"/>
+              </a:ext>
+            </a:extLst>
+          </p:cNvPr>
+          <p:cNvSpPr txBox="1"/>
+          <p:nvPr/>
+        </p:nvSpPr>
+        <p:spPr>
+          <a:xfrm>
+            <a:off x="201009" y="4876753"/>
+            <a:ext cx="3050835" cy="246221"/>
+          </a:xfrm>
+          <a:prstGeom prst="rect">
+            <a:avLst/>
+          </a:prstGeom>
+          <a:noFill/>
+        </p:spPr>
+        <p:txBody>
+          <a:bodyPr wrap="none" rtlCol="0">
+            <a:spAutoFit/>
+          </a:bodyPr>
+          <a:lstStyle/>
+          <a:p>
+            <a:r>
+              <a:rPr lang="en-US" sz="1000" dirty="0">
+                <a:solidFill>
+                  <a:schemeClr val="bg1">
+                    <a:lumMod val="75000"/>
+                  </a:schemeClr>
+                </a:solidFill>
+                <a:latin typeface="Avenir Book" panose="02000503020000020003" pitchFamily="2" charset="0"/>
+              </a:rPr>
+              <a:t>figures-1 : monolithic-quantum-computer-city-plot</a:t>
+            </a:r>
+            <a:endParaRPr lang="en-US" sz="800" dirty="0">
+              <a:solidFill>
+                <a:schemeClr val="bg1">
+                  <a:lumMod val="75000"/>
+                </a:schemeClr>
+              </a:solidFill>
+              <a:latin typeface="Avenir Book" panose="02000503020000020003" pitchFamily="2" charset="0"/>
+            </a:endParaRPr>
+          </a:p>
+        </p:txBody>
+      </p:sp>
+    </p:spTree>
+    <p:extLst>
+      <p:ext uri="{BB962C8B-B14F-4D97-AF65-F5344CB8AC3E}">
+        <p14:creationId xmlns:p14="http://schemas.microsoft.com/office/powerpoint/2010/main" val="2160490511"/>
+      </p:ext>
+    </p:extLst>
+  </p:cSld>
+  <p:clrMapOvr>
+    <a:masterClrMapping/>
+  </p:clrMapOvr>
+</p:sld>
+</file>
+
+<file path=ppt/slides/slide3.xml><?xml version="1.0" encoding="utf-8"?>
+<p:sld xmlns:a="http://schemas.openxmlformats.org/drawingml/2006/main" xmlns:r="http://schemas.openxmlformats.org/officeDocument/2006/relationships" xmlns:p="http://schemas.openxmlformats.org/presentationml/2006/main">
+  <p:cSld>
+    <p:spTree>
+      <p:nvGrpSpPr>
+        <p:cNvPr id="1" name=""/>
+        <p:cNvGrpSpPr/>
+        <p:nvPr/>
+      </p:nvGrpSpPr>
+      <p:grpSpPr>
+        <a:xfrm>
+          <a:off x="0" y="0"/>
+          <a:ext cx="0" cy="0"/>
+          <a:chOff x="0" y="0"/>
+          <a:chExt cx="0" cy="0"/>
+        </a:xfrm>
+      </p:grpSpPr>
+      <p:pic>
+        <p:nvPicPr>
+          <p:cNvPr id="2" name="Picture 1">
+            <a:extLst>
+              <a:ext uri="{FF2B5EF4-FFF2-40B4-BE49-F238E27FC236}">
                 <a16:creationId xmlns:a16="http://schemas.microsoft.com/office/drawing/2014/main" id="{04528B67-5DEC-A5F2-1649-7CA6599B2895}"/>
               </a:ext>
             </a:extLst>
@@ -3987,7 +4151,7 @@
                 </a:solidFill>
                 <a:latin typeface="Avenir Book" panose="02000503020000020003" pitchFamily="2" charset="0"/>
               </a:rPr>
-              <a:t>figures-1 : quantum processor registers</a:t>
+              <a:t>figures-2 : quantum processor registers</a:t>
             </a:r>
             <a:endParaRPr lang="en-US" sz="800" dirty="0">
               <a:solidFill>
@@ -4013,7 +4177,7 @@
 </p:sld>
 </file>
 
-<file path=ppt/slides/slide3.xml><?xml version="1.0" encoding="utf-8"?>
+<file path=ppt/slides/slide4.xml><?xml version="1.0" encoding="utf-8"?>
 <p:sld xmlns:a="http://schemas.openxmlformats.org/drawingml/2006/main" xmlns:r="http://schemas.openxmlformats.org/officeDocument/2006/relationships" xmlns:p="http://schemas.openxmlformats.org/presentationml/2006/main">
   <p:cSld>
     <p:spTree>
@@ -4151,7 +4315,7 @@
                 </a:solidFill>
                 <a:latin typeface="Avenir Book" panose="02000503020000020003" pitchFamily="2" charset="0"/>
               </a:rPr>
-              <a:t>figures-2 : 4-bit local quantum Fourier transformation</a:t>
+              <a:t>figures-3 : 4-bit local quantum Fourier transformation</a:t>
             </a:r>
             <a:endParaRPr lang="en-US" sz="800" dirty="0">
               <a:solidFill>
@@ -4177,7 +4341,7 @@
 </p:sld>
 </file>
 
-<file path=ppt/slides/slide4.xml><?xml version="1.0" encoding="utf-8"?>
+<file path=ppt/slides/slide5.xml><?xml version="1.0" encoding="utf-8"?>
 <p:sld xmlns:a="http://schemas.openxmlformats.org/drawingml/2006/main" xmlns:r="http://schemas.openxmlformats.org/officeDocument/2006/relationships" xmlns:p="http://schemas.openxmlformats.org/presentationml/2006/main">
   <p:cSld>
     <p:spTree>
@@ -4315,7 +4479,7 @@
                 </a:solidFill>
                 <a:latin typeface="Avenir Book" panose="02000503020000020003" pitchFamily="2" charset="0"/>
               </a:rPr>
-              <a:t>figures-3 : Bloch multi-vector for 4-bit QFT with input 3</a:t>
+              <a:t>figures-4 : Bloch multi-vector for 4-bit QFT with input 3</a:t>
             </a:r>
             <a:endParaRPr lang="en-US" sz="800" dirty="0">
               <a:solidFill>
@@ -4341,7 +4505,7 @@
 </p:sld>
 </file>
 
-<file path=ppt/slides/slide5.xml><?xml version="1.0" encoding="utf-8"?>
+<file path=ppt/slides/slide6.xml><?xml version="1.0" encoding="utf-8"?>
 <p:sld xmlns:a="http://schemas.openxmlformats.org/drawingml/2006/main" xmlns:r="http://schemas.openxmlformats.org/officeDocument/2006/relationships" xmlns:p="http://schemas.openxmlformats.org/presentationml/2006/main">
   <p:cSld>
     <p:spTree>
@@ -4471,17 +4635,6 @@
           <a:lstStyle/>
           <a:p>
             <a:r>
-              <a:rPr lang="en-US" sz="1000">
-                <a:solidFill>
-                  <a:schemeClr val="bg1">
-                    <a:lumMod val="75000"/>
-                  </a:schemeClr>
-                </a:solidFill>
-                <a:latin typeface="Avenir Book" panose="02000503020000020003" pitchFamily="2" charset="0"/>
-              </a:rPr>
-              <a:t>figures-4 </a:t>
-            </a:r>
-            <a:r>
               <a:rPr lang="en-US" sz="1000" dirty="0">
                 <a:solidFill>
                   <a:schemeClr val="bg1">
@@ -4490,7 +4643,7 @@
                 </a:solidFill>
                 <a:latin typeface="Avenir Book" panose="02000503020000020003" pitchFamily="2" charset="0"/>
               </a:rPr>
-              <a:t>: Density matrix city plot for 4-bit QFT with input 3</a:t>
+              <a:t>figures-5 : Density matrix city plot for 4-bit QFT with input 3</a:t>
             </a:r>
             <a:endParaRPr lang="en-US" sz="800" dirty="0">
               <a:solidFill>

--- a/docs/figures/figures.pptx
+++ b/docs/figures/figures.pptx
@@ -7,10 +7,12 @@
   <p:sldIdLst>
     <p:sldId id="261" r:id="rId2"/>
     <p:sldId id="262" r:id="rId3"/>
-    <p:sldId id="257" r:id="rId4"/>
-    <p:sldId id="258" r:id="rId5"/>
-    <p:sldId id="259" r:id="rId6"/>
-    <p:sldId id="260" r:id="rId7"/>
+    <p:sldId id="263" r:id="rId4"/>
+    <p:sldId id="264" r:id="rId5"/>
+    <p:sldId id="257" r:id="rId6"/>
+    <p:sldId id="258" r:id="rId7"/>
+    <p:sldId id="259" r:id="rId8"/>
+    <p:sldId id="260" r:id="rId9"/>
   </p:sldIdLst>
   <p:sldSz cx="12192000" cy="6858000"/>
   <p:notesSz cx="6858000" cy="9144000"/>
@@ -264,7 +266,7 @@
           <a:p>
             <a:fld id="{1D260CC7-D420-F644-9F41-59E094E33DC7}" type="datetimeFigureOut">
               <a:rPr lang="en-US" smtClean="0"/>
-              <a:t>12/19/22</a:t>
+              <a:t>12/20/22</a:t>
             </a:fld>
             <a:endParaRPr lang="en-US"/>
           </a:p>
@@ -462,7 +464,7 @@
           <a:p>
             <a:fld id="{1D260CC7-D420-F644-9F41-59E094E33DC7}" type="datetimeFigureOut">
               <a:rPr lang="en-US" smtClean="0"/>
-              <a:t>12/19/22</a:t>
+              <a:t>12/20/22</a:t>
             </a:fld>
             <a:endParaRPr lang="en-US"/>
           </a:p>
@@ -670,7 +672,7 @@
           <a:p>
             <a:fld id="{1D260CC7-D420-F644-9F41-59E094E33DC7}" type="datetimeFigureOut">
               <a:rPr lang="en-US" smtClean="0"/>
-              <a:t>12/19/22</a:t>
+              <a:t>12/20/22</a:t>
             </a:fld>
             <a:endParaRPr lang="en-US"/>
           </a:p>
@@ -868,7 +870,7 @@
           <a:p>
             <a:fld id="{1D260CC7-D420-F644-9F41-59E094E33DC7}" type="datetimeFigureOut">
               <a:rPr lang="en-US" smtClean="0"/>
-              <a:t>12/19/22</a:t>
+              <a:t>12/20/22</a:t>
             </a:fld>
             <a:endParaRPr lang="en-US"/>
           </a:p>
@@ -1143,7 +1145,7 @@
           <a:p>
             <a:fld id="{1D260CC7-D420-F644-9F41-59E094E33DC7}" type="datetimeFigureOut">
               <a:rPr lang="en-US" smtClean="0"/>
-              <a:t>12/19/22</a:t>
+              <a:t>12/20/22</a:t>
             </a:fld>
             <a:endParaRPr lang="en-US"/>
           </a:p>
@@ -1408,7 +1410,7 @@
           <a:p>
             <a:fld id="{1D260CC7-D420-F644-9F41-59E094E33DC7}" type="datetimeFigureOut">
               <a:rPr lang="en-US" smtClean="0"/>
-              <a:t>12/19/22</a:t>
+              <a:t>12/20/22</a:t>
             </a:fld>
             <a:endParaRPr lang="en-US"/>
           </a:p>
@@ -1820,7 +1822,7 @@
           <a:p>
             <a:fld id="{1D260CC7-D420-F644-9F41-59E094E33DC7}" type="datetimeFigureOut">
               <a:rPr lang="en-US" smtClean="0"/>
-              <a:t>12/19/22</a:t>
+              <a:t>12/20/22</a:t>
             </a:fld>
             <a:endParaRPr lang="en-US"/>
           </a:p>
@@ -1961,7 +1963,7 @@
           <a:p>
             <a:fld id="{1D260CC7-D420-F644-9F41-59E094E33DC7}" type="datetimeFigureOut">
               <a:rPr lang="en-US" smtClean="0"/>
-              <a:t>12/19/22</a:t>
+              <a:t>12/20/22</a:t>
             </a:fld>
             <a:endParaRPr lang="en-US"/>
           </a:p>
@@ -2074,7 +2076,7 @@
           <a:p>
             <a:fld id="{1D260CC7-D420-F644-9F41-59E094E33DC7}" type="datetimeFigureOut">
               <a:rPr lang="en-US" smtClean="0"/>
-              <a:t>12/19/22</a:t>
+              <a:t>12/20/22</a:t>
             </a:fld>
             <a:endParaRPr lang="en-US"/>
           </a:p>
@@ -2385,7 +2387,7 @@
           <a:p>
             <a:fld id="{1D260CC7-D420-F644-9F41-59E094E33DC7}" type="datetimeFigureOut">
               <a:rPr lang="en-US" smtClean="0"/>
-              <a:t>12/19/22</a:t>
+              <a:t>12/20/22</a:t>
             </a:fld>
             <a:endParaRPr lang="en-US"/>
           </a:p>
@@ -2673,7 +2675,7 @@
           <a:p>
             <a:fld id="{1D260CC7-D420-F644-9F41-59E094E33DC7}" type="datetimeFigureOut">
               <a:rPr lang="en-US" smtClean="0"/>
-              <a:t>12/19/22</a:t>
+              <a:t>12/20/22</a:t>
             </a:fld>
             <a:endParaRPr lang="en-US"/>
           </a:p>
@@ -2914,7 +2916,7 @@
           <a:p>
             <a:fld id="{1D260CC7-D420-F644-9F41-59E094E33DC7}" type="datetimeFigureOut">
               <a:rPr lang="en-US" smtClean="0"/>
-              <a:t>12/19/22</a:t>
+              <a:t>12/20/22</a:t>
             </a:fld>
             <a:endParaRPr lang="en-US"/>
           </a:p>
@@ -3658,42 +3660,91 @@
           <a:chExt cx="0" cy="0"/>
         </a:xfrm>
       </p:grpSpPr>
-      <p:pic>
-        <p:nvPicPr>
-          <p:cNvPr id="2" name="Picture 1">
-            <a:extLst>
-              <a:ext uri="{FF2B5EF4-FFF2-40B4-BE49-F238E27FC236}">
-                <a16:creationId xmlns:a16="http://schemas.microsoft.com/office/drawing/2014/main" id="{04528B67-5DEC-A5F2-1649-7CA6599B2895}"/>
-              </a:ext>
-            </a:extLst>
-          </p:cNvPr>
-          <p:cNvPicPr>
-            <a:picLocks noChangeAspect="1"/>
-          </p:cNvPicPr>
+      <p:grpSp>
+        <p:nvGrpSpPr>
+          <p:cNvPr id="6" name="Group 5">
+            <a:extLst>
+              <a:ext uri="{FF2B5EF4-FFF2-40B4-BE49-F238E27FC236}">
+                <a16:creationId xmlns:a16="http://schemas.microsoft.com/office/drawing/2014/main" id="{2E54B42F-02F0-191C-482A-F7AB5B93DB5F}"/>
+              </a:ext>
+            </a:extLst>
+          </p:cNvPr>
+          <p:cNvGrpSpPr/>
           <p:nvPr/>
-        </p:nvPicPr>
-        <p:blipFill>
-          <a:blip r:embed="rId2"/>
-          <a:stretch>
-            <a:fillRect/>
-          </a:stretch>
-        </p:blipFill>
-        <p:spPr>
-          <a:xfrm>
-            <a:off x="3435340" y="628650"/>
-            <a:ext cx="3302000" cy="5600700"/>
-          </a:xfrm>
-          <a:prstGeom prst="rect">
-            <a:avLst/>
-          </a:prstGeom>
-        </p:spPr>
-      </p:pic>
+        </p:nvGrpSpPr>
+        <p:grpSpPr>
+          <a:xfrm>
+            <a:off x="4136493" y="2477790"/>
+            <a:ext cx="2845581" cy="1870842"/>
+            <a:chOff x="3139407" y="1292772"/>
+            <a:chExt cx="2126192" cy="1397876"/>
+          </a:xfrm>
+        </p:grpSpPr>
+        <p:pic>
+          <p:nvPicPr>
+            <p:cNvPr id="2" name="Picture 1">
+              <a:extLst>
+                <a:ext uri="{FF2B5EF4-FFF2-40B4-BE49-F238E27FC236}">
+                  <a16:creationId xmlns:a16="http://schemas.microsoft.com/office/drawing/2014/main" id="{D05F09DF-BDC8-4C3B-9B08-AA7654018CB1}"/>
+                </a:ext>
+              </a:extLst>
+            </p:cNvPr>
+            <p:cNvPicPr>
+              <a:picLocks noChangeAspect="1"/>
+            </p:cNvPicPr>
+            <p:nvPr/>
+          </p:nvPicPr>
+          <p:blipFill rotWithShape="1">
+            <a:blip r:embed="rId2"/>
+            <a:srcRect b="80479"/>
+            <a:stretch/>
+          </p:blipFill>
+          <p:spPr>
+            <a:xfrm>
+              <a:off x="3139407" y="1292772"/>
+              <a:ext cx="2126192" cy="672662"/>
+            </a:xfrm>
+            <a:prstGeom prst="rect">
+              <a:avLst/>
+            </a:prstGeom>
+          </p:spPr>
+        </p:pic>
+        <p:pic>
+          <p:nvPicPr>
+            <p:cNvPr id="3" name="Picture 2">
+              <a:extLst>
+                <a:ext uri="{FF2B5EF4-FFF2-40B4-BE49-F238E27FC236}">
+                  <a16:creationId xmlns:a16="http://schemas.microsoft.com/office/drawing/2014/main" id="{3E6A324B-2A92-CC35-1BE5-74F667AFBB3B}"/>
+                </a:ext>
+              </a:extLst>
+            </p:cNvPr>
+            <p:cNvPicPr>
+              <a:picLocks noChangeAspect="1"/>
+            </p:cNvPicPr>
+            <p:nvPr/>
+          </p:nvPicPr>
+          <p:blipFill rotWithShape="1">
+            <a:blip r:embed="rId2"/>
+            <a:srcRect t="38431" b="40523"/>
+            <a:stretch/>
+          </p:blipFill>
+          <p:spPr>
+            <a:xfrm>
+              <a:off x="3139407" y="1965434"/>
+              <a:ext cx="2126192" cy="725214"/>
+            </a:xfrm>
+            <a:prstGeom prst="rect">
+              <a:avLst/>
+            </a:prstGeom>
+          </p:spPr>
+        </p:pic>
+      </p:grpSp>
       <p:sp>
         <p:nvSpPr>
           <p:cNvPr id="4" name="Rectangle 3">
             <a:extLst>
               <a:ext uri="{FF2B5EF4-FFF2-40B4-BE49-F238E27FC236}">
-                <a16:creationId xmlns:a16="http://schemas.microsoft.com/office/drawing/2014/main" id="{D3821130-6BA8-ADF6-A295-F9CC7A32446A}"/>
+                <a16:creationId xmlns:a16="http://schemas.microsoft.com/office/drawing/2014/main" id="{A9FB5BDD-0AED-6FD2-5A59-3B5A3DD0FF45}"/>
               </a:ext>
             </a:extLst>
           </p:cNvPr>
@@ -3702,380 +3753,8 @@
         </p:nvSpPr>
         <p:spPr>
           <a:xfrm>
-            <a:off x="3600441" y="671514"/>
-            <a:ext cx="3057526" cy="2100263"/>
-          </a:xfrm>
-          <a:prstGeom prst="rect">
-            <a:avLst/>
-          </a:prstGeom>
-          <a:noFill/>
-          <a:ln>
-            <a:solidFill>
-              <a:srgbClr val="FF0000"/>
-            </a:solidFill>
-          </a:ln>
-        </p:spPr>
-        <p:style>
-          <a:lnRef idx="2">
-            <a:schemeClr val="accent1">
-              <a:shade val="50000"/>
-            </a:schemeClr>
-          </a:lnRef>
-          <a:fillRef idx="1">
-            <a:schemeClr val="accent1"/>
-          </a:fillRef>
-          <a:effectRef idx="0">
-            <a:schemeClr val="accent1"/>
-          </a:effectRef>
-          <a:fontRef idx="minor">
-            <a:schemeClr val="lt1"/>
-          </a:fontRef>
-        </p:style>
-        <p:txBody>
-          <a:bodyPr rtlCol="0" anchor="ctr"/>
-          <a:lstStyle/>
-          <a:p>
-            <a:pPr algn="ctr"/>
-            <a:endParaRPr lang="en-US"/>
-          </a:p>
-        </p:txBody>
-      </p:sp>
-      <p:sp>
-        <p:nvSpPr>
-          <p:cNvPr id="5" name="Rectangle 4">
-            <a:extLst>
-              <a:ext uri="{FF2B5EF4-FFF2-40B4-BE49-F238E27FC236}">
-                <a16:creationId xmlns:a16="http://schemas.microsoft.com/office/drawing/2014/main" id="{CCFE9FF9-AB6D-5320-37BD-C4EC9CDFA29E}"/>
-              </a:ext>
-            </a:extLst>
-          </p:cNvPr>
-          <p:cNvSpPr/>
-          <p:nvPr/>
-        </p:nvSpPr>
-        <p:spPr>
-          <a:xfrm>
-            <a:off x="3600441" y="2863065"/>
-            <a:ext cx="3057526" cy="2100263"/>
-          </a:xfrm>
-          <a:prstGeom prst="rect">
-            <a:avLst/>
-          </a:prstGeom>
-          <a:noFill/>
-          <a:ln>
-            <a:solidFill>
-              <a:schemeClr val="accent6">
-                <a:lumMod val="75000"/>
-              </a:schemeClr>
-            </a:solidFill>
-          </a:ln>
-        </p:spPr>
-        <p:style>
-          <a:lnRef idx="2">
-            <a:schemeClr val="accent1">
-              <a:shade val="50000"/>
-            </a:schemeClr>
-          </a:lnRef>
-          <a:fillRef idx="1">
-            <a:schemeClr val="accent1"/>
-          </a:fillRef>
-          <a:effectRef idx="0">
-            <a:schemeClr val="accent1"/>
-          </a:effectRef>
-          <a:fontRef idx="minor">
-            <a:schemeClr val="lt1"/>
-          </a:fontRef>
-        </p:style>
-        <p:txBody>
-          <a:bodyPr rtlCol="0" anchor="ctr"/>
-          <a:lstStyle/>
-          <a:p>
-            <a:pPr algn="ctr"/>
-            <a:endParaRPr lang="en-US"/>
-          </a:p>
-        </p:txBody>
-      </p:sp>
-      <p:sp>
-        <p:nvSpPr>
-          <p:cNvPr id="6" name="Rectangle 5">
-            <a:extLst>
-              <a:ext uri="{FF2B5EF4-FFF2-40B4-BE49-F238E27FC236}">
-                <a16:creationId xmlns:a16="http://schemas.microsoft.com/office/drawing/2014/main" id="{C0C02DF9-85C6-870D-2EDA-29E2DD95F495}"/>
-              </a:ext>
-            </a:extLst>
-          </p:cNvPr>
-          <p:cNvSpPr/>
-          <p:nvPr/>
-        </p:nvSpPr>
-        <p:spPr>
-          <a:xfrm>
-            <a:off x="3600441" y="5054616"/>
-            <a:ext cx="3057526" cy="457192"/>
-          </a:xfrm>
-          <a:prstGeom prst="rect">
-            <a:avLst/>
-          </a:prstGeom>
-          <a:noFill/>
-          <a:ln>
-            <a:solidFill>
-              <a:srgbClr val="FF0000"/>
-            </a:solidFill>
-          </a:ln>
-        </p:spPr>
-        <p:style>
-          <a:lnRef idx="2">
-            <a:schemeClr val="accent1">
-              <a:shade val="50000"/>
-            </a:schemeClr>
-          </a:lnRef>
-          <a:fillRef idx="1">
-            <a:schemeClr val="accent1"/>
-          </a:fillRef>
-          <a:effectRef idx="0">
-            <a:schemeClr val="accent1"/>
-          </a:effectRef>
-          <a:fontRef idx="minor">
-            <a:schemeClr val="lt1"/>
-          </a:fontRef>
-        </p:style>
-        <p:txBody>
-          <a:bodyPr rtlCol="0" anchor="ctr"/>
-          <a:lstStyle/>
-          <a:p>
-            <a:pPr algn="ctr"/>
-            <a:endParaRPr lang="en-US"/>
-          </a:p>
-        </p:txBody>
-      </p:sp>
-      <p:sp>
-        <p:nvSpPr>
-          <p:cNvPr id="7" name="Rectangle 6">
-            <a:extLst>
-              <a:ext uri="{FF2B5EF4-FFF2-40B4-BE49-F238E27FC236}">
-                <a16:creationId xmlns:a16="http://schemas.microsoft.com/office/drawing/2014/main" id="{0980D113-7E8F-2BC0-867C-1CAA6AD1C35B}"/>
-              </a:ext>
-            </a:extLst>
-          </p:cNvPr>
-          <p:cNvSpPr/>
-          <p:nvPr/>
-        </p:nvSpPr>
-        <p:spPr>
-          <a:xfrm>
-            <a:off x="3600441" y="5603095"/>
-            <a:ext cx="3057526" cy="457192"/>
-          </a:xfrm>
-          <a:prstGeom prst="rect">
-            <a:avLst/>
-          </a:prstGeom>
-          <a:noFill/>
-          <a:ln>
-            <a:solidFill>
-              <a:schemeClr val="accent6">
-                <a:lumMod val="75000"/>
-              </a:schemeClr>
-            </a:solidFill>
-          </a:ln>
-        </p:spPr>
-        <p:style>
-          <a:lnRef idx="2">
-            <a:schemeClr val="accent1">
-              <a:shade val="50000"/>
-            </a:schemeClr>
-          </a:lnRef>
-          <a:fillRef idx="1">
-            <a:schemeClr val="accent1"/>
-          </a:fillRef>
-          <a:effectRef idx="0">
-            <a:schemeClr val="accent1"/>
-          </a:effectRef>
-          <a:fontRef idx="minor">
-            <a:schemeClr val="lt1"/>
-          </a:fontRef>
-        </p:style>
-        <p:txBody>
-          <a:bodyPr rtlCol="0" anchor="ctr"/>
-          <a:lstStyle/>
-          <a:p>
-            <a:pPr algn="ctr"/>
-            <a:endParaRPr lang="en-US"/>
-          </a:p>
-        </p:txBody>
-      </p:sp>
-      <p:sp>
-        <p:nvSpPr>
-          <p:cNvPr id="8" name="TextBox 7">
-            <a:extLst>
-              <a:ext uri="{FF2B5EF4-FFF2-40B4-BE49-F238E27FC236}">
-                <a16:creationId xmlns:a16="http://schemas.microsoft.com/office/drawing/2014/main" id="{963AD41F-43C9-2E27-AE48-2BFB88732422}"/>
-              </a:ext>
-            </a:extLst>
-          </p:cNvPr>
-          <p:cNvSpPr txBox="1"/>
-          <p:nvPr/>
-        </p:nvSpPr>
-        <p:spPr>
-          <a:xfrm>
-            <a:off x="6743695" y="1536979"/>
-            <a:ext cx="2652777" cy="338554"/>
-          </a:xfrm>
-          <a:prstGeom prst="rect">
-            <a:avLst/>
-          </a:prstGeom>
-          <a:noFill/>
-        </p:spPr>
-        <p:txBody>
-          <a:bodyPr wrap="none" rtlCol="0">
-            <a:spAutoFit/>
-          </a:bodyPr>
-          <a:lstStyle/>
-          <a:p>
-            <a:r>
-              <a:rPr lang="en-US" sz="1600" dirty="0">
-                <a:latin typeface="Avenir Book" panose="02000503020000020003" pitchFamily="2" charset="0"/>
-              </a:rPr>
-              <a:t>Processor #0 (Alice) qubits </a:t>
-            </a:r>
-            <a:endParaRPr lang="en-US" sz="1200" dirty="0">
-              <a:latin typeface="Avenir Book" panose="02000503020000020003" pitchFamily="2" charset="0"/>
-            </a:endParaRPr>
-          </a:p>
-        </p:txBody>
-      </p:sp>
-      <p:sp>
-        <p:nvSpPr>
-          <p:cNvPr id="9" name="TextBox 8">
-            <a:extLst>
-              <a:ext uri="{FF2B5EF4-FFF2-40B4-BE49-F238E27FC236}">
-                <a16:creationId xmlns:a16="http://schemas.microsoft.com/office/drawing/2014/main" id="{C084BCA4-0FDA-563B-5A85-3841B147B63C}"/>
-              </a:ext>
-            </a:extLst>
-          </p:cNvPr>
-          <p:cNvSpPr txBox="1"/>
-          <p:nvPr/>
-        </p:nvSpPr>
-        <p:spPr>
-          <a:xfrm>
-            <a:off x="6743695" y="3753713"/>
-            <a:ext cx="2575833" cy="338554"/>
-          </a:xfrm>
-          <a:prstGeom prst="rect">
-            <a:avLst/>
-          </a:prstGeom>
-          <a:noFill/>
-        </p:spPr>
-        <p:txBody>
-          <a:bodyPr wrap="none" rtlCol="0">
-            <a:spAutoFit/>
-          </a:bodyPr>
-          <a:lstStyle/>
-          <a:p>
-            <a:r>
-              <a:rPr lang="en-US" sz="1600" dirty="0">
-                <a:latin typeface="Avenir Book" panose="02000503020000020003" pitchFamily="2" charset="0"/>
-              </a:rPr>
-              <a:t>Processor #1 (Bob) qubits </a:t>
-            </a:r>
-            <a:endParaRPr lang="en-US" sz="1200" dirty="0">
-              <a:latin typeface="Avenir Book" panose="02000503020000020003" pitchFamily="2" charset="0"/>
-            </a:endParaRPr>
-          </a:p>
-        </p:txBody>
-      </p:sp>
-      <p:sp>
-        <p:nvSpPr>
-          <p:cNvPr id="10" name="TextBox 9">
-            <a:extLst>
-              <a:ext uri="{FF2B5EF4-FFF2-40B4-BE49-F238E27FC236}">
-                <a16:creationId xmlns:a16="http://schemas.microsoft.com/office/drawing/2014/main" id="{50DE8F06-CC14-1EF9-ED02-995A467A159D}"/>
-              </a:ext>
-            </a:extLst>
-          </p:cNvPr>
-          <p:cNvSpPr txBox="1"/>
-          <p:nvPr/>
-        </p:nvSpPr>
-        <p:spPr>
-          <a:xfrm>
-            <a:off x="6743695" y="5113935"/>
-            <a:ext cx="3207417" cy="338554"/>
-          </a:xfrm>
-          <a:prstGeom prst="rect">
-            <a:avLst/>
-          </a:prstGeom>
-          <a:noFill/>
-        </p:spPr>
-        <p:txBody>
-          <a:bodyPr wrap="none" rtlCol="0">
-            <a:spAutoFit/>
-          </a:bodyPr>
-          <a:lstStyle/>
-          <a:p>
-            <a:r>
-              <a:rPr lang="en-US" sz="1600" dirty="0">
-                <a:latin typeface="Avenir Book" panose="02000503020000020003" pitchFamily="2" charset="0"/>
-              </a:rPr>
-              <a:t>Processor #0 (Alice) classical bits </a:t>
-            </a:r>
-            <a:endParaRPr lang="en-US" sz="1200" dirty="0">
-              <a:latin typeface="Avenir Book" panose="02000503020000020003" pitchFamily="2" charset="0"/>
-            </a:endParaRPr>
-          </a:p>
-        </p:txBody>
-      </p:sp>
-      <p:sp>
-        <p:nvSpPr>
-          <p:cNvPr id="11" name="TextBox 10">
-            <a:extLst>
-              <a:ext uri="{FF2B5EF4-FFF2-40B4-BE49-F238E27FC236}">
-                <a16:creationId xmlns:a16="http://schemas.microsoft.com/office/drawing/2014/main" id="{812581EE-AB14-0248-4D34-11895869B2B6}"/>
-              </a:ext>
-            </a:extLst>
-          </p:cNvPr>
-          <p:cNvSpPr txBox="1"/>
-          <p:nvPr/>
-        </p:nvSpPr>
-        <p:spPr>
-          <a:xfrm>
-            <a:off x="6743695" y="5662414"/>
-            <a:ext cx="3130472" cy="338554"/>
-          </a:xfrm>
-          <a:prstGeom prst="rect">
-            <a:avLst/>
-          </a:prstGeom>
-          <a:noFill/>
-        </p:spPr>
-        <p:txBody>
-          <a:bodyPr wrap="none" rtlCol="0">
-            <a:spAutoFit/>
-          </a:bodyPr>
-          <a:lstStyle/>
-          <a:p>
-            <a:r>
-              <a:rPr lang="en-US" sz="1600" dirty="0">
-                <a:latin typeface="Avenir Book" panose="02000503020000020003" pitchFamily="2" charset="0"/>
-              </a:rPr>
-              <a:t>Processor #1 (Bob) classical bits </a:t>
-            </a:r>
-            <a:endParaRPr lang="en-US" sz="1200" dirty="0">
-              <a:latin typeface="Avenir Book" panose="02000503020000020003" pitchFamily="2" charset="0"/>
-            </a:endParaRPr>
-          </a:p>
-        </p:txBody>
-      </p:sp>
-      <p:sp>
-        <p:nvSpPr>
-          <p:cNvPr id="12" name="Rectangle 11">
-            <a:extLst>
-              <a:ext uri="{FF2B5EF4-FFF2-40B4-BE49-F238E27FC236}">
-                <a16:creationId xmlns:a16="http://schemas.microsoft.com/office/drawing/2014/main" id="{53A239F0-9EF5-41F4-B7C9-9C3B5BB509D1}"/>
-              </a:ext>
-            </a:extLst>
-          </p:cNvPr>
-          <p:cNvSpPr/>
-          <p:nvPr/>
-        </p:nvSpPr>
-        <p:spPr>
-          <a:xfrm>
-            <a:off x="171450" y="471488"/>
-            <a:ext cx="11872913" cy="5872162"/>
+            <a:off x="159543" y="2354728"/>
+            <a:ext cx="11872913" cy="2148544"/>
           </a:xfrm>
           <a:prstGeom prst="rect">
             <a:avLst/>
@@ -4116,10 +3795,10 @@
       </p:sp>
       <p:sp>
         <p:nvSpPr>
-          <p:cNvPr id="3" name="TextBox 2">
-            <a:extLst>
-              <a:ext uri="{FF2B5EF4-FFF2-40B4-BE49-F238E27FC236}">
-                <a16:creationId xmlns:a16="http://schemas.microsoft.com/office/drawing/2014/main" id="{50CCBAC3-4221-2C0F-AC91-730249674437}"/>
+          <p:cNvPr id="5" name="TextBox 4">
+            <a:extLst>
+              <a:ext uri="{FF2B5EF4-FFF2-40B4-BE49-F238E27FC236}">
+                <a16:creationId xmlns:a16="http://schemas.microsoft.com/office/drawing/2014/main" id="{F7AE8939-0523-CCFD-6502-931E147C0D11}"/>
               </a:ext>
             </a:extLst>
           </p:cNvPr>
@@ -4128,8 +3807,8 @@
         </p:nvSpPr>
         <p:spPr>
           <a:xfrm>
-            <a:off x="201009" y="6075484"/>
-            <a:ext cx="2417650" cy="246221"/>
+            <a:off x="189102" y="4225522"/>
+            <a:ext cx="3204723" cy="246221"/>
           </a:xfrm>
           <a:prstGeom prst="rect">
             <a:avLst/>
@@ -4151,7 +3830,7 @@
                 </a:solidFill>
                 <a:latin typeface="Avenir Book" panose="02000503020000020003" pitchFamily="2" charset="0"/>
               </a:rPr>
-              <a:t>figures-2 : quantum processor registers</a:t>
+              <a:t>figures-2 : single-qubit-gate-global-to-local-mapping</a:t>
             </a:r>
             <a:endParaRPr lang="en-US" sz="800" dirty="0">
               <a:solidFill>
@@ -4167,7 +3846,7 @@
     </p:spTree>
     <p:extLst>
       <p:ext uri="{BB962C8B-B14F-4D97-AF65-F5344CB8AC3E}">
-        <p14:creationId xmlns:p14="http://schemas.microsoft.com/office/powerpoint/2010/main" val="3810293133"/>
+        <p14:creationId xmlns:p14="http://schemas.microsoft.com/office/powerpoint/2010/main" val="1123710408"/>
       </p:ext>
     </p:extLst>
   </p:cSld>
@@ -4194,12 +3873,91 @@
           <a:chExt cx="0" cy="0"/>
         </a:xfrm>
       </p:grpSpPr>
-      <p:sp>
-        <p:nvSpPr>
-          <p:cNvPr id="12" name="Rectangle 11">
-            <a:extLst>
-              <a:ext uri="{FF2B5EF4-FFF2-40B4-BE49-F238E27FC236}">
-                <a16:creationId xmlns:a16="http://schemas.microsoft.com/office/drawing/2014/main" id="{53A239F0-9EF5-41F4-B7C9-9C3B5BB509D1}"/>
+      <p:grpSp>
+        <p:nvGrpSpPr>
+          <p:cNvPr id="7" name="Group 6">
+            <a:extLst>
+              <a:ext uri="{FF2B5EF4-FFF2-40B4-BE49-F238E27FC236}">
+                <a16:creationId xmlns:a16="http://schemas.microsoft.com/office/drawing/2014/main" id="{641A4E57-EB42-580F-9ED5-11581363B52E}"/>
+              </a:ext>
+            </a:extLst>
+          </p:cNvPr>
+          <p:cNvGrpSpPr/>
+          <p:nvPr/>
+        </p:nvGrpSpPr>
+        <p:grpSpPr>
+          <a:xfrm>
+            <a:off x="3856454" y="2453758"/>
+            <a:ext cx="3204723" cy="1954925"/>
+            <a:chOff x="2039561" y="1198180"/>
+            <a:chExt cx="3204723" cy="1954925"/>
+          </a:xfrm>
+        </p:grpSpPr>
+        <p:pic>
+          <p:nvPicPr>
+            <p:cNvPr id="3" name="Picture 2">
+              <a:extLst>
+                <a:ext uri="{FF2B5EF4-FFF2-40B4-BE49-F238E27FC236}">
+                  <a16:creationId xmlns:a16="http://schemas.microsoft.com/office/drawing/2014/main" id="{C04B0D9F-403D-FAD3-0231-2FFF0CEB921E}"/>
+                </a:ext>
+              </a:extLst>
+            </p:cNvPr>
+            <p:cNvPicPr>
+              <a:picLocks noChangeAspect="1"/>
+            </p:cNvPicPr>
+            <p:nvPr/>
+          </p:nvPicPr>
+          <p:blipFill rotWithShape="1">
+            <a:blip r:embed="rId2"/>
+            <a:srcRect b="79850"/>
+            <a:stretch/>
+          </p:blipFill>
+          <p:spPr>
+            <a:xfrm>
+              <a:off x="2039561" y="1198180"/>
+              <a:ext cx="3204723" cy="956441"/>
+            </a:xfrm>
+            <a:prstGeom prst="rect">
+              <a:avLst/>
+            </a:prstGeom>
+          </p:spPr>
+        </p:pic>
+        <p:pic>
+          <p:nvPicPr>
+            <p:cNvPr id="4" name="Picture 3">
+              <a:extLst>
+                <a:ext uri="{FF2B5EF4-FFF2-40B4-BE49-F238E27FC236}">
+                  <a16:creationId xmlns:a16="http://schemas.microsoft.com/office/drawing/2014/main" id="{A008426D-214F-8BC2-7981-D2C06C2A5E6D}"/>
+                </a:ext>
+              </a:extLst>
+            </p:cNvPr>
+            <p:cNvPicPr>
+              <a:picLocks noChangeAspect="1"/>
+            </p:cNvPicPr>
+            <p:nvPr/>
+          </p:nvPicPr>
+          <p:blipFill rotWithShape="1">
+            <a:blip r:embed="rId2"/>
+            <a:srcRect t="39082" b="39882"/>
+            <a:stretch/>
+          </p:blipFill>
+          <p:spPr>
+            <a:xfrm>
+              <a:off x="2039561" y="2154621"/>
+              <a:ext cx="3204723" cy="998484"/>
+            </a:xfrm>
+            <a:prstGeom prst="rect">
+              <a:avLst/>
+            </a:prstGeom>
+          </p:spPr>
+        </p:pic>
+      </p:grpSp>
+      <p:sp>
+        <p:nvSpPr>
+          <p:cNvPr id="5" name="Rectangle 4">
+            <a:extLst>
+              <a:ext uri="{FF2B5EF4-FFF2-40B4-BE49-F238E27FC236}">
+                <a16:creationId xmlns:a16="http://schemas.microsoft.com/office/drawing/2014/main" id="{0719D911-2E6D-8B01-C75A-7CB124DC19F5}"/>
               </a:ext>
             </a:extLst>
           </p:cNvPr>
@@ -4208,8 +3966,8 @@
         </p:nvSpPr>
         <p:spPr>
           <a:xfrm>
-            <a:off x="171450" y="1660634"/>
-            <a:ext cx="11872913" cy="3493870"/>
+            <a:off x="159543" y="2354728"/>
+            <a:ext cx="11872913" cy="2148544"/>
           </a:xfrm>
           <a:prstGeom prst="rect">
             <a:avLst/>
@@ -4248,42 +4006,12 @@
           </a:p>
         </p:txBody>
       </p:sp>
-      <p:pic>
-        <p:nvPicPr>
-          <p:cNvPr id="2" name="Picture 1">
-            <a:extLst>
-              <a:ext uri="{FF2B5EF4-FFF2-40B4-BE49-F238E27FC236}">
-                <a16:creationId xmlns:a16="http://schemas.microsoft.com/office/drawing/2014/main" id="{D89E6012-84EB-FE69-715D-A362EB7C0045}"/>
-              </a:ext>
-            </a:extLst>
-          </p:cNvPr>
-          <p:cNvPicPr>
-            <a:picLocks noChangeAspect="1"/>
-          </p:cNvPicPr>
-          <p:nvPr/>
-        </p:nvPicPr>
-        <p:blipFill>
-          <a:blip r:embed="rId2"/>
-          <a:stretch>
-            <a:fillRect/>
-          </a:stretch>
-        </p:blipFill>
-        <p:spPr>
-          <a:xfrm>
-            <a:off x="948558" y="1965434"/>
-            <a:ext cx="10743381" cy="2704692"/>
-          </a:xfrm>
-          <a:prstGeom prst="rect">
-            <a:avLst/>
-          </a:prstGeom>
-        </p:spPr>
-      </p:pic>
-      <p:sp>
-        <p:nvSpPr>
-          <p:cNvPr id="3" name="TextBox 2">
-            <a:extLst>
-              <a:ext uri="{FF2B5EF4-FFF2-40B4-BE49-F238E27FC236}">
-                <a16:creationId xmlns:a16="http://schemas.microsoft.com/office/drawing/2014/main" id="{2063DB09-F118-F601-A9B2-53BB088FEDAA}"/>
+      <p:sp>
+        <p:nvSpPr>
+          <p:cNvPr id="6" name="TextBox 5">
+            <a:extLst>
+              <a:ext uri="{FF2B5EF4-FFF2-40B4-BE49-F238E27FC236}">
+                <a16:creationId xmlns:a16="http://schemas.microsoft.com/office/drawing/2014/main" id="{BEE1CA40-BC2A-90C7-4345-3B6C78BE298E}"/>
               </a:ext>
             </a:extLst>
           </p:cNvPr>
@@ -4292,8 +4020,8 @@
         </p:nvSpPr>
         <p:spPr>
           <a:xfrm>
-            <a:off x="201009" y="4876753"/>
-            <a:ext cx="3209533" cy="246221"/>
+            <a:off x="189102" y="4225522"/>
+            <a:ext cx="4027064" cy="246221"/>
           </a:xfrm>
           <a:prstGeom prst="rect">
             <a:avLst/>
@@ -4315,7 +4043,7 @@
                 </a:solidFill>
                 <a:latin typeface="Avenir Book" panose="02000503020000020003" pitchFamily="2" charset="0"/>
               </a:rPr>
-              <a:t>figures-3 : 4-bit local quantum Fourier transformation</a:t>
+              <a:t>figures-3 : two-qubit-gate-global-to-local-mapping-same-processor</a:t>
             </a:r>
             <a:endParaRPr lang="en-US" sz="800" dirty="0">
               <a:solidFill>
@@ -4331,7 +4059,7 @@
     </p:spTree>
     <p:extLst>
       <p:ext uri="{BB962C8B-B14F-4D97-AF65-F5344CB8AC3E}">
-        <p14:creationId xmlns:p14="http://schemas.microsoft.com/office/powerpoint/2010/main" val="2275931222"/>
+        <p14:creationId xmlns:p14="http://schemas.microsoft.com/office/powerpoint/2010/main" val="498662980"/>
       </p:ext>
     </p:extLst>
   </p:cSld>
@@ -4363,7 +4091,7 @@
           <p:cNvPr id="2" name="Picture 1">
             <a:extLst>
               <a:ext uri="{FF2B5EF4-FFF2-40B4-BE49-F238E27FC236}">
-                <a16:creationId xmlns:a16="http://schemas.microsoft.com/office/drawing/2014/main" id="{49C3CE69-8119-3BB7-DA97-9615E5420FA0}"/>
+                <a16:creationId xmlns:a16="http://schemas.microsoft.com/office/drawing/2014/main" id="{04528B67-5DEC-A5F2-1649-7CA6599B2895}"/>
               </a:ext>
             </a:extLst>
           </p:cNvPr>
@@ -4380,8 +4108,8 @@
         </p:blipFill>
         <p:spPr>
           <a:xfrm>
-            <a:off x="1134544" y="2140521"/>
-            <a:ext cx="10070486" cy="2576958"/>
+            <a:off x="3435340" y="628650"/>
+            <a:ext cx="3302000" cy="5600700"/>
           </a:xfrm>
           <a:prstGeom prst="rect">
             <a:avLst/>
@@ -4390,10 +4118,10 @@
       </p:pic>
       <p:sp>
         <p:nvSpPr>
-          <p:cNvPr id="3" name="Rectangle 2">
-            <a:extLst>
-              <a:ext uri="{FF2B5EF4-FFF2-40B4-BE49-F238E27FC236}">
-                <a16:creationId xmlns:a16="http://schemas.microsoft.com/office/drawing/2014/main" id="{8EC5EBF3-0EC5-F92B-C108-DA02173BFBE6}"/>
+          <p:cNvPr id="4" name="Rectangle 3">
+            <a:extLst>
+              <a:ext uri="{FF2B5EF4-FFF2-40B4-BE49-F238E27FC236}">
+                <a16:creationId xmlns:a16="http://schemas.microsoft.com/office/drawing/2014/main" id="{D3821130-6BA8-ADF6-A295-F9CC7A32446A}"/>
               </a:ext>
             </a:extLst>
           </p:cNvPr>
@@ -4402,8 +4130,380 @@
         </p:nvSpPr>
         <p:spPr>
           <a:xfrm>
-            <a:off x="171450" y="1660634"/>
-            <a:ext cx="11872913" cy="3493870"/>
+            <a:off x="3600441" y="671514"/>
+            <a:ext cx="3057526" cy="2100263"/>
+          </a:xfrm>
+          <a:prstGeom prst="rect">
+            <a:avLst/>
+          </a:prstGeom>
+          <a:noFill/>
+          <a:ln>
+            <a:solidFill>
+              <a:srgbClr val="FF0000"/>
+            </a:solidFill>
+          </a:ln>
+        </p:spPr>
+        <p:style>
+          <a:lnRef idx="2">
+            <a:schemeClr val="accent1">
+              <a:shade val="50000"/>
+            </a:schemeClr>
+          </a:lnRef>
+          <a:fillRef idx="1">
+            <a:schemeClr val="accent1"/>
+          </a:fillRef>
+          <a:effectRef idx="0">
+            <a:schemeClr val="accent1"/>
+          </a:effectRef>
+          <a:fontRef idx="minor">
+            <a:schemeClr val="lt1"/>
+          </a:fontRef>
+        </p:style>
+        <p:txBody>
+          <a:bodyPr rtlCol="0" anchor="ctr"/>
+          <a:lstStyle/>
+          <a:p>
+            <a:pPr algn="ctr"/>
+            <a:endParaRPr lang="en-US"/>
+          </a:p>
+        </p:txBody>
+      </p:sp>
+      <p:sp>
+        <p:nvSpPr>
+          <p:cNvPr id="5" name="Rectangle 4">
+            <a:extLst>
+              <a:ext uri="{FF2B5EF4-FFF2-40B4-BE49-F238E27FC236}">
+                <a16:creationId xmlns:a16="http://schemas.microsoft.com/office/drawing/2014/main" id="{CCFE9FF9-AB6D-5320-37BD-C4EC9CDFA29E}"/>
+              </a:ext>
+            </a:extLst>
+          </p:cNvPr>
+          <p:cNvSpPr/>
+          <p:nvPr/>
+        </p:nvSpPr>
+        <p:spPr>
+          <a:xfrm>
+            <a:off x="3600441" y="2863065"/>
+            <a:ext cx="3057526" cy="2100263"/>
+          </a:xfrm>
+          <a:prstGeom prst="rect">
+            <a:avLst/>
+          </a:prstGeom>
+          <a:noFill/>
+          <a:ln>
+            <a:solidFill>
+              <a:schemeClr val="accent6">
+                <a:lumMod val="75000"/>
+              </a:schemeClr>
+            </a:solidFill>
+          </a:ln>
+        </p:spPr>
+        <p:style>
+          <a:lnRef idx="2">
+            <a:schemeClr val="accent1">
+              <a:shade val="50000"/>
+            </a:schemeClr>
+          </a:lnRef>
+          <a:fillRef idx="1">
+            <a:schemeClr val="accent1"/>
+          </a:fillRef>
+          <a:effectRef idx="0">
+            <a:schemeClr val="accent1"/>
+          </a:effectRef>
+          <a:fontRef idx="minor">
+            <a:schemeClr val="lt1"/>
+          </a:fontRef>
+        </p:style>
+        <p:txBody>
+          <a:bodyPr rtlCol="0" anchor="ctr"/>
+          <a:lstStyle/>
+          <a:p>
+            <a:pPr algn="ctr"/>
+            <a:endParaRPr lang="en-US"/>
+          </a:p>
+        </p:txBody>
+      </p:sp>
+      <p:sp>
+        <p:nvSpPr>
+          <p:cNvPr id="6" name="Rectangle 5">
+            <a:extLst>
+              <a:ext uri="{FF2B5EF4-FFF2-40B4-BE49-F238E27FC236}">
+                <a16:creationId xmlns:a16="http://schemas.microsoft.com/office/drawing/2014/main" id="{C0C02DF9-85C6-870D-2EDA-29E2DD95F495}"/>
+              </a:ext>
+            </a:extLst>
+          </p:cNvPr>
+          <p:cNvSpPr/>
+          <p:nvPr/>
+        </p:nvSpPr>
+        <p:spPr>
+          <a:xfrm>
+            <a:off x="3600441" y="5054616"/>
+            <a:ext cx="3057526" cy="457192"/>
+          </a:xfrm>
+          <a:prstGeom prst="rect">
+            <a:avLst/>
+          </a:prstGeom>
+          <a:noFill/>
+          <a:ln>
+            <a:solidFill>
+              <a:srgbClr val="FF0000"/>
+            </a:solidFill>
+          </a:ln>
+        </p:spPr>
+        <p:style>
+          <a:lnRef idx="2">
+            <a:schemeClr val="accent1">
+              <a:shade val="50000"/>
+            </a:schemeClr>
+          </a:lnRef>
+          <a:fillRef idx="1">
+            <a:schemeClr val="accent1"/>
+          </a:fillRef>
+          <a:effectRef idx="0">
+            <a:schemeClr val="accent1"/>
+          </a:effectRef>
+          <a:fontRef idx="minor">
+            <a:schemeClr val="lt1"/>
+          </a:fontRef>
+        </p:style>
+        <p:txBody>
+          <a:bodyPr rtlCol="0" anchor="ctr"/>
+          <a:lstStyle/>
+          <a:p>
+            <a:pPr algn="ctr"/>
+            <a:endParaRPr lang="en-US"/>
+          </a:p>
+        </p:txBody>
+      </p:sp>
+      <p:sp>
+        <p:nvSpPr>
+          <p:cNvPr id="7" name="Rectangle 6">
+            <a:extLst>
+              <a:ext uri="{FF2B5EF4-FFF2-40B4-BE49-F238E27FC236}">
+                <a16:creationId xmlns:a16="http://schemas.microsoft.com/office/drawing/2014/main" id="{0980D113-7E8F-2BC0-867C-1CAA6AD1C35B}"/>
+              </a:ext>
+            </a:extLst>
+          </p:cNvPr>
+          <p:cNvSpPr/>
+          <p:nvPr/>
+        </p:nvSpPr>
+        <p:spPr>
+          <a:xfrm>
+            <a:off x="3600441" y="5603095"/>
+            <a:ext cx="3057526" cy="457192"/>
+          </a:xfrm>
+          <a:prstGeom prst="rect">
+            <a:avLst/>
+          </a:prstGeom>
+          <a:noFill/>
+          <a:ln>
+            <a:solidFill>
+              <a:schemeClr val="accent6">
+                <a:lumMod val="75000"/>
+              </a:schemeClr>
+            </a:solidFill>
+          </a:ln>
+        </p:spPr>
+        <p:style>
+          <a:lnRef idx="2">
+            <a:schemeClr val="accent1">
+              <a:shade val="50000"/>
+            </a:schemeClr>
+          </a:lnRef>
+          <a:fillRef idx="1">
+            <a:schemeClr val="accent1"/>
+          </a:fillRef>
+          <a:effectRef idx="0">
+            <a:schemeClr val="accent1"/>
+          </a:effectRef>
+          <a:fontRef idx="minor">
+            <a:schemeClr val="lt1"/>
+          </a:fontRef>
+        </p:style>
+        <p:txBody>
+          <a:bodyPr rtlCol="0" anchor="ctr"/>
+          <a:lstStyle/>
+          <a:p>
+            <a:pPr algn="ctr"/>
+            <a:endParaRPr lang="en-US"/>
+          </a:p>
+        </p:txBody>
+      </p:sp>
+      <p:sp>
+        <p:nvSpPr>
+          <p:cNvPr id="8" name="TextBox 7">
+            <a:extLst>
+              <a:ext uri="{FF2B5EF4-FFF2-40B4-BE49-F238E27FC236}">
+                <a16:creationId xmlns:a16="http://schemas.microsoft.com/office/drawing/2014/main" id="{963AD41F-43C9-2E27-AE48-2BFB88732422}"/>
+              </a:ext>
+            </a:extLst>
+          </p:cNvPr>
+          <p:cNvSpPr txBox="1"/>
+          <p:nvPr/>
+        </p:nvSpPr>
+        <p:spPr>
+          <a:xfrm>
+            <a:off x="6743695" y="1536979"/>
+            <a:ext cx="2652777" cy="338554"/>
+          </a:xfrm>
+          <a:prstGeom prst="rect">
+            <a:avLst/>
+          </a:prstGeom>
+          <a:noFill/>
+        </p:spPr>
+        <p:txBody>
+          <a:bodyPr wrap="none" rtlCol="0">
+            <a:spAutoFit/>
+          </a:bodyPr>
+          <a:lstStyle/>
+          <a:p>
+            <a:r>
+              <a:rPr lang="en-US" sz="1600" dirty="0">
+                <a:latin typeface="Avenir Book" panose="02000503020000020003" pitchFamily="2" charset="0"/>
+              </a:rPr>
+              <a:t>Processor #0 (Alice) qubits </a:t>
+            </a:r>
+            <a:endParaRPr lang="en-US" sz="1200" dirty="0">
+              <a:latin typeface="Avenir Book" panose="02000503020000020003" pitchFamily="2" charset="0"/>
+            </a:endParaRPr>
+          </a:p>
+        </p:txBody>
+      </p:sp>
+      <p:sp>
+        <p:nvSpPr>
+          <p:cNvPr id="9" name="TextBox 8">
+            <a:extLst>
+              <a:ext uri="{FF2B5EF4-FFF2-40B4-BE49-F238E27FC236}">
+                <a16:creationId xmlns:a16="http://schemas.microsoft.com/office/drawing/2014/main" id="{C084BCA4-0FDA-563B-5A85-3841B147B63C}"/>
+              </a:ext>
+            </a:extLst>
+          </p:cNvPr>
+          <p:cNvSpPr txBox="1"/>
+          <p:nvPr/>
+        </p:nvSpPr>
+        <p:spPr>
+          <a:xfrm>
+            <a:off x="6743695" y="3753713"/>
+            <a:ext cx="2575833" cy="338554"/>
+          </a:xfrm>
+          <a:prstGeom prst="rect">
+            <a:avLst/>
+          </a:prstGeom>
+          <a:noFill/>
+        </p:spPr>
+        <p:txBody>
+          <a:bodyPr wrap="none" rtlCol="0">
+            <a:spAutoFit/>
+          </a:bodyPr>
+          <a:lstStyle/>
+          <a:p>
+            <a:r>
+              <a:rPr lang="en-US" sz="1600" dirty="0">
+                <a:latin typeface="Avenir Book" panose="02000503020000020003" pitchFamily="2" charset="0"/>
+              </a:rPr>
+              <a:t>Processor #1 (Bob) qubits </a:t>
+            </a:r>
+            <a:endParaRPr lang="en-US" sz="1200" dirty="0">
+              <a:latin typeface="Avenir Book" panose="02000503020000020003" pitchFamily="2" charset="0"/>
+            </a:endParaRPr>
+          </a:p>
+        </p:txBody>
+      </p:sp>
+      <p:sp>
+        <p:nvSpPr>
+          <p:cNvPr id="10" name="TextBox 9">
+            <a:extLst>
+              <a:ext uri="{FF2B5EF4-FFF2-40B4-BE49-F238E27FC236}">
+                <a16:creationId xmlns:a16="http://schemas.microsoft.com/office/drawing/2014/main" id="{50DE8F06-CC14-1EF9-ED02-995A467A159D}"/>
+              </a:ext>
+            </a:extLst>
+          </p:cNvPr>
+          <p:cNvSpPr txBox="1"/>
+          <p:nvPr/>
+        </p:nvSpPr>
+        <p:spPr>
+          <a:xfrm>
+            <a:off x="6743695" y="5113935"/>
+            <a:ext cx="3207417" cy="338554"/>
+          </a:xfrm>
+          <a:prstGeom prst="rect">
+            <a:avLst/>
+          </a:prstGeom>
+          <a:noFill/>
+        </p:spPr>
+        <p:txBody>
+          <a:bodyPr wrap="none" rtlCol="0">
+            <a:spAutoFit/>
+          </a:bodyPr>
+          <a:lstStyle/>
+          <a:p>
+            <a:r>
+              <a:rPr lang="en-US" sz="1600" dirty="0">
+                <a:latin typeface="Avenir Book" panose="02000503020000020003" pitchFamily="2" charset="0"/>
+              </a:rPr>
+              <a:t>Processor #0 (Alice) classical bits </a:t>
+            </a:r>
+            <a:endParaRPr lang="en-US" sz="1200" dirty="0">
+              <a:latin typeface="Avenir Book" panose="02000503020000020003" pitchFamily="2" charset="0"/>
+            </a:endParaRPr>
+          </a:p>
+        </p:txBody>
+      </p:sp>
+      <p:sp>
+        <p:nvSpPr>
+          <p:cNvPr id="11" name="TextBox 10">
+            <a:extLst>
+              <a:ext uri="{FF2B5EF4-FFF2-40B4-BE49-F238E27FC236}">
+                <a16:creationId xmlns:a16="http://schemas.microsoft.com/office/drawing/2014/main" id="{812581EE-AB14-0248-4D34-11895869B2B6}"/>
+              </a:ext>
+            </a:extLst>
+          </p:cNvPr>
+          <p:cNvSpPr txBox="1"/>
+          <p:nvPr/>
+        </p:nvSpPr>
+        <p:spPr>
+          <a:xfrm>
+            <a:off x="6743695" y="5662414"/>
+            <a:ext cx="3130472" cy="338554"/>
+          </a:xfrm>
+          <a:prstGeom prst="rect">
+            <a:avLst/>
+          </a:prstGeom>
+          <a:noFill/>
+        </p:spPr>
+        <p:txBody>
+          <a:bodyPr wrap="none" rtlCol="0">
+            <a:spAutoFit/>
+          </a:bodyPr>
+          <a:lstStyle/>
+          <a:p>
+            <a:r>
+              <a:rPr lang="en-US" sz="1600" dirty="0">
+                <a:latin typeface="Avenir Book" panose="02000503020000020003" pitchFamily="2" charset="0"/>
+              </a:rPr>
+              <a:t>Processor #1 (Bob) classical bits </a:t>
+            </a:r>
+            <a:endParaRPr lang="en-US" sz="1200" dirty="0">
+              <a:latin typeface="Avenir Book" panose="02000503020000020003" pitchFamily="2" charset="0"/>
+            </a:endParaRPr>
+          </a:p>
+        </p:txBody>
+      </p:sp>
+      <p:sp>
+        <p:nvSpPr>
+          <p:cNvPr id="12" name="Rectangle 11">
+            <a:extLst>
+              <a:ext uri="{FF2B5EF4-FFF2-40B4-BE49-F238E27FC236}">
+                <a16:creationId xmlns:a16="http://schemas.microsoft.com/office/drawing/2014/main" id="{53A239F0-9EF5-41F4-B7C9-9C3B5BB509D1}"/>
+              </a:ext>
+            </a:extLst>
+          </p:cNvPr>
+          <p:cNvSpPr/>
+          <p:nvPr/>
+        </p:nvSpPr>
+        <p:spPr>
+          <a:xfrm>
+            <a:off x="171450" y="471488"/>
+            <a:ext cx="11872913" cy="5872162"/>
           </a:xfrm>
           <a:prstGeom prst="rect">
             <a:avLst/>
@@ -4444,10 +4544,10 @@
       </p:sp>
       <p:sp>
         <p:nvSpPr>
-          <p:cNvPr id="4" name="TextBox 3">
-            <a:extLst>
-              <a:ext uri="{FF2B5EF4-FFF2-40B4-BE49-F238E27FC236}">
-                <a16:creationId xmlns:a16="http://schemas.microsoft.com/office/drawing/2014/main" id="{D1E2D570-0021-0772-9537-D4427AC2480F}"/>
+          <p:cNvPr id="3" name="TextBox 2">
+            <a:extLst>
+              <a:ext uri="{FF2B5EF4-FFF2-40B4-BE49-F238E27FC236}">
+                <a16:creationId xmlns:a16="http://schemas.microsoft.com/office/drawing/2014/main" id="{50CCBAC3-4221-2C0F-AC91-730249674437}"/>
               </a:ext>
             </a:extLst>
           </p:cNvPr>
@@ -4456,8 +4556,8 @@
         </p:nvSpPr>
         <p:spPr>
           <a:xfrm>
-            <a:off x="201009" y="4876753"/>
-            <a:ext cx="3316934" cy="246221"/>
+            <a:off x="201009" y="6075484"/>
+            <a:ext cx="2417650" cy="246221"/>
           </a:xfrm>
           <a:prstGeom prst="rect">
             <a:avLst/>
@@ -4479,7 +4579,7 @@
                 </a:solidFill>
                 <a:latin typeface="Avenir Book" panose="02000503020000020003" pitchFamily="2" charset="0"/>
               </a:rPr>
-              <a:t>figures-4 : Bloch multi-vector for 4-bit QFT with input 3</a:t>
+              <a:t>figures-4 : quantum processor registers</a:t>
             </a:r>
             <a:endParaRPr lang="en-US" sz="800" dirty="0">
               <a:solidFill>
@@ -4495,7 +4595,7 @@
     </p:spTree>
     <p:extLst>
       <p:ext uri="{BB962C8B-B14F-4D97-AF65-F5344CB8AC3E}">
-        <p14:creationId xmlns:p14="http://schemas.microsoft.com/office/powerpoint/2010/main" val="3874470473"/>
+        <p14:creationId xmlns:p14="http://schemas.microsoft.com/office/powerpoint/2010/main" val="3810293133"/>
       </p:ext>
     </p:extLst>
   </p:cSld>
@@ -4522,42 +4622,12 @@
           <a:chExt cx="0" cy="0"/>
         </a:xfrm>
       </p:grpSpPr>
-      <p:pic>
-        <p:nvPicPr>
-          <p:cNvPr id="2" name="Picture 1">
-            <a:extLst>
-              <a:ext uri="{FF2B5EF4-FFF2-40B4-BE49-F238E27FC236}">
-                <a16:creationId xmlns:a16="http://schemas.microsoft.com/office/drawing/2014/main" id="{1460B762-9644-4936-210D-81AD5A52D13D}"/>
-              </a:ext>
-            </a:extLst>
-          </p:cNvPr>
-          <p:cNvPicPr>
-            <a:picLocks noChangeAspect="1"/>
-          </p:cNvPicPr>
-          <p:nvPr/>
-        </p:nvPicPr>
-        <p:blipFill>
-          <a:blip r:embed="rId2"/>
-          <a:stretch>
-            <a:fillRect/>
-          </a:stretch>
-        </p:blipFill>
-        <p:spPr>
-          <a:xfrm>
-            <a:off x="1663262" y="1460937"/>
-            <a:ext cx="9343728" cy="3603411"/>
-          </a:xfrm>
-          <a:prstGeom prst="rect">
-            <a:avLst/>
-          </a:prstGeom>
-        </p:spPr>
-      </p:pic>
-      <p:sp>
-        <p:nvSpPr>
-          <p:cNvPr id="3" name="Rectangle 2">
-            <a:extLst>
-              <a:ext uri="{FF2B5EF4-FFF2-40B4-BE49-F238E27FC236}">
-                <a16:creationId xmlns:a16="http://schemas.microsoft.com/office/drawing/2014/main" id="{421FE0EC-03B0-0015-3D11-701461754577}"/>
+      <p:sp>
+        <p:nvSpPr>
+          <p:cNvPr id="12" name="Rectangle 11">
+            <a:extLst>
+              <a:ext uri="{FF2B5EF4-FFF2-40B4-BE49-F238E27FC236}">
+                <a16:creationId xmlns:a16="http://schemas.microsoft.com/office/drawing/2014/main" id="{53A239F0-9EF5-41F4-B7C9-9C3B5BB509D1}"/>
               </a:ext>
             </a:extLst>
           </p:cNvPr>
@@ -4606,12 +4676,42 @@
           </a:p>
         </p:txBody>
       </p:sp>
-      <p:sp>
-        <p:nvSpPr>
-          <p:cNvPr id="4" name="TextBox 3">
-            <a:extLst>
-              <a:ext uri="{FF2B5EF4-FFF2-40B4-BE49-F238E27FC236}">
-                <a16:creationId xmlns:a16="http://schemas.microsoft.com/office/drawing/2014/main" id="{EED4190C-48A5-0B8A-E7FE-5459AA1721BB}"/>
+      <p:pic>
+        <p:nvPicPr>
+          <p:cNvPr id="2" name="Picture 1">
+            <a:extLst>
+              <a:ext uri="{FF2B5EF4-FFF2-40B4-BE49-F238E27FC236}">
+                <a16:creationId xmlns:a16="http://schemas.microsoft.com/office/drawing/2014/main" id="{D89E6012-84EB-FE69-715D-A362EB7C0045}"/>
+              </a:ext>
+            </a:extLst>
+          </p:cNvPr>
+          <p:cNvPicPr>
+            <a:picLocks noChangeAspect="1"/>
+          </p:cNvPicPr>
+          <p:nvPr/>
+        </p:nvPicPr>
+        <p:blipFill>
+          <a:blip r:embed="rId2"/>
+          <a:stretch>
+            <a:fillRect/>
+          </a:stretch>
+        </p:blipFill>
+        <p:spPr>
+          <a:xfrm>
+            <a:off x="948558" y="1965434"/>
+            <a:ext cx="10743381" cy="2704692"/>
+          </a:xfrm>
+          <a:prstGeom prst="rect">
+            <a:avLst/>
+          </a:prstGeom>
+        </p:spPr>
+      </p:pic>
+      <p:sp>
+        <p:nvSpPr>
+          <p:cNvPr id="3" name="TextBox 2">
+            <a:extLst>
+              <a:ext uri="{FF2B5EF4-FFF2-40B4-BE49-F238E27FC236}">
+                <a16:creationId xmlns:a16="http://schemas.microsoft.com/office/drawing/2014/main" id="{2063DB09-F118-F601-A9B2-53BB088FEDAA}"/>
               </a:ext>
             </a:extLst>
           </p:cNvPr>
@@ -4621,7 +4721,7 @@
         <p:spPr>
           <a:xfrm>
             <a:off x="201009" y="4876753"/>
-            <a:ext cx="3592650" cy="246221"/>
+            <a:ext cx="3209533" cy="246221"/>
           </a:xfrm>
           <a:prstGeom prst="rect">
             <a:avLst/>
@@ -4643,7 +4743,346 @@
                 </a:solidFill>
                 <a:latin typeface="Avenir Book" panose="02000503020000020003" pitchFamily="2" charset="0"/>
               </a:rPr>
-              <a:t>figures-5 : Density matrix city plot for 4-bit QFT with input 3</a:t>
+              <a:t>figures-5 : 4-bit local quantum Fourier transformation</a:t>
+            </a:r>
+            <a:endParaRPr lang="en-US" sz="800" dirty="0">
+              <a:solidFill>
+                <a:schemeClr val="bg1">
+                  <a:lumMod val="75000"/>
+                </a:schemeClr>
+              </a:solidFill>
+              <a:latin typeface="Avenir Book" panose="02000503020000020003" pitchFamily="2" charset="0"/>
+            </a:endParaRPr>
+          </a:p>
+        </p:txBody>
+      </p:sp>
+    </p:spTree>
+    <p:extLst>
+      <p:ext uri="{BB962C8B-B14F-4D97-AF65-F5344CB8AC3E}">
+        <p14:creationId xmlns:p14="http://schemas.microsoft.com/office/powerpoint/2010/main" val="2275931222"/>
+      </p:ext>
+    </p:extLst>
+  </p:cSld>
+  <p:clrMapOvr>
+    <a:masterClrMapping/>
+  </p:clrMapOvr>
+</p:sld>
+</file>
+
+<file path=ppt/slides/slide7.xml><?xml version="1.0" encoding="utf-8"?>
+<p:sld xmlns:a="http://schemas.openxmlformats.org/drawingml/2006/main" xmlns:r="http://schemas.openxmlformats.org/officeDocument/2006/relationships" xmlns:p="http://schemas.openxmlformats.org/presentationml/2006/main">
+  <p:cSld>
+    <p:spTree>
+      <p:nvGrpSpPr>
+        <p:cNvPr id="1" name=""/>
+        <p:cNvGrpSpPr/>
+        <p:nvPr/>
+      </p:nvGrpSpPr>
+      <p:grpSpPr>
+        <a:xfrm>
+          <a:off x="0" y="0"/>
+          <a:ext cx="0" cy="0"/>
+          <a:chOff x="0" y="0"/>
+          <a:chExt cx="0" cy="0"/>
+        </a:xfrm>
+      </p:grpSpPr>
+      <p:pic>
+        <p:nvPicPr>
+          <p:cNvPr id="2" name="Picture 1">
+            <a:extLst>
+              <a:ext uri="{FF2B5EF4-FFF2-40B4-BE49-F238E27FC236}">
+                <a16:creationId xmlns:a16="http://schemas.microsoft.com/office/drawing/2014/main" id="{49C3CE69-8119-3BB7-DA97-9615E5420FA0}"/>
+              </a:ext>
+            </a:extLst>
+          </p:cNvPr>
+          <p:cNvPicPr>
+            <a:picLocks noChangeAspect="1"/>
+          </p:cNvPicPr>
+          <p:nvPr/>
+        </p:nvPicPr>
+        <p:blipFill>
+          <a:blip r:embed="rId2"/>
+          <a:stretch>
+            <a:fillRect/>
+          </a:stretch>
+        </p:blipFill>
+        <p:spPr>
+          <a:xfrm>
+            <a:off x="1134544" y="2140521"/>
+            <a:ext cx="10070486" cy="2576958"/>
+          </a:xfrm>
+          <a:prstGeom prst="rect">
+            <a:avLst/>
+          </a:prstGeom>
+        </p:spPr>
+      </p:pic>
+      <p:sp>
+        <p:nvSpPr>
+          <p:cNvPr id="3" name="Rectangle 2">
+            <a:extLst>
+              <a:ext uri="{FF2B5EF4-FFF2-40B4-BE49-F238E27FC236}">
+                <a16:creationId xmlns:a16="http://schemas.microsoft.com/office/drawing/2014/main" id="{8EC5EBF3-0EC5-F92B-C108-DA02173BFBE6}"/>
+              </a:ext>
+            </a:extLst>
+          </p:cNvPr>
+          <p:cNvSpPr/>
+          <p:nvPr/>
+        </p:nvSpPr>
+        <p:spPr>
+          <a:xfrm>
+            <a:off x="171450" y="1660634"/>
+            <a:ext cx="11872913" cy="3493870"/>
+          </a:xfrm>
+          <a:prstGeom prst="rect">
+            <a:avLst/>
+          </a:prstGeom>
+          <a:noFill/>
+          <a:ln>
+            <a:solidFill>
+              <a:schemeClr val="bg1">
+                <a:lumMod val="85000"/>
+              </a:schemeClr>
+            </a:solidFill>
+          </a:ln>
+        </p:spPr>
+        <p:style>
+          <a:lnRef idx="2">
+            <a:schemeClr val="accent1">
+              <a:shade val="50000"/>
+            </a:schemeClr>
+          </a:lnRef>
+          <a:fillRef idx="1">
+            <a:schemeClr val="accent1"/>
+          </a:fillRef>
+          <a:effectRef idx="0">
+            <a:schemeClr val="accent1"/>
+          </a:effectRef>
+          <a:fontRef idx="minor">
+            <a:schemeClr val="lt1"/>
+          </a:fontRef>
+        </p:style>
+        <p:txBody>
+          <a:bodyPr rtlCol="0" anchor="ctr"/>
+          <a:lstStyle/>
+          <a:p>
+            <a:pPr algn="ctr"/>
+            <a:endParaRPr lang="en-US"/>
+          </a:p>
+        </p:txBody>
+      </p:sp>
+      <p:sp>
+        <p:nvSpPr>
+          <p:cNvPr id="4" name="TextBox 3">
+            <a:extLst>
+              <a:ext uri="{FF2B5EF4-FFF2-40B4-BE49-F238E27FC236}">
+                <a16:creationId xmlns:a16="http://schemas.microsoft.com/office/drawing/2014/main" id="{D1E2D570-0021-0772-9537-D4427AC2480F}"/>
+              </a:ext>
+            </a:extLst>
+          </p:cNvPr>
+          <p:cNvSpPr txBox="1"/>
+          <p:nvPr/>
+        </p:nvSpPr>
+        <p:spPr>
+          <a:xfrm>
+            <a:off x="201009" y="4876753"/>
+            <a:ext cx="3316934" cy="246221"/>
+          </a:xfrm>
+          <a:prstGeom prst="rect">
+            <a:avLst/>
+          </a:prstGeom>
+          <a:noFill/>
+        </p:spPr>
+        <p:txBody>
+          <a:bodyPr wrap="none" rtlCol="0">
+            <a:spAutoFit/>
+          </a:bodyPr>
+          <a:lstStyle/>
+          <a:p>
+            <a:r>
+              <a:rPr lang="en-US" sz="1000" dirty="0">
+                <a:solidFill>
+                  <a:schemeClr val="bg1">
+                    <a:lumMod val="75000"/>
+                  </a:schemeClr>
+                </a:solidFill>
+                <a:latin typeface="Avenir Book" panose="02000503020000020003" pitchFamily="2" charset="0"/>
+              </a:rPr>
+              <a:t>figures-6 : Bloch multi-vector for 4-bit QFT with input 3</a:t>
+            </a:r>
+            <a:endParaRPr lang="en-US" sz="800" dirty="0">
+              <a:solidFill>
+                <a:schemeClr val="bg1">
+                  <a:lumMod val="75000"/>
+                </a:schemeClr>
+              </a:solidFill>
+              <a:latin typeface="Avenir Book" panose="02000503020000020003" pitchFamily="2" charset="0"/>
+            </a:endParaRPr>
+          </a:p>
+        </p:txBody>
+      </p:sp>
+    </p:spTree>
+    <p:extLst>
+      <p:ext uri="{BB962C8B-B14F-4D97-AF65-F5344CB8AC3E}">
+        <p14:creationId xmlns:p14="http://schemas.microsoft.com/office/powerpoint/2010/main" val="3874470473"/>
+      </p:ext>
+    </p:extLst>
+  </p:cSld>
+  <p:clrMapOvr>
+    <a:masterClrMapping/>
+  </p:clrMapOvr>
+</p:sld>
+</file>
+
+<file path=ppt/slides/slide8.xml><?xml version="1.0" encoding="utf-8"?>
+<p:sld xmlns:a="http://schemas.openxmlformats.org/drawingml/2006/main" xmlns:r="http://schemas.openxmlformats.org/officeDocument/2006/relationships" xmlns:p="http://schemas.openxmlformats.org/presentationml/2006/main">
+  <p:cSld>
+    <p:spTree>
+      <p:nvGrpSpPr>
+        <p:cNvPr id="1" name=""/>
+        <p:cNvGrpSpPr/>
+        <p:nvPr/>
+      </p:nvGrpSpPr>
+      <p:grpSpPr>
+        <a:xfrm>
+          <a:off x="0" y="0"/>
+          <a:ext cx="0" cy="0"/>
+          <a:chOff x="0" y="0"/>
+          <a:chExt cx="0" cy="0"/>
+        </a:xfrm>
+      </p:grpSpPr>
+      <p:pic>
+        <p:nvPicPr>
+          <p:cNvPr id="2" name="Picture 1">
+            <a:extLst>
+              <a:ext uri="{FF2B5EF4-FFF2-40B4-BE49-F238E27FC236}">
+                <a16:creationId xmlns:a16="http://schemas.microsoft.com/office/drawing/2014/main" id="{1460B762-9644-4936-210D-81AD5A52D13D}"/>
+              </a:ext>
+            </a:extLst>
+          </p:cNvPr>
+          <p:cNvPicPr>
+            <a:picLocks noChangeAspect="1"/>
+          </p:cNvPicPr>
+          <p:nvPr/>
+        </p:nvPicPr>
+        <p:blipFill>
+          <a:blip r:embed="rId2"/>
+          <a:stretch>
+            <a:fillRect/>
+          </a:stretch>
+        </p:blipFill>
+        <p:spPr>
+          <a:xfrm>
+            <a:off x="1663262" y="1460937"/>
+            <a:ext cx="9343728" cy="3603411"/>
+          </a:xfrm>
+          <a:prstGeom prst="rect">
+            <a:avLst/>
+          </a:prstGeom>
+        </p:spPr>
+      </p:pic>
+      <p:sp>
+        <p:nvSpPr>
+          <p:cNvPr id="3" name="Rectangle 2">
+            <a:extLst>
+              <a:ext uri="{FF2B5EF4-FFF2-40B4-BE49-F238E27FC236}">
+                <a16:creationId xmlns:a16="http://schemas.microsoft.com/office/drawing/2014/main" id="{421FE0EC-03B0-0015-3D11-701461754577}"/>
+              </a:ext>
+            </a:extLst>
+          </p:cNvPr>
+          <p:cNvSpPr/>
+          <p:nvPr/>
+        </p:nvSpPr>
+        <p:spPr>
+          <a:xfrm>
+            <a:off x="171450" y="1660634"/>
+            <a:ext cx="11872913" cy="3493870"/>
+          </a:xfrm>
+          <a:prstGeom prst="rect">
+            <a:avLst/>
+          </a:prstGeom>
+          <a:noFill/>
+          <a:ln>
+            <a:solidFill>
+              <a:schemeClr val="bg1">
+                <a:lumMod val="85000"/>
+              </a:schemeClr>
+            </a:solidFill>
+          </a:ln>
+        </p:spPr>
+        <p:style>
+          <a:lnRef idx="2">
+            <a:schemeClr val="accent1">
+              <a:shade val="50000"/>
+            </a:schemeClr>
+          </a:lnRef>
+          <a:fillRef idx="1">
+            <a:schemeClr val="accent1"/>
+          </a:fillRef>
+          <a:effectRef idx="0">
+            <a:schemeClr val="accent1"/>
+          </a:effectRef>
+          <a:fontRef idx="minor">
+            <a:schemeClr val="lt1"/>
+          </a:fontRef>
+        </p:style>
+        <p:txBody>
+          <a:bodyPr rtlCol="0" anchor="ctr"/>
+          <a:lstStyle/>
+          <a:p>
+            <a:pPr algn="ctr"/>
+            <a:endParaRPr lang="en-US"/>
+          </a:p>
+        </p:txBody>
+      </p:sp>
+      <p:sp>
+        <p:nvSpPr>
+          <p:cNvPr id="4" name="TextBox 3">
+            <a:extLst>
+              <a:ext uri="{FF2B5EF4-FFF2-40B4-BE49-F238E27FC236}">
+                <a16:creationId xmlns:a16="http://schemas.microsoft.com/office/drawing/2014/main" id="{EED4190C-48A5-0B8A-E7FE-5459AA1721BB}"/>
+              </a:ext>
+            </a:extLst>
+          </p:cNvPr>
+          <p:cNvSpPr txBox="1"/>
+          <p:nvPr/>
+        </p:nvSpPr>
+        <p:spPr>
+          <a:xfrm>
+            <a:off x="201009" y="4876753"/>
+            <a:ext cx="3592650" cy="246221"/>
+          </a:xfrm>
+          <a:prstGeom prst="rect">
+            <a:avLst/>
+          </a:prstGeom>
+          <a:noFill/>
+        </p:spPr>
+        <p:txBody>
+          <a:bodyPr wrap="none" rtlCol="0">
+            <a:spAutoFit/>
+          </a:bodyPr>
+          <a:lstStyle/>
+          <a:p>
+            <a:r>
+              <a:rPr lang="en-US" sz="1000">
+                <a:solidFill>
+                  <a:schemeClr val="bg1">
+                    <a:lumMod val="75000"/>
+                  </a:schemeClr>
+                </a:solidFill>
+                <a:latin typeface="Avenir Book" panose="02000503020000020003" pitchFamily="2" charset="0"/>
+              </a:rPr>
+              <a:t>figures-7 </a:t>
+            </a:r>
+            <a:r>
+              <a:rPr lang="en-US" sz="1000" dirty="0">
+                <a:solidFill>
+                  <a:schemeClr val="bg1">
+                    <a:lumMod val="75000"/>
+                  </a:schemeClr>
+                </a:solidFill>
+                <a:latin typeface="Avenir Book" panose="02000503020000020003" pitchFamily="2" charset="0"/>
+              </a:rPr>
+              <a:t>: Density matrix city plot for 4-bit QFT with input 3</a:t>
             </a:r>
             <a:endParaRPr lang="en-US" sz="800" dirty="0">
               <a:solidFill>

--- a/docs/figures/figures.pptx
+++ b/docs/figures/figures.pptx
@@ -4088,10 +4088,10 @@
       </p:grpSpPr>
       <p:pic>
         <p:nvPicPr>
-          <p:cNvPr id="2" name="Picture 1">
-            <a:extLst>
-              <a:ext uri="{FF2B5EF4-FFF2-40B4-BE49-F238E27FC236}">
-                <a16:creationId xmlns:a16="http://schemas.microsoft.com/office/drawing/2014/main" id="{04528B67-5DEC-A5F2-1649-7CA6599B2895}"/>
+          <p:cNvPr id="13" name="Picture 12">
+            <a:extLst>
+              <a:ext uri="{FF2B5EF4-FFF2-40B4-BE49-F238E27FC236}">
+                <a16:creationId xmlns:a16="http://schemas.microsoft.com/office/drawing/2014/main" id="{8D25ABE6-8775-4958-52B7-34B25E77C4E3}"/>
               </a:ext>
             </a:extLst>
           </p:cNvPr>
@@ -4108,8 +4108,8 @@
         </p:blipFill>
         <p:spPr>
           <a:xfrm>
-            <a:off x="3435340" y="628650"/>
-            <a:ext cx="3302000" cy="5600700"/>
+            <a:off x="3745429" y="702029"/>
+            <a:ext cx="2767549" cy="5358258"/>
           </a:xfrm>
           <a:prstGeom prst="rect">
             <a:avLst/>
@@ -4343,7 +4343,7 @@
         <p:spPr>
           <a:xfrm>
             <a:off x="6743695" y="1536979"/>
-            <a:ext cx="2652777" cy="338554"/>
+            <a:ext cx="2481257" cy="338554"/>
           </a:xfrm>
           <a:prstGeom prst="rect">
             <a:avLst/>
@@ -4360,7 +4360,7 @@
               <a:rPr lang="en-US" sz="1600" dirty="0">
                 <a:latin typeface="Avenir Book" panose="02000503020000020003" pitchFamily="2" charset="0"/>
               </a:rPr>
-              <a:t>Processor #0 (Alice) qubits </a:t>
+              <a:t>Processor index 0 qubits </a:t>
             </a:r>
             <a:endParaRPr lang="en-US" sz="1200" dirty="0">
               <a:latin typeface="Avenir Book" panose="02000503020000020003" pitchFamily="2" charset="0"/>
@@ -4383,7 +4383,7 @@
         <p:spPr>
           <a:xfrm>
             <a:off x="6743695" y="3753713"/>
-            <a:ext cx="2575833" cy="338554"/>
+            <a:ext cx="2481257" cy="338554"/>
           </a:xfrm>
           <a:prstGeom prst="rect">
             <a:avLst/>
@@ -4400,7 +4400,7 @@
               <a:rPr lang="en-US" sz="1600" dirty="0">
                 <a:latin typeface="Avenir Book" panose="02000503020000020003" pitchFamily="2" charset="0"/>
               </a:rPr>
-              <a:t>Processor #1 (Bob) qubits </a:t>
+              <a:t>Processor index 1 qubits </a:t>
             </a:r>
             <a:endParaRPr lang="en-US" sz="1200" dirty="0">
               <a:latin typeface="Avenir Book" panose="02000503020000020003" pitchFamily="2" charset="0"/>
@@ -4423,7 +4423,7 @@
         <p:spPr>
           <a:xfrm>
             <a:off x="6743695" y="5113935"/>
-            <a:ext cx="3207417" cy="338554"/>
+            <a:ext cx="3035896" cy="338554"/>
           </a:xfrm>
           <a:prstGeom prst="rect">
             <a:avLst/>
@@ -4440,7 +4440,7 @@
               <a:rPr lang="en-US" sz="1600" dirty="0">
                 <a:latin typeface="Avenir Book" panose="02000503020000020003" pitchFamily="2" charset="0"/>
               </a:rPr>
-              <a:t>Processor #0 (Alice) classical bits </a:t>
+              <a:t>Processor index 0 classical bits </a:t>
             </a:r>
             <a:endParaRPr lang="en-US" sz="1200" dirty="0">
               <a:latin typeface="Avenir Book" panose="02000503020000020003" pitchFamily="2" charset="0"/>
@@ -4463,7 +4463,7 @@
         <p:spPr>
           <a:xfrm>
             <a:off x="6743695" y="5662414"/>
-            <a:ext cx="3130472" cy="338554"/>
+            <a:ext cx="3035896" cy="338554"/>
           </a:xfrm>
           <a:prstGeom prst="rect">
             <a:avLst/>
@@ -4480,7 +4480,19 @@
               <a:rPr lang="en-US" sz="1600" dirty="0">
                 <a:latin typeface="Avenir Book" panose="02000503020000020003" pitchFamily="2" charset="0"/>
               </a:rPr>
-              <a:t>Processor #1 (Bob) classical bits </a:t>
+              <a:t>Processor </a:t>
+            </a:r>
+            <a:r>
+              <a:rPr lang="en-US" sz="1600">
+                <a:latin typeface="Avenir Book" panose="02000503020000020003" pitchFamily="2" charset="0"/>
+              </a:rPr>
+              <a:t>index 1 </a:t>
+            </a:r>
+            <a:r>
+              <a:rPr lang="en-US" sz="1600" dirty="0">
+                <a:latin typeface="Avenir Book" panose="02000503020000020003" pitchFamily="2" charset="0"/>
+              </a:rPr>
+              <a:t>classical bits </a:t>
             </a:r>
             <a:endParaRPr lang="en-US" sz="1200" dirty="0">
               <a:latin typeface="Avenir Book" panose="02000503020000020003" pitchFamily="2" charset="0"/>

--- a/docs/figures/figures.pptx
+++ b/docs/figures/figures.pptx
@@ -10,9 +10,10 @@
     <p:sldId id="263" r:id="rId4"/>
     <p:sldId id="264" r:id="rId5"/>
     <p:sldId id="257" r:id="rId6"/>
-    <p:sldId id="258" r:id="rId7"/>
-    <p:sldId id="259" r:id="rId8"/>
-    <p:sldId id="260" r:id="rId9"/>
+    <p:sldId id="265" r:id="rId7"/>
+    <p:sldId id="258" r:id="rId8"/>
+    <p:sldId id="259" r:id="rId9"/>
+    <p:sldId id="260" r:id="rId10"/>
   </p:sldIdLst>
   <p:sldSz cx="12192000" cy="6858000"/>
   <p:notesSz cx="6858000" cy="9144000"/>
@@ -4634,12 +4635,42 @@
           <a:chExt cx="0" cy="0"/>
         </a:xfrm>
       </p:grpSpPr>
-      <p:sp>
-        <p:nvSpPr>
-          <p:cNvPr id="12" name="Rectangle 11">
-            <a:extLst>
-              <a:ext uri="{FF2B5EF4-FFF2-40B4-BE49-F238E27FC236}">
-                <a16:creationId xmlns:a16="http://schemas.microsoft.com/office/drawing/2014/main" id="{53A239F0-9EF5-41F4-B7C9-9C3B5BB509D1}"/>
+      <p:pic>
+        <p:nvPicPr>
+          <p:cNvPr id="2" name="Picture 1">
+            <a:extLst>
+              <a:ext uri="{FF2B5EF4-FFF2-40B4-BE49-F238E27FC236}">
+                <a16:creationId xmlns:a16="http://schemas.microsoft.com/office/drawing/2014/main" id="{0AA3EC25-CD68-E6D1-F2F9-FE3191FCC57B}"/>
+              </a:ext>
+            </a:extLst>
+          </p:cNvPr>
+          <p:cNvPicPr>
+            <a:picLocks noChangeAspect="1"/>
+          </p:cNvPicPr>
+          <p:nvPr/>
+        </p:nvPicPr>
+        <p:blipFill>
+          <a:blip r:embed="rId2"/>
+          <a:stretch>
+            <a:fillRect/>
+          </a:stretch>
+        </p:blipFill>
+        <p:spPr>
+          <a:xfrm>
+            <a:off x="210123" y="1548482"/>
+            <a:ext cx="11477380" cy="4142461"/>
+          </a:xfrm>
+          <a:prstGeom prst="rect">
+            <a:avLst/>
+          </a:prstGeom>
+        </p:spPr>
+      </p:pic>
+      <p:sp>
+        <p:nvSpPr>
+          <p:cNvPr id="3" name="Rectangle 2">
+            <a:extLst>
+              <a:ext uri="{FF2B5EF4-FFF2-40B4-BE49-F238E27FC236}">
+                <a16:creationId xmlns:a16="http://schemas.microsoft.com/office/drawing/2014/main" id="{256EC429-D5B9-C78B-ED52-9F0741AD990D}"/>
               </a:ext>
             </a:extLst>
           </p:cNvPr>
@@ -4648,8 +4679,8 @@
         </p:nvSpPr>
         <p:spPr>
           <a:xfrm>
-            <a:off x="171450" y="1660634"/>
-            <a:ext cx="11872913" cy="3493870"/>
+            <a:off x="159543" y="1021761"/>
+            <a:ext cx="11872913" cy="4700711"/>
           </a:xfrm>
           <a:prstGeom prst="rect">
             <a:avLst/>
@@ -4688,42 +4719,12 @@
           </a:p>
         </p:txBody>
       </p:sp>
-      <p:pic>
-        <p:nvPicPr>
-          <p:cNvPr id="2" name="Picture 1">
-            <a:extLst>
-              <a:ext uri="{FF2B5EF4-FFF2-40B4-BE49-F238E27FC236}">
-                <a16:creationId xmlns:a16="http://schemas.microsoft.com/office/drawing/2014/main" id="{D89E6012-84EB-FE69-715D-A362EB7C0045}"/>
-              </a:ext>
-            </a:extLst>
-          </p:cNvPr>
-          <p:cNvPicPr>
-            <a:picLocks noChangeAspect="1"/>
-          </p:cNvPicPr>
-          <p:nvPr/>
-        </p:nvPicPr>
-        <p:blipFill>
-          <a:blip r:embed="rId2"/>
-          <a:stretch>
-            <a:fillRect/>
-          </a:stretch>
-        </p:blipFill>
-        <p:spPr>
-          <a:xfrm>
-            <a:off x="948558" y="1965434"/>
-            <a:ext cx="10743381" cy="2704692"/>
-          </a:xfrm>
-          <a:prstGeom prst="rect">
-            <a:avLst/>
-          </a:prstGeom>
-        </p:spPr>
-      </p:pic>
-      <p:sp>
-        <p:nvSpPr>
-          <p:cNvPr id="3" name="TextBox 2">
-            <a:extLst>
-              <a:ext uri="{FF2B5EF4-FFF2-40B4-BE49-F238E27FC236}">
-                <a16:creationId xmlns:a16="http://schemas.microsoft.com/office/drawing/2014/main" id="{2063DB09-F118-F601-A9B2-53BB088FEDAA}"/>
+      <p:sp>
+        <p:nvSpPr>
+          <p:cNvPr id="4" name="TextBox 3">
+            <a:extLst>
+              <a:ext uri="{FF2B5EF4-FFF2-40B4-BE49-F238E27FC236}">
+                <a16:creationId xmlns:a16="http://schemas.microsoft.com/office/drawing/2014/main" id="{4EC03F02-5379-6698-89DA-C31629F6CC4A}"/>
               </a:ext>
             </a:extLst>
           </p:cNvPr>
@@ -4732,8 +4733,8 @@
         </p:nvSpPr>
         <p:spPr>
           <a:xfrm>
-            <a:off x="201009" y="4876753"/>
-            <a:ext cx="3209533" cy="246221"/>
+            <a:off x="189102" y="5444722"/>
+            <a:ext cx="5299849" cy="246221"/>
           </a:xfrm>
           <a:prstGeom prst="rect">
             <a:avLst/>
@@ -4755,7 +4756,7 @@
                 </a:solidFill>
                 <a:latin typeface="Avenir Book" panose="02000503020000020003" pitchFamily="2" charset="0"/>
               </a:rPr>
-              <a:t>figures-5 : 4-bit local quantum Fourier transformation</a:t>
+              <a:t>figures-5 : two-qubit-gate-global-to-local-mapping-different-processor-using-teleportation</a:t>
             </a:r>
             <a:endParaRPr lang="en-US" sz="800" dirty="0">
               <a:solidFill>
@@ -4768,10 +4769,491 @@
           </a:p>
         </p:txBody>
       </p:sp>
+      <p:sp>
+        <p:nvSpPr>
+          <p:cNvPr id="6" name="Rounded Rectangle 5">
+            <a:extLst>
+              <a:ext uri="{FF2B5EF4-FFF2-40B4-BE49-F238E27FC236}">
+                <a16:creationId xmlns:a16="http://schemas.microsoft.com/office/drawing/2014/main" id="{6A0F2C7F-CB0D-2F55-0481-5A8CA53888A3}"/>
+              </a:ext>
+            </a:extLst>
+          </p:cNvPr>
+          <p:cNvSpPr/>
+          <p:nvPr/>
+        </p:nvSpPr>
+        <p:spPr>
+          <a:xfrm>
+            <a:off x="2369004" y="2353363"/>
+            <a:ext cx="4014400" cy="2808782"/>
+          </a:xfrm>
+          <a:prstGeom prst="roundRect">
+            <a:avLst>
+              <a:gd name="adj" fmla="val 1708"/>
+            </a:avLst>
+          </a:prstGeom>
+          <a:noFill/>
+          <a:ln>
+            <a:solidFill>
+              <a:srgbClr val="FF0000"/>
+            </a:solidFill>
+            <a:prstDash val="dash"/>
+          </a:ln>
+        </p:spPr>
+        <p:style>
+          <a:lnRef idx="2">
+            <a:schemeClr val="accent1">
+              <a:shade val="50000"/>
+            </a:schemeClr>
+          </a:lnRef>
+          <a:fillRef idx="1">
+            <a:schemeClr val="accent1"/>
+          </a:fillRef>
+          <a:effectRef idx="0">
+            <a:schemeClr val="accent1"/>
+          </a:effectRef>
+          <a:fontRef idx="minor">
+            <a:schemeClr val="lt1"/>
+          </a:fontRef>
+        </p:style>
+        <p:txBody>
+          <a:bodyPr rtlCol="0" anchor="ctr"/>
+          <a:lstStyle/>
+          <a:p>
+            <a:pPr algn="ctr"/>
+            <a:endParaRPr lang="en-US" dirty="0"/>
+          </a:p>
+        </p:txBody>
+      </p:sp>
+      <p:sp>
+        <p:nvSpPr>
+          <p:cNvPr id="7" name="Rounded Rectangle 6">
+            <a:extLst>
+              <a:ext uri="{FF2B5EF4-FFF2-40B4-BE49-F238E27FC236}">
+                <a16:creationId xmlns:a16="http://schemas.microsoft.com/office/drawing/2014/main" id="{C145C3CB-00A1-2073-60E8-75A33DABA5FC}"/>
+              </a:ext>
+            </a:extLst>
+          </p:cNvPr>
+          <p:cNvSpPr/>
+          <p:nvPr/>
+        </p:nvSpPr>
+        <p:spPr>
+          <a:xfrm>
+            <a:off x="2024053" y="1650460"/>
+            <a:ext cx="293032" cy="1498059"/>
+          </a:xfrm>
+          <a:prstGeom prst="roundRect">
+            <a:avLst>
+              <a:gd name="adj" fmla="val 14858"/>
+            </a:avLst>
+          </a:prstGeom>
+          <a:noFill/>
+          <a:ln>
+            <a:solidFill>
+              <a:srgbClr val="FF0000"/>
+            </a:solidFill>
+            <a:prstDash val="dash"/>
+          </a:ln>
+        </p:spPr>
+        <p:style>
+          <a:lnRef idx="2">
+            <a:schemeClr val="accent1">
+              <a:shade val="50000"/>
+            </a:schemeClr>
+          </a:lnRef>
+          <a:fillRef idx="1">
+            <a:schemeClr val="accent1"/>
+          </a:fillRef>
+          <a:effectRef idx="0">
+            <a:schemeClr val="accent1"/>
+          </a:effectRef>
+          <a:fontRef idx="minor">
+            <a:schemeClr val="lt1"/>
+          </a:fontRef>
+        </p:style>
+        <p:txBody>
+          <a:bodyPr rtlCol="0" anchor="ctr"/>
+          <a:lstStyle/>
+          <a:p>
+            <a:pPr algn="ctr"/>
+            <a:endParaRPr lang="en-US" dirty="0"/>
+          </a:p>
+        </p:txBody>
+      </p:sp>
+      <p:sp>
+        <p:nvSpPr>
+          <p:cNvPr id="8" name="Rounded Rectangle 7">
+            <a:extLst>
+              <a:ext uri="{FF2B5EF4-FFF2-40B4-BE49-F238E27FC236}">
+                <a16:creationId xmlns:a16="http://schemas.microsoft.com/office/drawing/2014/main" id="{43DFC44B-5059-3BE3-A8A1-040D90991442}"/>
+              </a:ext>
+            </a:extLst>
+          </p:cNvPr>
+          <p:cNvSpPr/>
+          <p:nvPr/>
+        </p:nvSpPr>
+        <p:spPr>
+          <a:xfrm>
+            <a:off x="11106444" y="1660188"/>
+            <a:ext cx="293032" cy="1498059"/>
+          </a:xfrm>
+          <a:prstGeom prst="roundRect">
+            <a:avLst>
+              <a:gd name="adj" fmla="val 14858"/>
+            </a:avLst>
+          </a:prstGeom>
+          <a:noFill/>
+          <a:ln>
+            <a:solidFill>
+              <a:srgbClr val="FF0000"/>
+            </a:solidFill>
+            <a:prstDash val="dash"/>
+          </a:ln>
+        </p:spPr>
+        <p:style>
+          <a:lnRef idx="2">
+            <a:schemeClr val="accent1">
+              <a:shade val="50000"/>
+            </a:schemeClr>
+          </a:lnRef>
+          <a:fillRef idx="1">
+            <a:schemeClr val="accent1"/>
+          </a:fillRef>
+          <a:effectRef idx="0">
+            <a:schemeClr val="accent1"/>
+          </a:effectRef>
+          <a:fontRef idx="minor">
+            <a:schemeClr val="lt1"/>
+          </a:fontRef>
+        </p:style>
+        <p:txBody>
+          <a:bodyPr rtlCol="0" anchor="ctr"/>
+          <a:lstStyle/>
+          <a:p>
+            <a:pPr algn="ctr"/>
+            <a:endParaRPr lang="en-US" dirty="0"/>
+          </a:p>
+        </p:txBody>
+      </p:sp>
+      <p:sp>
+        <p:nvSpPr>
+          <p:cNvPr id="9" name="Rounded Rectangle 8">
+            <a:extLst>
+              <a:ext uri="{FF2B5EF4-FFF2-40B4-BE49-F238E27FC236}">
+                <a16:creationId xmlns:a16="http://schemas.microsoft.com/office/drawing/2014/main" id="{5B724D2E-BA4C-7D91-7B73-8145889B4A3C}"/>
+              </a:ext>
+            </a:extLst>
+          </p:cNvPr>
+          <p:cNvSpPr/>
+          <p:nvPr/>
+        </p:nvSpPr>
+        <p:spPr>
+          <a:xfrm>
+            <a:off x="6563628" y="3644630"/>
+            <a:ext cx="472712" cy="1131650"/>
+          </a:xfrm>
+          <a:prstGeom prst="roundRect">
+            <a:avLst>
+              <a:gd name="adj" fmla="val 14858"/>
+            </a:avLst>
+          </a:prstGeom>
+          <a:noFill/>
+          <a:ln>
+            <a:solidFill>
+              <a:srgbClr val="FF0000"/>
+            </a:solidFill>
+            <a:prstDash val="dash"/>
+          </a:ln>
+        </p:spPr>
+        <p:style>
+          <a:lnRef idx="2">
+            <a:schemeClr val="accent1">
+              <a:shade val="50000"/>
+            </a:schemeClr>
+          </a:lnRef>
+          <a:fillRef idx="1">
+            <a:schemeClr val="accent1"/>
+          </a:fillRef>
+          <a:effectRef idx="0">
+            <a:schemeClr val="accent1"/>
+          </a:effectRef>
+          <a:fontRef idx="minor">
+            <a:schemeClr val="lt1"/>
+          </a:fontRef>
+        </p:style>
+        <p:txBody>
+          <a:bodyPr rtlCol="0" anchor="ctr"/>
+          <a:lstStyle/>
+          <a:p>
+            <a:pPr algn="ctr"/>
+            <a:endParaRPr lang="en-US" dirty="0"/>
+          </a:p>
+        </p:txBody>
+      </p:sp>
+      <p:sp>
+        <p:nvSpPr>
+          <p:cNvPr id="10" name="Rounded Rectangle 9">
+            <a:extLst>
+              <a:ext uri="{FF2B5EF4-FFF2-40B4-BE49-F238E27FC236}">
+                <a16:creationId xmlns:a16="http://schemas.microsoft.com/office/drawing/2014/main" id="{C75A2B38-4973-683A-DBD9-BC75518DD14C}"/>
+              </a:ext>
+            </a:extLst>
+          </p:cNvPr>
+          <p:cNvSpPr/>
+          <p:nvPr/>
+        </p:nvSpPr>
+        <p:spPr>
+          <a:xfrm>
+            <a:off x="7086919" y="2353362"/>
+            <a:ext cx="3906901" cy="3232885"/>
+          </a:xfrm>
+          <a:prstGeom prst="roundRect">
+            <a:avLst>
+              <a:gd name="adj" fmla="val 2109"/>
+            </a:avLst>
+          </a:prstGeom>
+          <a:noFill/>
+          <a:ln>
+            <a:solidFill>
+              <a:srgbClr val="FF0000"/>
+            </a:solidFill>
+            <a:prstDash val="dash"/>
+          </a:ln>
+        </p:spPr>
+        <p:style>
+          <a:lnRef idx="2">
+            <a:schemeClr val="accent1">
+              <a:shade val="50000"/>
+            </a:schemeClr>
+          </a:lnRef>
+          <a:fillRef idx="1">
+            <a:schemeClr val="accent1"/>
+          </a:fillRef>
+          <a:effectRef idx="0">
+            <a:schemeClr val="accent1"/>
+          </a:effectRef>
+          <a:fontRef idx="minor">
+            <a:schemeClr val="lt1"/>
+          </a:fontRef>
+        </p:style>
+        <p:txBody>
+          <a:bodyPr rtlCol="0" anchor="ctr"/>
+          <a:lstStyle/>
+          <a:p>
+            <a:pPr algn="ctr"/>
+            <a:endParaRPr lang="en-US" dirty="0"/>
+          </a:p>
+        </p:txBody>
+      </p:sp>
+      <p:sp>
+        <p:nvSpPr>
+          <p:cNvPr id="12" name="TextBox 11">
+            <a:extLst>
+              <a:ext uri="{FF2B5EF4-FFF2-40B4-BE49-F238E27FC236}">
+                <a16:creationId xmlns:a16="http://schemas.microsoft.com/office/drawing/2014/main" id="{767F8B9D-0F82-6CC8-404E-70ADF8DE0108}"/>
+              </a:ext>
+            </a:extLst>
+          </p:cNvPr>
+          <p:cNvSpPr txBox="1"/>
+          <p:nvPr/>
+        </p:nvSpPr>
+        <p:spPr>
+          <a:xfrm rot="16200000">
+            <a:off x="1848202" y="1197611"/>
+            <a:ext cx="628698" cy="276999"/>
+          </a:xfrm>
+          <a:prstGeom prst="rect">
+            <a:avLst/>
+          </a:prstGeom>
+          <a:noFill/>
+        </p:spPr>
+        <p:txBody>
+          <a:bodyPr wrap="none" rtlCol="0">
+            <a:spAutoFit/>
+          </a:bodyPr>
+          <a:lstStyle/>
+          <a:p>
+            <a:r>
+              <a:rPr lang="en-US" sz="1200" dirty="0">
+                <a:solidFill>
+                  <a:srgbClr val="FF0000"/>
+                </a:solidFill>
+                <a:latin typeface="Avenir Book" panose="02000503020000020003" pitchFamily="2" charset="0"/>
+              </a:rPr>
+              <a:t>Step 1</a:t>
+            </a:r>
+          </a:p>
+        </p:txBody>
+      </p:sp>
+      <p:sp>
+        <p:nvSpPr>
+          <p:cNvPr id="13" name="TextBox 12">
+            <a:extLst>
+              <a:ext uri="{FF2B5EF4-FFF2-40B4-BE49-F238E27FC236}">
+                <a16:creationId xmlns:a16="http://schemas.microsoft.com/office/drawing/2014/main" id="{C0AE2DD3-BBDF-C87E-E3EC-EE4D6BD7D77E}"/>
+              </a:ext>
+            </a:extLst>
+          </p:cNvPr>
+          <p:cNvSpPr txBox="1"/>
+          <p:nvPr/>
+        </p:nvSpPr>
+        <p:spPr>
+          <a:xfrm rot="16200000">
+            <a:off x="2188031" y="1932286"/>
+            <a:ext cx="628698" cy="276999"/>
+          </a:xfrm>
+          <a:prstGeom prst="rect">
+            <a:avLst/>
+          </a:prstGeom>
+          <a:noFill/>
+        </p:spPr>
+        <p:txBody>
+          <a:bodyPr wrap="none" rtlCol="0">
+            <a:spAutoFit/>
+          </a:bodyPr>
+          <a:lstStyle/>
+          <a:p>
+            <a:r>
+              <a:rPr lang="en-US" sz="1200" dirty="0">
+                <a:solidFill>
+                  <a:srgbClr val="FF0000"/>
+                </a:solidFill>
+                <a:latin typeface="Avenir Book" panose="02000503020000020003" pitchFamily="2" charset="0"/>
+              </a:rPr>
+              <a:t>Step 2</a:t>
+            </a:r>
+          </a:p>
+        </p:txBody>
+      </p:sp>
+      <p:sp>
+        <p:nvSpPr>
+          <p:cNvPr id="15" name="TextBox 14">
+            <a:extLst>
+              <a:ext uri="{FF2B5EF4-FFF2-40B4-BE49-F238E27FC236}">
+                <a16:creationId xmlns:a16="http://schemas.microsoft.com/office/drawing/2014/main" id="{67CDDF68-AF6F-51B3-00A8-22E451DB6AF1}"/>
+              </a:ext>
+            </a:extLst>
+          </p:cNvPr>
+          <p:cNvSpPr txBox="1"/>
+          <p:nvPr/>
+        </p:nvSpPr>
+        <p:spPr>
+          <a:xfrm rot="16200000">
+            <a:off x="6485062" y="3205042"/>
+            <a:ext cx="628698" cy="276999"/>
+          </a:xfrm>
+          <a:prstGeom prst="rect">
+            <a:avLst/>
+          </a:prstGeom>
+          <a:noFill/>
+        </p:spPr>
+        <p:txBody>
+          <a:bodyPr wrap="none" rtlCol="0">
+            <a:spAutoFit/>
+          </a:bodyPr>
+          <a:lstStyle/>
+          <a:p>
+            <a:r>
+              <a:rPr lang="en-US" sz="1200" dirty="0">
+                <a:solidFill>
+                  <a:srgbClr val="FF0000"/>
+                </a:solidFill>
+                <a:latin typeface="Avenir Book" panose="02000503020000020003" pitchFamily="2" charset="0"/>
+              </a:rPr>
+              <a:t>Step 3</a:t>
+            </a:r>
+          </a:p>
+        </p:txBody>
+      </p:sp>
+      <p:sp>
+        <p:nvSpPr>
+          <p:cNvPr id="16" name="TextBox 15">
+            <a:extLst>
+              <a:ext uri="{FF2B5EF4-FFF2-40B4-BE49-F238E27FC236}">
+                <a16:creationId xmlns:a16="http://schemas.microsoft.com/office/drawing/2014/main" id="{E49ECAD7-92C6-DA74-065F-52ECBDF3E555}"/>
+              </a:ext>
+            </a:extLst>
+          </p:cNvPr>
+          <p:cNvSpPr txBox="1"/>
+          <p:nvPr/>
+        </p:nvSpPr>
+        <p:spPr>
+          <a:xfrm rot="16200000">
+            <a:off x="6911071" y="1907019"/>
+            <a:ext cx="628698" cy="276999"/>
+          </a:xfrm>
+          <a:prstGeom prst="rect">
+            <a:avLst/>
+          </a:prstGeom>
+          <a:noFill/>
+        </p:spPr>
+        <p:txBody>
+          <a:bodyPr wrap="none" rtlCol="0">
+            <a:spAutoFit/>
+          </a:bodyPr>
+          <a:lstStyle/>
+          <a:p>
+            <a:r>
+              <a:rPr lang="en-US" sz="1200" dirty="0">
+                <a:solidFill>
+                  <a:srgbClr val="FF0000"/>
+                </a:solidFill>
+                <a:latin typeface="Avenir Book" panose="02000503020000020003" pitchFamily="2" charset="0"/>
+              </a:rPr>
+              <a:t>Step 4</a:t>
+            </a:r>
+          </a:p>
+        </p:txBody>
+      </p:sp>
+      <p:sp>
+        <p:nvSpPr>
+          <p:cNvPr id="18" name="TextBox 17">
+            <a:extLst>
+              <a:ext uri="{FF2B5EF4-FFF2-40B4-BE49-F238E27FC236}">
+                <a16:creationId xmlns:a16="http://schemas.microsoft.com/office/drawing/2014/main" id="{8261D60F-8EC6-AE7B-0A66-D93F9A2BFA5D}"/>
+              </a:ext>
+            </a:extLst>
+          </p:cNvPr>
+          <p:cNvSpPr txBox="1"/>
+          <p:nvPr/>
+        </p:nvSpPr>
+        <p:spPr>
+          <a:xfrm rot="16200000">
+            <a:off x="10967649" y="1208600"/>
+            <a:ext cx="628698" cy="276999"/>
+          </a:xfrm>
+          <a:prstGeom prst="rect">
+            <a:avLst/>
+          </a:prstGeom>
+          <a:noFill/>
+        </p:spPr>
+        <p:txBody>
+          <a:bodyPr wrap="none" rtlCol="0">
+            <a:spAutoFit/>
+          </a:bodyPr>
+          <a:lstStyle/>
+          <a:p>
+            <a:r>
+              <a:rPr lang="en-US" sz="1200">
+                <a:solidFill>
+                  <a:srgbClr val="FF0000"/>
+                </a:solidFill>
+                <a:latin typeface="Avenir Book" panose="02000503020000020003" pitchFamily="2" charset="0"/>
+              </a:rPr>
+              <a:t>Step 5</a:t>
+            </a:r>
+            <a:endParaRPr lang="en-US" sz="1200" dirty="0">
+              <a:solidFill>
+                <a:srgbClr val="FF0000"/>
+              </a:solidFill>
+              <a:latin typeface="Avenir Book" panose="02000503020000020003" pitchFamily="2" charset="0"/>
+            </a:endParaRPr>
+          </a:p>
+        </p:txBody>
+      </p:sp>
     </p:spTree>
     <p:extLst>
       <p:ext uri="{BB962C8B-B14F-4D97-AF65-F5344CB8AC3E}">
-        <p14:creationId xmlns:p14="http://schemas.microsoft.com/office/powerpoint/2010/main" val="2275931222"/>
+        <p14:creationId xmlns:p14="http://schemas.microsoft.com/office/powerpoint/2010/main" val="3278251437"/>
       </p:ext>
     </p:extLst>
   </p:cSld>
@@ -4798,42 +5280,12 @@
           <a:chExt cx="0" cy="0"/>
         </a:xfrm>
       </p:grpSpPr>
-      <p:pic>
-        <p:nvPicPr>
-          <p:cNvPr id="2" name="Picture 1">
-            <a:extLst>
-              <a:ext uri="{FF2B5EF4-FFF2-40B4-BE49-F238E27FC236}">
-                <a16:creationId xmlns:a16="http://schemas.microsoft.com/office/drawing/2014/main" id="{49C3CE69-8119-3BB7-DA97-9615E5420FA0}"/>
-              </a:ext>
-            </a:extLst>
-          </p:cNvPr>
-          <p:cNvPicPr>
-            <a:picLocks noChangeAspect="1"/>
-          </p:cNvPicPr>
-          <p:nvPr/>
-        </p:nvPicPr>
-        <p:blipFill>
-          <a:blip r:embed="rId2"/>
-          <a:stretch>
-            <a:fillRect/>
-          </a:stretch>
-        </p:blipFill>
-        <p:spPr>
-          <a:xfrm>
-            <a:off x="1134544" y="2140521"/>
-            <a:ext cx="10070486" cy="2576958"/>
-          </a:xfrm>
-          <a:prstGeom prst="rect">
-            <a:avLst/>
-          </a:prstGeom>
-        </p:spPr>
-      </p:pic>
-      <p:sp>
-        <p:nvSpPr>
-          <p:cNvPr id="3" name="Rectangle 2">
-            <a:extLst>
-              <a:ext uri="{FF2B5EF4-FFF2-40B4-BE49-F238E27FC236}">
-                <a16:creationId xmlns:a16="http://schemas.microsoft.com/office/drawing/2014/main" id="{8EC5EBF3-0EC5-F92B-C108-DA02173BFBE6}"/>
+      <p:sp>
+        <p:nvSpPr>
+          <p:cNvPr id="12" name="Rectangle 11">
+            <a:extLst>
+              <a:ext uri="{FF2B5EF4-FFF2-40B4-BE49-F238E27FC236}">
+                <a16:creationId xmlns:a16="http://schemas.microsoft.com/office/drawing/2014/main" id="{53A239F0-9EF5-41F4-B7C9-9C3B5BB509D1}"/>
               </a:ext>
             </a:extLst>
           </p:cNvPr>
@@ -4882,12 +5334,42 @@
           </a:p>
         </p:txBody>
       </p:sp>
-      <p:sp>
-        <p:nvSpPr>
-          <p:cNvPr id="4" name="TextBox 3">
-            <a:extLst>
-              <a:ext uri="{FF2B5EF4-FFF2-40B4-BE49-F238E27FC236}">
-                <a16:creationId xmlns:a16="http://schemas.microsoft.com/office/drawing/2014/main" id="{D1E2D570-0021-0772-9537-D4427AC2480F}"/>
+      <p:pic>
+        <p:nvPicPr>
+          <p:cNvPr id="2" name="Picture 1">
+            <a:extLst>
+              <a:ext uri="{FF2B5EF4-FFF2-40B4-BE49-F238E27FC236}">
+                <a16:creationId xmlns:a16="http://schemas.microsoft.com/office/drawing/2014/main" id="{D89E6012-84EB-FE69-715D-A362EB7C0045}"/>
+              </a:ext>
+            </a:extLst>
+          </p:cNvPr>
+          <p:cNvPicPr>
+            <a:picLocks noChangeAspect="1"/>
+          </p:cNvPicPr>
+          <p:nvPr/>
+        </p:nvPicPr>
+        <p:blipFill>
+          <a:blip r:embed="rId2"/>
+          <a:stretch>
+            <a:fillRect/>
+          </a:stretch>
+        </p:blipFill>
+        <p:spPr>
+          <a:xfrm>
+            <a:off x="948558" y="1965434"/>
+            <a:ext cx="10743381" cy="2704692"/>
+          </a:xfrm>
+          <a:prstGeom prst="rect">
+            <a:avLst/>
+          </a:prstGeom>
+        </p:spPr>
+      </p:pic>
+      <p:sp>
+        <p:nvSpPr>
+          <p:cNvPr id="3" name="TextBox 2">
+            <a:extLst>
+              <a:ext uri="{FF2B5EF4-FFF2-40B4-BE49-F238E27FC236}">
+                <a16:creationId xmlns:a16="http://schemas.microsoft.com/office/drawing/2014/main" id="{2063DB09-F118-F601-A9B2-53BB088FEDAA}"/>
               </a:ext>
             </a:extLst>
           </p:cNvPr>
@@ -4897,7 +5379,7 @@
         <p:spPr>
           <a:xfrm>
             <a:off x="201009" y="4876753"/>
-            <a:ext cx="3316934" cy="246221"/>
+            <a:ext cx="3209533" cy="246221"/>
           </a:xfrm>
           <a:prstGeom prst="rect">
             <a:avLst/>
@@ -4919,7 +5401,7 @@
                 </a:solidFill>
                 <a:latin typeface="Avenir Book" panose="02000503020000020003" pitchFamily="2" charset="0"/>
               </a:rPr>
-              <a:t>figures-6 : Bloch multi-vector for 4-bit QFT with input 3</a:t>
+              <a:t>figures-6 : 4-bit local quantum Fourier transformation</a:t>
             </a:r>
             <a:endParaRPr lang="en-US" sz="800" dirty="0">
               <a:solidFill>
@@ -4935,7 +5417,7 @@
     </p:spTree>
     <p:extLst>
       <p:ext uri="{BB962C8B-B14F-4D97-AF65-F5344CB8AC3E}">
-        <p14:creationId xmlns:p14="http://schemas.microsoft.com/office/powerpoint/2010/main" val="3874470473"/>
+        <p14:creationId xmlns:p14="http://schemas.microsoft.com/office/powerpoint/2010/main" val="2275931222"/>
       </p:ext>
     </p:extLst>
   </p:cSld>
@@ -4967,7 +5449,7 @@
           <p:cNvPr id="2" name="Picture 1">
             <a:extLst>
               <a:ext uri="{FF2B5EF4-FFF2-40B4-BE49-F238E27FC236}">
-                <a16:creationId xmlns:a16="http://schemas.microsoft.com/office/drawing/2014/main" id="{1460B762-9644-4936-210D-81AD5A52D13D}"/>
+                <a16:creationId xmlns:a16="http://schemas.microsoft.com/office/drawing/2014/main" id="{49C3CE69-8119-3BB7-DA97-9615E5420FA0}"/>
               </a:ext>
             </a:extLst>
           </p:cNvPr>
@@ -4984,8 +5466,8 @@
         </p:blipFill>
         <p:spPr>
           <a:xfrm>
-            <a:off x="1663262" y="1460937"/>
-            <a:ext cx="9343728" cy="3603411"/>
+            <a:off x="1134544" y="2140521"/>
+            <a:ext cx="10070486" cy="2576958"/>
           </a:xfrm>
           <a:prstGeom prst="rect">
             <a:avLst/>
@@ -4997,7 +5479,7 @@
           <p:cNvPr id="3" name="Rectangle 2">
             <a:extLst>
               <a:ext uri="{FF2B5EF4-FFF2-40B4-BE49-F238E27FC236}">
-                <a16:creationId xmlns:a16="http://schemas.microsoft.com/office/drawing/2014/main" id="{421FE0EC-03B0-0015-3D11-701461754577}"/>
+                <a16:creationId xmlns:a16="http://schemas.microsoft.com/office/drawing/2014/main" id="{8EC5EBF3-0EC5-F92B-C108-DA02173BFBE6}"/>
               </a:ext>
             </a:extLst>
           </p:cNvPr>
@@ -5051,7 +5533,7 @@
           <p:cNvPr id="4" name="TextBox 3">
             <a:extLst>
               <a:ext uri="{FF2B5EF4-FFF2-40B4-BE49-F238E27FC236}">
-                <a16:creationId xmlns:a16="http://schemas.microsoft.com/office/drawing/2014/main" id="{EED4190C-48A5-0B8A-E7FE-5459AA1721BB}"/>
+                <a16:creationId xmlns:a16="http://schemas.microsoft.com/office/drawing/2014/main" id="{D1E2D570-0021-0772-9537-D4427AC2480F}"/>
               </a:ext>
             </a:extLst>
           </p:cNvPr>
@@ -5061,7 +5543,7 @@
         <p:spPr>
           <a:xfrm>
             <a:off x="201009" y="4876753"/>
-            <a:ext cx="3592650" cy="246221"/>
+            <a:ext cx="3316934" cy="246221"/>
           </a:xfrm>
           <a:prstGeom prst="rect">
             <a:avLst/>
@@ -5074,17 +5556,6 @@
           </a:bodyPr>
           <a:lstStyle/>
           <a:p>
-            <a:r>
-              <a:rPr lang="en-US" sz="1000">
-                <a:solidFill>
-                  <a:schemeClr val="bg1">
-                    <a:lumMod val="75000"/>
-                  </a:schemeClr>
-                </a:solidFill>
-                <a:latin typeface="Avenir Book" panose="02000503020000020003" pitchFamily="2" charset="0"/>
-              </a:rPr>
-              <a:t>figures-7 </a:t>
-            </a:r>
             <a:r>
               <a:rPr lang="en-US" sz="1000" dirty="0">
                 <a:solidFill>
@@ -5094,7 +5565,171 @@
                 </a:solidFill>
                 <a:latin typeface="Avenir Book" panose="02000503020000020003" pitchFamily="2" charset="0"/>
               </a:rPr>
-              <a:t>: Density matrix city plot for 4-bit QFT with input 3</a:t>
+              <a:t>figures-7 : Bloch multi-vector for 4-bit QFT with input 3</a:t>
+            </a:r>
+            <a:endParaRPr lang="en-US" sz="800" dirty="0">
+              <a:solidFill>
+                <a:schemeClr val="bg1">
+                  <a:lumMod val="75000"/>
+                </a:schemeClr>
+              </a:solidFill>
+              <a:latin typeface="Avenir Book" panose="02000503020000020003" pitchFamily="2" charset="0"/>
+            </a:endParaRPr>
+          </a:p>
+        </p:txBody>
+      </p:sp>
+    </p:spTree>
+    <p:extLst>
+      <p:ext uri="{BB962C8B-B14F-4D97-AF65-F5344CB8AC3E}">
+        <p14:creationId xmlns:p14="http://schemas.microsoft.com/office/powerpoint/2010/main" val="3874470473"/>
+      </p:ext>
+    </p:extLst>
+  </p:cSld>
+  <p:clrMapOvr>
+    <a:masterClrMapping/>
+  </p:clrMapOvr>
+</p:sld>
+</file>
+
+<file path=ppt/slides/slide9.xml><?xml version="1.0" encoding="utf-8"?>
+<p:sld xmlns:a="http://schemas.openxmlformats.org/drawingml/2006/main" xmlns:r="http://schemas.openxmlformats.org/officeDocument/2006/relationships" xmlns:p="http://schemas.openxmlformats.org/presentationml/2006/main">
+  <p:cSld>
+    <p:spTree>
+      <p:nvGrpSpPr>
+        <p:cNvPr id="1" name=""/>
+        <p:cNvGrpSpPr/>
+        <p:nvPr/>
+      </p:nvGrpSpPr>
+      <p:grpSpPr>
+        <a:xfrm>
+          <a:off x="0" y="0"/>
+          <a:ext cx="0" cy="0"/>
+          <a:chOff x="0" y="0"/>
+          <a:chExt cx="0" cy="0"/>
+        </a:xfrm>
+      </p:grpSpPr>
+      <p:pic>
+        <p:nvPicPr>
+          <p:cNvPr id="2" name="Picture 1">
+            <a:extLst>
+              <a:ext uri="{FF2B5EF4-FFF2-40B4-BE49-F238E27FC236}">
+                <a16:creationId xmlns:a16="http://schemas.microsoft.com/office/drawing/2014/main" id="{1460B762-9644-4936-210D-81AD5A52D13D}"/>
+              </a:ext>
+            </a:extLst>
+          </p:cNvPr>
+          <p:cNvPicPr>
+            <a:picLocks noChangeAspect="1"/>
+          </p:cNvPicPr>
+          <p:nvPr/>
+        </p:nvPicPr>
+        <p:blipFill>
+          <a:blip r:embed="rId2"/>
+          <a:stretch>
+            <a:fillRect/>
+          </a:stretch>
+        </p:blipFill>
+        <p:spPr>
+          <a:xfrm>
+            <a:off x="1663262" y="1460937"/>
+            <a:ext cx="9343728" cy="3603411"/>
+          </a:xfrm>
+          <a:prstGeom prst="rect">
+            <a:avLst/>
+          </a:prstGeom>
+        </p:spPr>
+      </p:pic>
+      <p:sp>
+        <p:nvSpPr>
+          <p:cNvPr id="3" name="Rectangle 2">
+            <a:extLst>
+              <a:ext uri="{FF2B5EF4-FFF2-40B4-BE49-F238E27FC236}">
+                <a16:creationId xmlns:a16="http://schemas.microsoft.com/office/drawing/2014/main" id="{421FE0EC-03B0-0015-3D11-701461754577}"/>
+              </a:ext>
+            </a:extLst>
+          </p:cNvPr>
+          <p:cNvSpPr/>
+          <p:nvPr/>
+        </p:nvSpPr>
+        <p:spPr>
+          <a:xfrm>
+            <a:off x="171450" y="1660634"/>
+            <a:ext cx="11872913" cy="3493870"/>
+          </a:xfrm>
+          <a:prstGeom prst="rect">
+            <a:avLst/>
+          </a:prstGeom>
+          <a:noFill/>
+          <a:ln>
+            <a:solidFill>
+              <a:schemeClr val="bg1">
+                <a:lumMod val="85000"/>
+              </a:schemeClr>
+            </a:solidFill>
+          </a:ln>
+        </p:spPr>
+        <p:style>
+          <a:lnRef idx="2">
+            <a:schemeClr val="accent1">
+              <a:shade val="50000"/>
+            </a:schemeClr>
+          </a:lnRef>
+          <a:fillRef idx="1">
+            <a:schemeClr val="accent1"/>
+          </a:fillRef>
+          <a:effectRef idx="0">
+            <a:schemeClr val="accent1"/>
+          </a:effectRef>
+          <a:fontRef idx="minor">
+            <a:schemeClr val="lt1"/>
+          </a:fontRef>
+        </p:style>
+        <p:txBody>
+          <a:bodyPr rtlCol="0" anchor="ctr"/>
+          <a:lstStyle/>
+          <a:p>
+            <a:pPr algn="ctr"/>
+            <a:endParaRPr lang="en-US"/>
+          </a:p>
+        </p:txBody>
+      </p:sp>
+      <p:sp>
+        <p:nvSpPr>
+          <p:cNvPr id="4" name="TextBox 3">
+            <a:extLst>
+              <a:ext uri="{FF2B5EF4-FFF2-40B4-BE49-F238E27FC236}">
+                <a16:creationId xmlns:a16="http://schemas.microsoft.com/office/drawing/2014/main" id="{EED4190C-48A5-0B8A-E7FE-5459AA1721BB}"/>
+              </a:ext>
+            </a:extLst>
+          </p:cNvPr>
+          <p:cNvSpPr txBox="1"/>
+          <p:nvPr/>
+        </p:nvSpPr>
+        <p:spPr>
+          <a:xfrm>
+            <a:off x="201009" y="4876753"/>
+            <a:ext cx="3592650" cy="246221"/>
+          </a:xfrm>
+          <a:prstGeom prst="rect">
+            <a:avLst/>
+          </a:prstGeom>
+          <a:noFill/>
+        </p:spPr>
+        <p:txBody>
+          <a:bodyPr wrap="none" rtlCol="0">
+            <a:spAutoFit/>
+          </a:bodyPr>
+          <a:lstStyle/>
+          <a:p>
+            <a:r>
+              <a:rPr lang="en-US" sz="1000" dirty="0">
+                <a:solidFill>
+                  <a:schemeClr val="bg1">
+                    <a:lumMod val="75000"/>
+                  </a:schemeClr>
+                </a:solidFill>
+                <a:latin typeface="Avenir Book" panose="02000503020000020003" pitchFamily="2" charset="0"/>
+              </a:rPr>
+              <a:t>figures-8 : Density matrix city plot for 4-bit QFT with input 3</a:t>
             </a:r>
             <a:endParaRPr lang="en-US" sz="800" dirty="0">
               <a:solidFill>

--- a/docs/figures/figures.pptx
+++ b/docs/figures/figures.pptx
@@ -11,9 +11,10 @@
     <p:sldId id="264" r:id="rId5"/>
     <p:sldId id="257" r:id="rId6"/>
     <p:sldId id="265" r:id="rId7"/>
-    <p:sldId id="258" r:id="rId8"/>
-    <p:sldId id="259" r:id="rId9"/>
-    <p:sldId id="260" r:id="rId10"/>
+    <p:sldId id="267" r:id="rId8"/>
+    <p:sldId id="258" r:id="rId9"/>
+    <p:sldId id="259" r:id="rId10"/>
+    <p:sldId id="260" r:id="rId11"/>
   </p:sldIdLst>
   <p:sldSz cx="12192000" cy="6858000"/>
   <p:notesSz cx="6858000" cy="9144000"/>
@@ -3481,6 +3482,170 @@
 </p:sld>
 </file>
 
+<file path=ppt/slides/slide10.xml><?xml version="1.0" encoding="utf-8"?>
+<p:sld xmlns:a="http://schemas.openxmlformats.org/drawingml/2006/main" xmlns:r="http://schemas.openxmlformats.org/officeDocument/2006/relationships" xmlns:p="http://schemas.openxmlformats.org/presentationml/2006/main">
+  <p:cSld>
+    <p:spTree>
+      <p:nvGrpSpPr>
+        <p:cNvPr id="1" name=""/>
+        <p:cNvGrpSpPr/>
+        <p:nvPr/>
+      </p:nvGrpSpPr>
+      <p:grpSpPr>
+        <a:xfrm>
+          <a:off x="0" y="0"/>
+          <a:ext cx="0" cy="0"/>
+          <a:chOff x="0" y="0"/>
+          <a:chExt cx="0" cy="0"/>
+        </a:xfrm>
+      </p:grpSpPr>
+      <p:pic>
+        <p:nvPicPr>
+          <p:cNvPr id="2" name="Picture 1">
+            <a:extLst>
+              <a:ext uri="{FF2B5EF4-FFF2-40B4-BE49-F238E27FC236}">
+                <a16:creationId xmlns:a16="http://schemas.microsoft.com/office/drawing/2014/main" id="{1460B762-9644-4936-210D-81AD5A52D13D}"/>
+              </a:ext>
+            </a:extLst>
+          </p:cNvPr>
+          <p:cNvPicPr>
+            <a:picLocks noChangeAspect="1"/>
+          </p:cNvPicPr>
+          <p:nvPr/>
+        </p:nvPicPr>
+        <p:blipFill>
+          <a:blip r:embed="rId2"/>
+          <a:stretch>
+            <a:fillRect/>
+          </a:stretch>
+        </p:blipFill>
+        <p:spPr>
+          <a:xfrm>
+            <a:off x="1663262" y="1460937"/>
+            <a:ext cx="9343728" cy="3603411"/>
+          </a:xfrm>
+          <a:prstGeom prst="rect">
+            <a:avLst/>
+          </a:prstGeom>
+        </p:spPr>
+      </p:pic>
+      <p:sp>
+        <p:nvSpPr>
+          <p:cNvPr id="3" name="Rectangle 2">
+            <a:extLst>
+              <a:ext uri="{FF2B5EF4-FFF2-40B4-BE49-F238E27FC236}">
+                <a16:creationId xmlns:a16="http://schemas.microsoft.com/office/drawing/2014/main" id="{421FE0EC-03B0-0015-3D11-701461754577}"/>
+              </a:ext>
+            </a:extLst>
+          </p:cNvPr>
+          <p:cNvSpPr/>
+          <p:nvPr/>
+        </p:nvSpPr>
+        <p:spPr>
+          <a:xfrm>
+            <a:off x="171450" y="1660634"/>
+            <a:ext cx="11872913" cy="3493870"/>
+          </a:xfrm>
+          <a:prstGeom prst="rect">
+            <a:avLst/>
+          </a:prstGeom>
+          <a:noFill/>
+          <a:ln>
+            <a:solidFill>
+              <a:schemeClr val="bg1">
+                <a:lumMod val="85000"/>
+              </a:schemeClr>
+            </a:solidFill>
+          </a:ln>
+        </p:spPr>
+        <p:style>
+          <a:lnRef idx="2">
+            <a:schemeClr val="accent1">
+              <a:shade val="50000"/>
+            </a:schemeClr>
+          </a:lnRef>
+          <a:fillRef idx="1">
+            <a:schemeClr val="accent1"/>
+          </a:fillRef>
+          <a:effectRef idx="0">
+            <a:schemeClr val="accent1"/>
+          </a:effectRef>
+          <a:fontRef idx="minor">
+            <a:schemeClr val="lt1"/>
+          </a:fontRef>
+        </p:style>
+        <p:txBody>
+          <a:bodyPr rtlCol="0" anchor="ctr"/>
+          <a:lstStyle/>
+          <a:p>
+            <a:pPr algn="ctr"/>
+            <a:endParaRPr lang="en-US"/>
+          </a:p>
+        </p:txBody>
+      </p:sp>
+      <p:sp>
+        <p:nvSpPr>
+          <p:cNvPr id="4" name="TextBox 3">
+            <a:extLst>
+              <a:ext uri="{FF2B5EF4-FFF2-40B4-BE49-F238E27FC236}">
+                <a16:creationId xmlns:a16="http://schemas.microsoft.com/office/drawing/2014/main" id="{EED4190C-48A5-0B8A-E7FE-5459AA1721BB}"/>
+              </a:ext>
+            </a:extLst>
+          </p:cNvPr>
+          <p:cNvSpPr txBox="1"/>
+          <p:nvPr/>
+        </p:nvSpPr>
+        <p:spPr>
+          <a:xfrm>
+            <a:off x="201009" y="4876753"/>
+            <a:ext cx="3592650" cy="246221"/>
+          </a:xfrm>
+          <a:prstGeom prst="rect">
+            <a:avLst/>
+          </a:prstGeom>
+          <a:noFill/>
+        </p:spPr>
+        <p:txBody>
+          <a:bodyPr wrap="none" rtlCol="0">
+            <a:spAutoFit/>
+          </a:bodyPr>
+          <a:lstStyle/>
+          <a:p>
+            <a:r>
+              <a:rPr lang="en-US" sz="1000" dirty="0">
+                <a:solidFill>
+                  <a:schemeClr val="bg1">
+                    <a:lumMod val="75000"/>
+                  </a:schemeClr>
+                </a:solidFill>
+                <a:latin typeface="Avenir Book" panose="02000503020000020003" pitchFamily="2" charset="0"/>
+              </a:rPr>
+              <a:t>figures-9 : Density matrix city plot for 4-bit QFT with input 3</a:t>
+            </a:r>
+            <a:endParaRPr lang="en-US" sz="800" dirty="0">
+              <a:solidFill>
+                <a:schemeClr val="bg1">
+                  <a:lumMod val="75000"/>
+                </a:schemeClr>
+              </a:solidFill>
+              <a:latin typeface="Avenir Book" panose="02000503020000020003" pitchFamily="2" charset="0"/>
+            </a:endParaRPr>
+          </a:p>
+        </p:txBody>
+      </p:sp>
+    </p:spTree>
+    <p:extLst>
+      <p:ext uri="{BB962C8B-B14F-4D97-AF65-F5344CB8AC3E}">
+        <p14:creationId xmlns:p14="http://schemas.microsoft.com/office/powerpoint/2010/main" val="1268461441"/>
+      </p:ext>
+    </p:extLst>
+  </p:cSld>
+  <p:clrMapOvr>
+    <a:masterClrMapping/>
+  </p:clrMapOvr>
+</p:sld>
+</file>
+
 <file path=ppt/slides/slide2.xml><?xml version="1.0" encoding="utf-8"?>
 <p:sld xmlns:a="http://schemas.openxmlformats.org/drawingml/2006/main" xmlns:r="http://schemas.openxmlformats.org/officeDocument/2006/relationships" xmlns:p="http://schemas.openxmlformats.org/presentationml/2006/main">
   <p:cSld>
@@ -5280,12 +5445,42 @@
           <a:chExt cx="0" cy="0"/>
         </a:xfrm>
       </p:grpSpPr>
-      <p:sp>
-        <p:nvSpPr>
-          <p:cNvPr id="12" name="Rectangle 11">
-            <a:extLst>
-              <a:ext uri="{FF2B5EF4-FFF2-40B4-BE49-F238E27FC236}">
-                <a16:creationId xmlns:a16="http://schemas.microsoft.com/office/drawing/2014/main" id="{53A239F0-9EF5-41F4-B7C9-9C3B5BB509D1}"/>
+      <p:pic>
+        <p:nvPicPr>
+          <p:cNvPr id="5" name="Picture 4">
+            <a:extLst>
+              <a:ext uri="{FF2B5EF4-FFF2-40B4-BE49-F238E27FC236}">
+                <a16:creationId xmlns:a16="http://schemas.microsoft.com/office/drawing/2014/main" id="{51B29DE6-0FD8-A538-4A73-8CC8CBE1583D}"/>
+              </a:ext>
+            </a:extLst>
+          </p:cNvPr>
+          <p:cNvPicPr>
+            <a:picLocks noChangeAspect="1"/>
+          </p:cNvPicPr>
+          <p:nvPr/>
+        </p:nvPicPr>
+        <p:blipFill>
+          <a:blip r:embed="rId2"/>
+          <a:stretch>
+            <a:fillRect/>
+          </a:stretch>
+        </p:blipFill>
+        <p:spPr>
+          <a:xfrm>
+            <a:off x="2064825" y="1186857"/>
+            <a:ext cx="7268005" cy="4257865"/>
+          </a:xfrm>
+          <a:prstGeom prst="rect">
+            <a:avLst/>
+          </a:prstGeom>
+        </p:spPr>
+      </p:pic>
+      <p:sp>
+        <p:nvSpPr>
+          <p:cNvPr id="3" name="Rectangle 2">
+            <a:extLst>
+              <a:ext uri="{FF2B5EF4-FFF2-40B4-BE49-F238E27FC236}">
+                <a16:creationId xmlns:a16="http://schemas.microsoft.com/office/drawing/2014/main" id="{256EC429-D5B9-C78B-ED52-9F0741AD990D}"/>
               </a:ext>
             </a:extLst>
           </p:cNvPr>
@@ -5294,8 +5489,8 @@
         </p:nvSpPr>
         <p:spPr>
           <a:xfrm>
-            <a:off x="171450" y="1660634"/>
-            <a:ext cx="11872913" cy="3493870"/>
+            <a:off x="159543" y="483477"/>
+            <a:ext cx="11872913" cy="5238996"/>
           </a:xfrm>
           <a:prstGeom prst="rect">
             <a:avLst/>
@@ -5334,42 +5529,12 @@
           </a:p>
         </p:txBody>
       </p:sp>
-      <p:pic>
-        <p:nvPicPr>
-          <p:cNvPr id="2" name="Picture 1">
-            <a:extLst>
-              <a:ext uri="{FF2B5EF4-FFF2-40B4-BE49-F238E27FC236}">
-                <a16:creationId xmlns:a16="http://schemas.microsoft.com/office/drawing/2014/main" id="{D89E6012-84EB-FE69-715D-A362EB7C0045}"/>
-              </a:ext>
-            </a:extLst>
-          </p:cNvPr>
-          <p:cNvPicPr>
-            <a:picLocks noChangeAspect="1"/>
-          </p:cNvPicPr>
-          <p:nvPr/>
-        </p:nvPicPr>
-        <p:blipFill>
-          <a:blip r:embed="rId2"/>
-          <a:stretch>
-            <a:fillRect/>
-          </a:stretch>
-        </p:blipFill>
-        <p:spPr>
-          <a:xfrm>
-            <a:off x="948558" y="1965434"/>
-            <a:ext cx="10743381" cy="2704692"/>
-          </a:xfrm>
-          <a:prstGeom prst="rect">
-            <a:avLst/>
-          </a:prstGeom>
-        </p:spPr>
-      </p:pic>
-      <p:sp>
-        <p:nvSpPr>
-          <p:cNvPr id="3" name="TextBox 2">
-            <a:extLst>
-              <a:ext uri="{FF2B5EF4-FFF2-40B4-BE49-F238E27FC236}">
-                <a16:creationId xmlns:a16="http://schemas.microsoft.com/office/drawing/2014/main" id="{2063DB09-F118-F601-A9B2-53BB088FEDAA}"/>
+      <p:sp>
+        <p:nvSpPr>
+          <p:cNvPr id="4" name="TextBox 3">
+            <a:extLst>
+              <a:ext uri="{FF2B5EF4-FFF2-40B4-BE49-F238E27FC236}">
+                <a16:creationId xmlns:a16="http://schemas.microsoft.com/office/drawing/2014/main" id="{4EC03F02-5379-6698-89DA-C31629F6CC4A}"/>
               </a:ext>
             </a:extLst>
           </p:cNvPr>
@@ -5378,8 +5543,8 @@
         </p:nvSpPr>
         <p:spPr>
           <a:xfrm>
-            <a:off x="201009" y="4876753"/>
-            <a:ext cx="3209533" cy="246221"/>
+            <a:off x="189102" y="5444722"/>
+            <a:ext cx="5096267" cy="246221"/>
           </a:xfrm>
           <a:prstGeom prst="rect">
             <a:avLst/>
@@ -5401,7 +5566,7 @@
                 </a:solidFill>
                 <a:latin typeface="Avenir Book" panose="02000503020000020003" pitchFamily="2" charset="0"/>
               </a:rPr>
-              <a:t>figures-6 : 4-bit local quantum Fourier transformation</a:t>
+              <a:t>figures-6 : two-qubit-gate-global-to-local-mapping-different-processor-using-cat-state</a:t>
             </a:r>
             <a:endParaRPr lang="en-US" sz="800" dirty="0">
               <a:solidFill>
@@ -5414,10 +5579,295 @@
           </a:p>
         </p:txBody>
       </p:sp>
+      <p:sp>
+        <p:nvSpPr>
+          <p:cNvPr id="11" name="Rounded Rectangle 10">
+            <a:extLst>
+              <a:ext uri="{FF2B5EF4-FFF2-40B4-BE49-F238E27FC236}">
+                <a16:creationId xmlns:a16="http://schemas.microsoft.com/office/drawing/2014/main" id="{B2C00975-1DEE-0E1C-5E32-BBC6364D8F59}"/>
+              </a:ext>
+            </a:extLst>
+          </p:cNvPr>
+          <p:cNvSpPr/>
+          <p:nvPr/>
+        </p:nvSpPr>
+        <p:spPr>
+          <a:xfrm>
+            <a:off x="3744177" y="1186857"/>
+            <a:ext cx="3108568" cy="3700453"/>
+          </a:xfrm>
+          <a:prstGeom prst="roundRect">
+            <a:avLst>
+              <a:gd name="adj" fmla="val 1708"/>
+            </a:avLst>
+          </a:prstGeom>
+          <a:noFill/>
+          <a:ln>
+            <a:solidFill>
+              <a:srgbClr val="FF0000"/>
+            </a:solidFill>
+            <a:prstDash val="dash"/>
+          </a:ln>
+        </p:spPr>
+        <p:style>
+          <a:lnRef idx="2">
+            <a:schemeClr val="accent1">
+              <a:shade val="50000"/>
+            </a:schemeClr>
+          </a:lnRef>
+          <a:fillRef idx="1">
+            <a:schemeClr val="accent1"/>
+          </a:fillRef>
+          <a:effectRef idx="0">
+            <a:schemeClr val="accent1"/>
+          </a:effectRef>
+          <a:fontRef idx="minor">
+            <a:schemeClr val="lt1"/>
+          </a:fontRef>
+        </p:style>
+        <p:txBody>
+          <a:bodyPr rtlCol="0" anchor="ctr"/>
+          <a:lstStyle/>
+          <a:p>
+            <a:pPr algn="ctr"/>
+            <a:endParaRPr lang="en-US" dirty="0"/>
+          </a:p>
+        </p:txBody>
+      </p:sp>
+      <p:sp>
+        <p:nvSpPr>
+          <p:cNvPr id="14" name="Rounded Rectangle 13">
+            <a:extLst>
+              <a:ext uri="{FF2B5EF4-FFF2-40B4-BE49-F238E27FC236}">
+                <a16:creationId xmlns:a16="http://schemas.microsoft.com/office/drawing/2014/main" id="{21112445-FDA8-E791-C791-334F3D375EF5}"/>
+              </a:ext>
+            </a:extLst>
+          </p:cNvPr>
+          <p:cNvSpPr/>
+          <p:nvPr/>
+        </p:nvSpPr>
+        <p:spPr>
+          <a:xfrm>
+            <a:off x="6931490" y="3321269"/>
+            <a:ext cx="425751" cy="726106"/>
+          </a:xfrm>
+          <a:prstGeom prst="roundRect">
+            <a:avLst>
+              <a:gd name="adj" fmla="val 14858"/>
+            </a:avLst>
+          </a:prstGeom>
+          <a:noFill/>
+          <a:ln>
+            <a:solidFill>
+              <a:srgbClr val="FF0000"/>
+            </a:solidFill>
+            <a:prstDash val="dash"/>
+          </a:ln>
+        </p:spPr>
+        <p:style>
+          <a:lnRef idx="2">
+            <a:schemeClr val="accent1">
+              <a:shade val="50000"/>
+            </a:schemeClr>
+          </a:lnRef>
+          <a:fillRef idx="1">
+            <a:schemeClr val="accent1"/>
+          </a:fillRef>
+          <a:effectRef idx="0">
+            <a:schemeClr val="accent1"/>
+          </a:effectRef>
+          <a:fontRef idx="minor">
+            <a:schemeClr val="lt1"/>
+          </a:fontRef>
+        </p:style>
+        <p:txBody>
+          <a:bodyPr rtlCol="0" anchor="ctr"/>
+          <a:lstStyle/>
+          <a:p>
+            <a:pPr algn="ctr"/>
+            <a:endParaRPr lang="en-US" dirty="0"/>
+          </a:p>
+        </p:txBody>
+      </p:sp>
+      <p:sp>
+        <p:nvSpPr>
+          <p:cNvPr id="19" name="Rounded Rectangle 18">
+            <a:extLst>
+              <a:ext uri="{FF2B5EF4-FFF2-40B4-BE49-F238E27FC236}">
+                <a16:creationId xmlns:a16="http://schemas.microsoft.com/office/drawing/2014/main" id="{6E78548C-1B03-1A06-30CB-022CE8FC11A6}"/>
+              </a:ext>
+            </a:extLst>
+          </p:cNvPr>
+          <p:cNvSpPr/>
+          <p:nvPr/>
+        </p:nvSpPr>
+        <p:spPr>
+          <a:xfrm>
+            <a:off x="7417634" y="1186857"/>
+            <a:ext cx="1736876" cy="3700453"/>
+          </a:xfrm>
+          <a:prstGeom prst="roundRect">
+            <a:avLst>
+              <a:gd name="adj" fmla="val 1708"/>
+            </a:avLst>
+          </a:prstGeom>
+          <a:noFill/>
+          <a:ln>
+            <a:solidFill>
+              <a:srgbClr val="FF0000"/>
+            </a:solidFill>
+            <a:prstDash val="dash"/>
+          </a:ln>
+        </p:spPr>
+        <p:style>
+          <a:lnRef idx="2">
+            <a:schemeClr val="accent1">
+              <a:shade val="50000"/>
+            </a:schemeClr>
+          </a:lnRef>
+          <a:fillRef idx="1">
+            <a:schemeClr val="accent1"/>
+          </a:fillRef>
+          <a:effectRef idx="0">
+            <a:schemeClr val="accent1"/>
+          </a:effectRef>
+          <a:fontRef idx="minor">
+            <a:schemeClr val="lt1"/>
+          </a:fontRef>
+        </p:style>
+        <p:txBody>
+          <a:bodyPr rtlCol="0" anchor="ctr"/>
+          <a:lstStyle/>
+          <a:p>
+            <a:pPr algn="ctr"/>
+            <a:endParaRPr lang="en-US" dirty="0"/>
+          </a:p>
+        </p:txBody>
+      </p:sp>
+      <p:sp>
+        <p:nvSpPr>
+          <p:cNvPr id="20" name="TextBox 19">
+            <a:extLst>
+              <a:ext uri="{FF2B5EF4-FFF2-40B4-BE49-F238E27FC236}">
+                <a16:creationId xmlns:a16="http://schemas.microsoft.com/office/drawing/2014/main" id="{1EE7B839-EACF-39D6-FFA5-7D65EBEE29B0}"/>
+              </a:ext>
+            </a:extLst>
+          </p:cNvPr>
+          <p:cNvSpPr txBox="1"/>
+          <p:nvPr/>
+        </p:nvSpPr>
+        <p:spPr>
+          <a:xfrm rot="16200000">
+            <a:off x="3568328" y="734008"/>
+            <a:ext cx="628698" cy="276999"/>
+          </a:xfrm>
+          <a:prstGeom prst="rect">
+            <a:avLst/>
+          </a:prstGeom>
+          <a:noFill/>
+        </p:spPr>
+        <p:txBody>
+          <a:bodyPr wrap="none" rtlCol="0">
+            <a:spAutoFit/>
+          </a:bodyPr>
+          <a:lstStyle/>
+          <a:p>
+            <a:r>
+              <a:rPr lang="en-US" sz="1200" dirty="0">
+                <a:solidFill>
+                  <a:srgbClr val="FF0000"/>
+                </a:solidFill>
+                <a:latin typeface="Avenir Book" panose="02000503020000020003" pitchFamily="2" charset="0"/>
+              </a:rPr>
+              <a:t>Step 1</a:t>
+            </a:r>
+          </a:p>
+        </p:txBody>
+      </p:sp>
+      <p:sp>
+        <p:nvSpPr>
+          <p:cNvPr id="21" name="TextBox 20">
+            <a:extLst>
+              <a:ext uri="{FF2B5EF4-FFF2-40B4-BE49-F238E27FC236}">
+                <a16:creationId xmlns:a16="http://schemas.microsoft.com/office/drawing/2014/main" id="{CDA28961-11D8-D843-2C0E-7201CA087906}"/>
+              </a:ext>
+            </a:extLst>
+          </p:cNvPr>
+          <p:cNvSpPr txBox="1"/>
+          <p:nvPr/>
+        </p:nvSpPr>
+        <p:spPr>
+          <a:xfrm rot="16200000">
+            <a:off x="6727132" y="2919268"/>
+            <a:ext cx="628698" cy="276999"/>
+          </a:xfrm>
+          <a:prstGeom prst="rect">
+            <a:avLst/>
+          </a:prstGeom>
+          <a:noFill/>
+        </p:spPr>
+        <p:txBody>
+          <a:bodyPr wrap="none" rtlCol="0">
+            <a:spAutoFit/>
+          </a:bodyPr>
+          <a:lstStyle/>
+          <a:p>
+            <a:r>
+              <a:rPr lang="en-US" sz="1200" dirty="0">
+                <a:solidFill>
+                  <a:srgbClr val="FF0000"/>
+                </a:solidFill>
+                <a:latin typeface="Avenir Book" panose="02000503020000020003" pitchFamily="2" charset="0"/>
+              </a:rPr>
+              <a:t>Step 2</a:t>
+            </a:r>
+          </a:p>
+        </p:txBody>
+      </p:sp>
+      <p:sp>
+        <p:nvSpPr>
+          <p:cNvPr id="22" name="TextBox 21">
+            <a:extLst>
+              <a:ext uri="{FF2B5EF4-FFF2-40B4-BE49-F238E27FC236}">
+                <a16:creationId xmlns:a16="http://schemas.microsoft.com/office/drawing/2014/main" id="{10BF675B-A742-84FB-49A1-ACD6FD76311E}"/>
+              </a:ext>
+            </a:extLst>
+          </p:cNvPr>
+          <p:cNvSpPr txBox="1"/>
+          <p:nvPr/>
+        </p:nvSpPr>
+        <p:spPr>
+          <a:xfrm rot="16200000">
+            <a:off x="7241786" y="770607"/>
+            <a:ext cx="628698" cy="276999"/>
+          </a:xfrm>
+          <a:prstGeom prst="rect">
+            <a:avLst/>
+          </a:prstGeom>
+          <a:noFill/>
+        </p:spPr>
+        <p:txBody>
+          <a:bodyPr wrap="none" rtlCol="0">
+            <a:spAutoFit/>
+          </a:bodyPr>
+          <a:lstStyle/>
+          <a:p>
+            <a:r>
+              <a:rPr lang="en-US" sz="1200" dirty="0">
+                <a:solidFill>
+                  <a:srgbClr val="FF0000"/>
+                </a:solidFill>
+                <a:latin typeface="Avenir Book" panose="02000503020000020003" pitchFamily="2" charset="0"/>
+              </a:rPr>
+              <a:t>Step 3</a:t>
+            </a:r>
+          </a:p>
+        </p:txBody>
+      </p:sp>
     </p:spTree>
     <p:extLst>
       <p:ext uri="{BB962C8B-B14F-4D97-AF65-F5344CB8AC3E}">
-        <p14:creationId xmlns:p14="http://schemas.microsoft.com/office/powerpoint/2010/main" val="2275931222"/>
+        <p14:creationId xmlns:p14="http://schemas.microsoft.com/office/powerpoint/2010/main" val="3105227505"/>
       </p:ext>
     </p:extLst>
   </p:cSld>
@@ -5444,42 +5894,12 @@
           <a:chExt cx="0" cy="0"/>
         </a:xfrm>
       </p:grpSpPr>
-      <p:pic>
-        <p:nvPicPr>
-          <p:cNvPr id="2" name="Picture 1">
-            <a:extLst>
-              <a:ext uri="{FF2B5EF4-FFF2-40B4-BE49-F238E27FC236}">
-                <a16:creationId xmlns:a16="http://schemas.microsoft.com/office/drawing/2014/main" id="{49C3CE69-8119-3BB7-DA97-9615E5420FA0}"/>
-              </a:ext>
-            </a:extLst>
-          </p:cNvPr>
-          <p:cNvPicPr>
-            <a:picLocks noChangeAspect="1"/>
-          </p:cNvPicPr>
-          <p:nvPr/>
-        </p:nvPicPr>
-        <p:blipFill>
-          <a:blip r:embed="rId2"/>
-          <a:stretch>
-            <a:fillRect/>
-          </a:stretch>
-        </p:blipFill>
-        <p:spPr>
-          <a:xfrm>
-            <a:off x="1134544" y="2140521"/>
-            <a:ext cx="10070486" cy="2576958"/>
-          </a:xfrm>
-          <a:prstGeom prst="rect">
-            <a:avLst/>
-          </a:prstGeom>
-        </p:spPr>
-      </p:pic>
-      <p:sp>
-        <p:nvSpPr>
-          <p:cNvPr id="3" name="Rectangle 2">
-            <a:extLst>
-              <a:ext uri="{FF2B5EF4-FFF2-40B4-BE49-F238E27FC236}">
-                <a16:creationId xmlns:a16="http://schemas.microsoft.com/office/drawing/2014/main" id="{8EC5EBF3-0EC5-F92B-C108-DA02173BFBE6}"/>
+      <p:sp>
+        <p:nvSpPr>
+          <p:cNvPr id="12" name="Rectangle 11">
+            <a:extLst>
+              <a:ext uri="{FF2B5EF4-FFF2-40B4-BE49-F238E27FC236}">
+                <a16:creationId xmlns:a16="http://schemas.microsoft.com/office/drawing/2014/main" id="{53A239F0-9EF5-41F4-B7C9-9C3B5BB509D1}"/>
               </a:ext>
             </a:extLst>
           </p:cNvPr>
@@ -5528,12 +5948,42 @@
           </a:p>
         </p:txBody>
       </p:sp>
-      <p:sp>
-        <p:nvSpPr>
-          <p:cNvPr id="4" name="TextBox 3">
-            <a:extLst>
-              <a:ext uri="{FF2B5EF4-FFF2-40B4-BE49-F238E27FC236}">
-                <a16:creationId xmlns:a16="http://schemas.microsoft.com/office/drawing/2014/main" id="{D1E2D570-0021-0772-9537-D4427AC2480F}"/>
+      <p:pic>
+        <p:nvPicPr>
+          <p:cNvPr id="2" name="Picture 1">
+            <a:extLst>
+              <a:ext uri="{FF2B5EF4-FFF2-40B4-BE49-F238E27FC236}">
+                <a16:creationId xmlns:a16="http://schemas.microsoft.com/office/drawing/2014/main" id="{D89E6012-84EB-FE69-715D-A362EB7C0045}"/>
+              </a:ext>
+            </a:extLst>
+          </p:cNvPr>
+          <p:cNvPicPr>
+            <a:picLocks noChangeAspect="1"/>
+          </p:cNvPicPr>
+          <p:nvPr/>
+        </p:nvPicPr>
+        <p:blipFill>
+          <a:blip r:embed="rId2"/>
+          <a:stretch>
+            <a:fillRect/>
+          </a:stretch>
+        </p:blipFill>
+        <p:spPr>
+          <a:xfrm>
+            <a:off x="948558" y="1965434"/>
+            <a:ext cx="10743381" cy="2704692"/>
+          </a:xfrm>
+          <a:prstGeom prst="rect">
+            <a:avLst/>
+          </a:prstGeom>
+        </p:spPr>
+      </p:pic>
+      <p:sp>
+        <p:nvSpPr>
+          <p:cNvPr id="3" name="TextBox 2">
+            <a:extLst>
+              <a:ext uri="{FF2B5EF4-FFF2-40B4-BE49-F238E27FC236}">
+                <a16:creationId xmlns:a16="http://schemas.microsoft.com/office/drawing/2014/main" id="{2063DB09-F118-F601-A9B2-53BB088FEDAA}"/>
               </a:ext>
             </a:extLst>
           </p:cNvPr>
@@ -5543,7 +5993,7 @@
         <p:spPr>
           <a:xfrm>
             <a:off x="201009" y="4876753"/>
-            <a:ext cx="3316934" cy="246221"/>
+            <a:ext cx="3209533" cy="246221"/>
           </a:xfrm>
           <a:prstGeom prst="rect">
             <a:avLst/>
@@ -5565,7 +6015,7 @@
                 </a:solidFill>
                 <a:latin typeface="Avenir Book" panose="02000503020000020003" pitchFamily="2" charset="0"/>
               </a:rPr>
-              <a:t>figures-7 : Bloch multi-vector for 4-bit QFT with input 3</a:t>
+              <a:t>figures-7 : 4-bit local quantum Fourier transformation</a:t>
             </a:r>
             <a:endParaRPr lang="en-US" sz="800" dirty="0">
               <a:solidFill>
@@ -5581,7 +6031,7 @@
     </p:spTree>
     <p:extLst>
       <p:ext uri="{BB962C8B-B14F-4D97-AF65-F5344CB8AC3E}">
-        <p14:creationId xmlns:p14="http://schemas.microsoft.com/office/powerpoint/2010/main" val="3874470473"/>
+        <p14:creationId xmlns:p14="http://schemas.microsoft.com/office/powerpoint/2010/main" val="2275931222"/>
       </p:ext>
     </p:extLst>
   </p:cSld>
@@ -5613,7 +6063,7 @@
           <p:cNvPr id="2" name="Picture 1">
             <a:extLst>
               <a:ext uri="{FF2B5EF4-FFF2-40B4-BE49-F238E27FC236}">
-                <a16:creationId xmlns:a16="http://schemas.microsoft.com/office/drawing/2014/main" id="{1460B762-9644-4936-210D-81AD5A52D13D}"/>
+                <a16:creationId xmlns:a16="http://schemas.microsoft.com/office/drawing/2014/main" id="{49C3CE69-8119-3BB7-DA97-9615E5420FA0}"/>
               </a:ext>
             </a:extLst>
           </p:cNvPr>
@@ -5630,8 +6080,8 @@
         </p:blipFill>
         <p:spPr>
           <a:xfrm>
-            <a:off x="1663262" y="1460937"/>
-            <a:ext cx="9343728" cy="3603411"/>
+            <a:off x="1134544" y="2140521"/>
+            <a:ext cx="10070486" cy="2576958"/>
           </a:xfrm>
           <a:prstGeom prst="rect">
             <a:avLst/>
@@ -5643,7 +6093,7 @@
           <p:cNvPr id="3" name="Rectangle 2">
             <a:extLst>
               <a:ext uri="{FF2B5EF4-FFF2-40B4-BE49-F238E27FC236}">
-                <a16:creationId xmlns:a16="http://schemas.microsoft.com/office/drawing/2014/main" id="{421FE0EC-03B0-0015-3D11-701461754577}"/>
+                <a16:creationId xmlns:a16="http://schemas.microsoft.com/office/drawing/2014/main" id="{8EC5EBF3-0EC5-F92B-C108-DA02173BFBE6}"/>
               </a:ext>
             </a:extLst>
           </p:cNvPr>
@@ -5697,7 +6147,7 @@
           <p:cNvPr id="4" name="TextBox 3">
             <a:extLst>
               <a:ext uri="{FF2B5EF4-FFF2-40B4-BE49-F238E27FC236}">
-                <a16:creationId xmlns:a16="http://schemas.microsoft.com/office/drawing/2014/main" id="{EED4190C-48A5-0B8A-E7FE-5459AA1721BB}"/>
+                <a16:creationId xmlns:a16="http://schemas.microsoft.com/office/drawing/2014/main" id="{D1E2D570-0021-0772-9537-D4427AC2480F}"/>
               </a:ext>
             </a:extLst>
           </p:cNvPr>
@@ -5707,7 +6157,7 @@
         <p:spPr>
           <a:xfrm>
             <a:off x="201009" y="4876753"/>
-            <a:ext cx="3592650" cy="246221"/>
+            <a:ext cx="3316934" cy="246221"/>
           </a:xfrm>
           <a:prstGeom prst="rect">
             <a:avLst/>
@@ -5729,7 +6179,7 @@
                 </a:solidFill>
                 <a:latin typeface="Avenir Book" panose="02000503020000020003" pitchFamily="2" charset="0"/>
               </a:rPr>
-              <a:t>figures-8 : Density matrix city plot for 4-bit QFT with input 3</a:t>
+              <a:t>figures-8 : Bloch multi-vector for 4-bit QFT with input 3</a:t>
             </a:r>
             <a:endParaRPr lang="en-US" sz="800" dirty="0">
               <a:solidFill>
@@ -5745,7 +6195,7 @@
     </p:spTree>
     <p:extLst>
       <p:ext uri="{BB962C8B-B14F-4D97-AF65-F5344CB8AC3E}">
-        <p14:creationId xmlns:p14="http://schemas.microsoft.com/office/powerpoint/2010/main" val="1268461441"/>
+        <p14:creationId xmlns:p14="http://schemas.microsoft.com/office/powerpoint/2010/main" val="3874470473"/>
       </p:ext>
     </p:extLst>
   </p:cSld>

--- a/docs/figures/figures.pptx
+++ b/docs/figures/figures.pptx
@@ -14,7 +14,6 @@
     <p:sldId id="267" r:id="rId8"/>
     <p:sldId id="258" r:id="rId9"/>
     <p:sldId id="259" r:id="rId10"/>
-    <p:sldId id="260" r:id="rId11"/>
   </p:sldIdLst>
   <p:sldSz cx="12192000" cy="6858000"/>
   <p:notesSz cx="6858000" cy="9144000"/>
@@ -3482,170 +3481,6 @@
 </p:sld>
 </file>
 
-<file path=ppt/slides/slide10.xml><?xml version="1.0" encoding="utf-8"?>
-<p:sld xmlns:a="http://schemas.openxmlformats.org/drawingml/2006/main" xmlns:r="http://schemas.openxmlformats.org/officeDocument/2006/relationships" xmlns:p="http://schemas.openxmlformats.org/presentationml/2006/main">
-  <p:cSld>
-    <p:spTree>
-      <p:nvGrpSpPr>
-        <p:cNvPr id="1" name=""/>
-        <p:cNvGrpSpPr/>
-        <p:nvPr/>
-      </p:nvGrpSpPr>
-      <p:grpSpPr>
-        <a:xfrm>
-          <a:off x="0" y="0"/>
-          <a:ext cx="0" cy="0"/>
-          <a:chOff x="0" y="0"/>
-          <a:chExt cx="0" cy="0"/>
-        </a:xfrm>
-      </p:grpSpPr>
-      <p:pic>
-        <p:nvPicPr>
-          <p:cNvPr id="2" name="Picture 1">
-            <a:extLst>
-              <a:ext uri="{FF2B5EF4-FFF2-40B4-BE49-F238E27FC236}">
-                <a16:creationId xmlns:a16="http://schemas.microsoft.com/office/drawing/2014/main" id="{1460B762-9644-4936-210D-81AD5A52D13D}"/>
-              </a:ext>
-            </a:extLst>
-          </p:cNvPr>
-          <p:cNvPicPr>
-            <a:picLocks noChangeAspect="1"/>
-          </p:cNvPicPr>
-          <p:nvPr/>
-        </p:nvPicPr>
-        <p:blipFill>
-          <a:blip r:embed="rId2"/>
-          <a:stretch>
-            <a:fillRect/>
-          </a:stretch>
-        </p:blipFill>
-        <p:spPr>
-          <a:xfrm>
-            <a:off x="1663262" y="1460937"/>
-            <a:ext cx="9343728" cy="3603411"/>
-          </a:xfrm>
-          <a:prstGeom prst="rect">
-            <a:avLst/>
-          </a:prstGeom>
-        </p:spPr>
-      </p:pic>
-      <p:sp>
-        <p:nvSpPr>
-          <p:cNvPr id="3" name="Rectangle 2">
-            <a:extLst>
-              <a:ext uri="{FF2B5EF4-FFF2-40B4-BE49-F238E27FC236}">
-                <a16:creationId xmlns:a16="http://schemas.microsoft.com/office/drawing/2014/main" id="{421FE0EC-03B0-0015-3D11-701461754577}"/>
-              </a:ext>
-            </a:extLst>
-          </p:cNvPr>
-          <p:cNvSpPr/>
-          <p:nvPr/>
-        </p:nvSpPr>
-        <p:spPr>
-          <a:xfrm>
-            <a:off x="171450" y="1660634"/>
-            <a:ext cx="11872913" cy="3493870"/>
-          </a:xfrm>
-          <a:prstGeom prst="rect">
-            <a:avLst/>
-          </a:prstGeom>
-          <a:noFill/>
-          <a:ln>
-            <a:solidFill>
-              <a:schemeClr val="bg1">
-                <a:lumMod val="85000"/>
-              </a:schemeClr>
-            </a:solidFill>
-          </a:ln>
-        </p:spPr>
-        <p:style>
-          <a:lnRef idx="2">
-            <a:schemeClr val="accent1">
-              <a:shade val="50000"/>
-            </a:schemeClr>
-          </a:lnRef>
-          <a:fillRef idx="1">
-            <a:schemeClr val="accent1"/>
-          </a:fillRef>
-          <a:effectRef idx="0">
-            <a:schemeClr val="accent1"/>
-          </a:effectRef>
-          <a:fontRef idx="minor">
-            <a:schemeClr val="lt1"/>
-          </a:fontRef>
-        </p:style>
-        <p:txBody>
-          <a:bodyPr rtlCol="0" anchor="ctr"/>
-          <a:lstStyle/>
-          <a:p>
-            <a:pPr algn="ctr"/>
-            <a:endParaRPr lang="en-US"/>
-          </a:p>
-        </p:txBody>
-      </p:sp>
-      <p:sp>
-        <p:nvSpPr>
-          <p:cNvPr id="4" name="TextBox 3">
-            <a:extLst>
-              <a:ext uri="{FF2B5EF4-FFF2-40B4-BE49-F238E27FC236}">
-                <a16:creationId xmlns:a16="http://schemas.microsoft.com/office/drawing/2014/main" id="{EED4190C-48A5-0B8A-E7FE-5459AA1721BB}"/>
-              </a:ext>
-            </a:extLst>
-          </p:cNvPr>
-          <p:cNvSpPr txBox="1"/>
-          <p:nvPr/>
-        </p:nvSpPr>
-        <p:spPr>
-          <a:xfrm>
-            <a:off x="201009" y="4876753"/>
-            <a:ext cx="3592650" cy="246221"/>
-          </a:xfrm>
-          <a:prstGeom prst="rect">
-            <a:avLst/>
-          </a:prstGeom>
-          <a:noFill/>
-        </p:spPr>
-        <p:txBody>
-          <a:bodyPr wrap="none" rtlCol="0">
-            <a:spAutoFit/>
-          </a:bodyPr>
-          <a:lstStyle/>
-          <a:p>
-            <a:r>
-              <a:rPr lang="en-US" sz="1000" dirty="0">
-                <a:solidFill>
-                  <a:schemeClr val="bg1">
-                    <a:lumMod val="75000"/>
-                  </a:schemeClr>
-                </a:solidFill>
-                <a:latin typeface="Avenir Book" panose="02000503020000020003" pitchFamily="2" charset="0"/>
-              </a:rPr>
-              <a:t>figures-9 : Density matrix city plot for 4-bit QFT with input 3</a:t>
-            </a:r>
-            <a:endParaRPr lang="en-US" sz="800" dirty="0">
-              <a:solidFill>
-                <a:schemeClr val="bg1">
-                  <a:lumMod val="75000"/>
-                </a:schemeClr>
-              </a:solidFill>
-              <a:latin typeface="Avenir Book" panose="02000503020000020003" pitchFamily="2" charset="0"/>
-            </a:endParaRPr>
-          </a:p>
-        </p:txBody>
-      </p:sp>
-    </p:spTree>
-    <p:extLst>
-      <p:ext uri="{BB962C8B-B14F-4D97-AF65-F5344CB8AC3E}">
-        <p14:creationId xmlns:p14="http://schemas.microsoft.com/office/powerpoint/2010/main" val="1268461441"/>
-      </p:ext>
-    </p:extLst>
-  </p:cSld>
-  <p:clrMapOvr>
-    <a:masterClrMapping/>
-  </p:clrMapOvr>
-</p:sld>
-</file>
-
 <file path=ppt/slides/slide2.xml><?xml version="1.0" encoding="utf-8"?>
 <p:sld xmlns:a="http://schemas.openxmlformats.org/drawingml/2006/main" xmlns:r="http://schemas.openxmlformats.org/officeDocument/2006/relationships" xmlns:p="http://schemas.openxmlformats.org/presentationml/2006/main">
   <p:cSld>
@@ -5908,8 +5743,8 @@
         </p:nvSpPr>
         <p:spPr>
           <a:xfrm>
-            <a:off x="171450" y="1660634"/>
-            <a:ext cx="11872913" cy="3493870"/>
+            <a:off x="171450" y="2049927"/>
+            <a:ext cx="11872913" cy="2758145"/>
           </a:xfrm>
           <a:prstGeom prst="rect">
             <a:avLst/>
@@ -5948,12 +5783,62 @@
           </a:p>
         </p:txBody>
       </p:sp>
+      <p:sp>
+        <p:nvSpPr>
+          <p:cNvPr id="3" name="TextBox 2">
+            <a:extLst>
+              <a:ext uri="{FF2B5EF4-FFF2-40B4-BE49-F238E27FC236}">
+                <a16:creationId xmlns:a16="http://schemas.microsoft.com/office/drawing/2014/main" id="{2063DB09-F118-F601-A9B2-53BB088FEDAA}"/>
+              </a:ext>
+            </a:extLst>
+          </p:cNvPr>
+          <p:cNvSpPr txBox="1"/>
+          <p:nvPr/>
+        </p:nvSpPr>
+        <p:spPr>
+          <a:xfrm>
+            <a:off x="201009" y="4530322"/>
+            <a:ext cx="3209533" cy="246221"/>
+          </a:xfrm>
+          <a:prstGeom prst="rect">
+            <a:avLst/>
+          </a:prstGeom>
+          <a:noFill/>
+        </p:spPr>
+        <p:txBody>
+          <a:bodyPr wrap="none" rtlCol="0">
+            <a:spAutoFit/>
+          </a:bodyPr>
+          <a:lstStyle/>
+          <a:p>
+            <a:r>
+              <a:rPr lang="en-US" sz="1000" dirty="0">
+                <a:solidFill>
+                  <a:schemeClr val="bg1">
+                    <a:lumMod val="75000"/>
+                  </a:schemeClr>
+                </a:solidFill>
+                <a:latin typeface="Avenir Book" panose="02000503020000020003" pitchFamily="2" charset="0"/>
+              </a:rPr>
+              <a:t>figures-7 : 4-bit local quantum Fourier transformation</a:t>
+            </a:r>
+            <a:endParaRPr lang="en-US" sz="800" dirty="0">
+              <a:solidFill>
+                <a:schemeClr val="bg1">
+                  <a:lumMod val="75000"/>
+                </a:schemeClr>
+              </a:solidFill>
+              <a:latin typeface="Avenir Book" panose="02000503020000020003" pitchFamily="2" charset="0"/>
+            </a:endParaRPr>
+          </a:p>
+        </p:txBody>
+      </p:sp>
       <p:pic>
         <p:nvPicPr>
-          <p:cNvPr id="2" name="Picture 1">
-            <a:extLst>
-              <a:ext uri="{FF2B5EF4-FFF2-40B4-BE49-F238E27FC236}">
-                <a16:creationId xmlns:a16="http://schemas.microsoft.com/office/drawing/2014/main" id="{D89E6012-84EB-FE69-715D-A362EB7C0045}"/>
+          <p:cNvPr id="4" name="Picture 3">
+            <a:extLst>
+              <a:ext uri="{FF2B5EF4-FFF2-40B4-BE49-F238E27FC236}">
+                <a16:creationId xmlns:a16="http://schemas.microsoft.com/office/drawing/2014/main" id="{C38F742D-F629-7466-312D-4C428E87250E}"/>
               </a:ext>
             </a:extLst>
           </p:cNvPr>
@@ -5970,64 +5855,14 @@
         </p:blipFill>
         <p:spPr>
           <a:xfrm>
-            <a:off x="948558" y="1965434"/>
-            <a:ext cx="10743381" cy="2704692"/>
+            <a:off x="702286" y="2240347"/>
+            <a:ext cx="11016749" cy="2413085"/>
           </a:xfrm>
           <a:prstGeom prst="rect">
             <a:avLst/>
           </a:prstGeom>
         </p:spPr>
       </p:pic>
-      <p:sp>
-        <p:nvSpPr>
-          <p:cNvPr id="3" name="TextBox 2">
-            <a:extLst>
-              <a:ext uri="{FF2B5EF4-FFF2-40B4-BE49-F238E27FC236}">
-                <a16:creationId xmlns:a16="http://schemas.microsoft.com/office/drawing/2014/main" id="{2063DB09-F118-F601-A9B2-53BB088FEDAA}"/>
-              </a:ext>
-            </a:extLst>
-          </p:cNvPr>
-          <p:cNvSpPr txBox="1"/>
-          <p:nvPr/>
-        </p:nvSpPr>
-        <p:spPr>
-          <a:xfrm>
-            <a:off x="201009" y="4876753"/>
-            <a:ext cx="3209533" cy="246221"/>
-          </a:xfrm>
-          <a:prstGeom prst="rect">
-            <a:avLst/>
-          </a:prstGeom>
-          <a:noFill/>
-        </p:spPr>
-        <p:txBody>
-          <a:bodyPr wrap="none" rtlCol="0">
-            <a:spAutoFit/>
-          </a:bodyPr>
-          <a:lstStyle/>
-          <a:p>
-            <a:r>
-              <a:rPr lang="en-US" sz="1000" dirty="0">
-                <a:solidFill>
-                  <a:schemeClr val="bg1">
-                    <a:lumMod val="75000"/>
-                  </a:schemeClr>
-                </a:solidFill>
-                <a:latin typeface="Avenir Book" panose="02000503020000020003" pitchFamily="2" charset="0"/>
-              </a:rPr>
-              <a:t>figures-7 : 4-bit local quantum Fourier transformation</a:t>
-            </a:r>
-            <a:endParaRPr lang="en-US" sz="800" dirty="0">
-              <a:solidFill>
-                <a:schemeClr val="bg1">
-                  <a:lumMod val="75000"/>
-                </a:schemeClr>
-              </a:solidFill>
-              <a:latin typeface="Avenir Book" panose="02000503020000020003" pitchFamily="2" charset="0"/>
-            </a:endParaRPr>
-          </a:p>
-        </p:txBody>
-      </p:sp>
     </p:spTree>
     <p:extLst>
       <p:ext uri="{BB962C8B-B14F-4D97-AF65-F5344CB8AC3E}">
@@ -6080,7 +5915,7 @@
         </p:blipFill>
         <p:spPr>
           <a:xfrm>
-            <a:off x="1134544" y="2140521"/>
+            <a:off x="1122637" y="2134281"/>
             <a:ext cx="10070486" cy="2576958"/>
           </a:xfrm>
           <a:prstGeom prst="rect">
@@ -6102,8 +5937,8 @@
         </p:nvSpPr>
         <p:spPr>
           <a:xfrm>
-            <a:off x="171450" y="1660634"/>
-            <a:ext cx="11872913" cy="3493870"/>
+            <a:off x="159543" y="1992121"/>
+            <a:ext cx="11872913" cy="2873758"/>
           </a:xfrm>
           <a:prstGeom prst="rect">
             <a:avLst/>
@@ -6156,7 +5991,7 @@
         </p:nvSpPr>
         <p:spPr>
           <a:xfrm>
-            <a:off x="201009" y="4876753"/>
+            <a:off x="189102" y="4588129"/>
             <a:ext cx="3316934" cy="246221"/>
           </a:xfrm>
           <a:prstGeom prst="rect">

--- a/docs/figures/figures.pptx
+++ b/docs/figures/figures.pptx
@@ -14,6 +14,8 @@
     <p:sldId id="267" r:id="rId8"/>
     <p:sldId id="258" r:id="rId9"/>
     <p:sldId id="259" r:id="rId10"/>
+    <p:sldId id="268" r:id="rId11"/>
+    <p:sldId id="270" r:id="rId12"/>
   </p:sldIdLst>
   <p:sldSz cx="12192000" cy="6858000"/>
   <p:notesSz cx="6858000" cy="9144000"/>
@@ -3481,6 +3483,356 @@
 </p:sld>
 </file>
 
+<file path=ppt/slides/slide10.xml><?xml version="1.0" encoding="utf-8"?>
+<p:sld xmlns:a="http://schemas.openxmlformats.org/drawingml/2006/main" xmlns:r="http://schemas.openxmlformats.org/officeDocument/2006/relationships" xmlns:p="http://schemas.openxmlformats.org/presentationml/2006/main">
+  <p:cSld>
+    <p:spTree>
+      <p:nvGrpSpPr>
+        <p:cNvPr id="1" name=""/>
+        <p:cNvGrpSpPr/>
+        <p:nvPr/>
+      </p:nvGrpSpPr>
+      <p:grpSpPr>
+        <a:xfrm>
+          <a:off x="0" y="0"/>
+          <a:ext cx="0" cy="0"/>
+          <a:chOff x="0" y="0"/>
+          <a:chExt cx="0" cy="0"/>
+        </a:xfrm>
+      </p:grpSpPr>
+      <p:pic>
+        <p:nvPicPr>
+          <p:cNvPr id="2" name="Picture 1">
+            <a:extLst>
+              <a:ext uri="{FF2B5EF4-FFF2-40B4-BE49-F238E27FC236}">
+                <a16:creationId xmlns:a16="http://schemas.microsoft.com/office/drawing/2014/main" id="{D6E51AD2-A445-E074-AEFA-7CB381A2A863}"/>
+              </a:ext>
+            </a:extLst>
+          </p:cNvPr>
+          <p:cNvPicPr>
+            <a:picLocks noChangeAspect="1"/>
+          </p:cNvPicPr>
+          <p:nvPr/>
+        </p:nvPicPr>
+        <p:blipFill>
+          <a:blip r:embed="rId2"/>
+          <a:stretch>
+            <a:fillRect/>
+          </a:stretch>
+        </p:blipFill>
+        <p:spPr>
+          <a:xfrm>
+            <a:off x="453263" y="2940391"/>
+            <a:ext cx="11537728" cy="980331"/>
+          </a:xfrm>
+          <a:prstGeom prst="rect">
+            <a:avLst/>
+          </a:prstGeom>
+        </p:spPr>
+      </p:pic>
+      <p:sp>
+        <p:nvSpPr>
+          <p:cNvPr id="4" name="Rectangle 3">
+            <a:extLst>
+              <a:ext uri="{FF2B5EF4-FFF2-40B4-BE49-F238E27FC236}">
+                <a16:creationId xmlns:a16="http://schemas.microsoft.com/office/drawing/2014/main" id="{04F5BF74-36E0-D09D-00A4-0FD0407CD3C1}"/>
+              </a:ext>
+            </a:extLst>
+          </p:cNvPr>
+          <p:cNvSpPr/>
+          <p:nvPr/>
+        </p:nvSpPr>
+        <p:spPr>
+          <a:xfrm>
+            <a:off x="171450" y="2819400"/>
+            <a:ext cx="11872913" cy="1379072"/>
+          </a:xfrm>
+          <a:prstGeom prst="rect">
+            <a:avLst/>
+          </a:prstGeom>
+          <a:noFill/>
+          <a:ln>
+            <a:solidFill>
+              <a:schemeClr val="bg1">
+                <a:lumMod val="85000"/>
+              </a:schemeClr>
+            </a:solidFill>
+          </a:ln>
+        </p:spPr>
+        <p:style>
+          <a:lnRef idx="2">
+            <a:schemeClr val="accent1">
+              <a:shade val="50000"/>
+            </a:schemeClr>
+          </a:lnRef>
+          <a:fillRef idx="1">
+            <a:schemeClr val="accent1"/>
+          </a:fillRef>
+          <a:effectRef idx="0">
+            <a:schemeClr val="accent1"/>
+          </a:effectRef>
+          <a:fontRef idx="minor">
+            <a:schemeClr val="lt1"/>
+          </a:fontRef>
+        </p:style>
+        <p:txBody>
+          <a:bodyPr rtlCol="0" anchor="ctr"/>
+          <a:lstStyle/>
+          <a:p>
+            <a:pPr algn="ctr"/>
+            <a:endParaRPr lang="en-US"/>
+          </a:p>
+        </p:txBody>
+      </p:sp>
+      <p:sp>
+        <p:nvSpPr>
+          <p:cNvPr id="5" name="TextBox 4">
+            <a:extLst>
+              <a:ext uri="{FF2B5EF4-FFF2-40B4-BE49-F238E27FC236}">
+                <a16:creationId xmlns:a16="http://schemas.microsoft.com/office/drawing/2014/main" id="{203E900B-1AF5-8166-4554-62BAED46AEE3}"/>
+              </a:ext>
+            </a:extLst>
+          </p:cNvPr>
+          <p:cNvSpPr txBox="1"/>
+          <p:nvPr/>
+        </p:nvSpPr>
+        <p:spPr>
+          <a:xfrm>
+            <a:off x="201009" y="3920722"/>
+            <a:ext cx="4698722" cy="246221"/>
+          </a:xfrm>
+          <a:prstGeom prst="rect">
+            <a:avLst/>
+          </a:prstGeom>
+          <a:noFill/>
+        </p:spPr>
+        <p:txBody>
+          <a:bodyPr wrap="none" rtlCol="0">
+            <a:spAutoFit/>
+          </a:bodyPr>
+          <a:lstStyle/>
+          <a:p>
+            <a:r>
+              <a:rPr lang="en-US" sz="1000" dirty="0">
+                <a:solidFill>
+                  <a:schemeClr val="bg1">
+                    <a:lumMod val="75000"/>
+                  </a:schemeClr>
+                </a:solidFill>
+                <a:latin typeface="Avenir Book" panose="02000503020000020003" pitchFamily="2" charset="0"/>
+              </a:rPr>
+              <a:t>figures-9 : 4-bit-distributed-quantum-fourier-transformation-using-teleportation</a:t>
+            </a:r>
+            <a:endParaRPr lang="en-US" sz="800" dirty="0">
+              <a:solidFill>
+                <a:schemeClr val="bg1">
+                  <a:lumMod val="75000"/>
+                </a:schemeClr>
+              </a:solidFill>
+              <a:latin typeface="Avenir Book" panose="02000503020000020003" pitchFamily="2" charset="0"/>
+            </a:endParaRPr>
+          </a:p>
+        </p:txBody>
+      </p:sp>
+    </p:spTree>
+    <p:extLst>
+      <p:ext uri="{BB962C8B-B14F-4D97-AF65-F5344CB8AC3E}">
+        <p14:creationId xmlns:p14="http://schemas.microsoft.com/office/powerpoint/2010/main" val="1861607349"/>
+      </p:ext>
+    </p:extLst>
+  </p:cSld>
+  <p:clrMapOvr>
+    <a:masterClrMapping/>
+  </p:clrMapOvr>
+</p:sld>
+</file>
+
+<file path=ppt/slides/slide11.xml><?xml version="1.0" encoding="utf-8"?>
+<p:sld xmlns:a="http://schemas.openxmlformats.org/drawingml/2006/main" xmlns:r="http://schemas.openxmlformats.org/officeDocument/2006/relationships" xmlns:p="http://schemas.openxmlformats.org/presentationml/2006/main">
+  <p:cSld>
+    <p:spTree>
+      <p:nvGrpSpPr>
+        <p:cNvPr id="1" name=""/>
+        <p:cNvGrpSpPr/>
+        <p:nvPr/>
+      </p:nvGrpSpPr>
+      <p:grpSpPr>
+        <a:xfrm>
+          <a:off x="0" y="0"/>
+          <a:ext cx="0" cy="0"/>
+          <a:chOff x="0" y="0"/>
+          <a:chExt cx="0" cy="0"/>
+        </a:xfrm>
+      </p:grpSpPr>
+      <p:pic>
+        <p:nvPicPr>
+          <p:cNvPr id="5" name="Picture 4">
+            <a:extLst>
+              <a:ext uri="{FF2B5EF4-FFF2-40B4-BE49-F238E27FC236}">
+                <a16:creationId xmlns:a16="http://schemas.microsoft.com/office/drawing/2014/main" id="{98386661-2F37-C56D-6F83-F8BB16620A8C}"/>
+              </a:ext>
+            </a:extLst>
+          </p:cNvPr>
+          <p:cNvPicPr>
+            <a:picLocks noChangeAspect="1"/>
+          </p:cNvPicPr>
+          <p:nvPr/>
+        </p:nvPicPr>
+        <p:blipFill>
+          <a:blip r:embed="rId2"/>
+          <a:stretch>
+            <a:fillRect/>
+          </a:stretch>
+        </p:blipFill>
+        <p:spPr>
+          <a:xfrm>
+            <a:off x="966240" y="2078486"/>
+            <a:ext cx="10321870" cy="2632753"/>
+          </a:xfrm>
+          <a:prstGeom prst="rect">
+            <a:avLst/>
+          </a:prstGeom>
+        </p:spPr>
+      </p:pic>
+      <p:sp>
+        <p:nvSpPr>
+          <p:cNvPr id="3" name="Rectangle 2">
+            <a:extLst>
+              <a:ext uri="{FF2B5EF4-FFF2-40B4-BE49-F238E27FC236}">
+                <a16:creationId xmlns:a16="http://schemas.microsoft.com/office/drawing/2014/main" id="{8EC5EBF3-0EC5-F92B-C108-DA02173BFBE6}"/>
+              </a:ext>
+            </a:extLst>
+          </p:cNvPr>
+          <p:cNvSpPr/>
+          <p:nvPr/>
+        </p:nvSpPr>
+        <p:spPr>
+          <a:xfrm>
+            <a:off x="159543" y="1992121"/>
+            <a:ext cx="11872913" cy="2873758"/>
+          </a:xfrm>
+          <a:prstGeom prst="rect">
+            <a:avLst/>
+          </a:prstGeom>
+          <a:noFill/>
+          <a:ln>
+            <a:solidFill>
+              <a:schemeClr val="bg1">
+                <a:lumMod val="85000"/>
+              </a:schemeClr>
+            </a:solidFill>
+          </a:ln>
+        </p:spPr>
+        <p:style>
+          <a:lnRef idx="2">
+            <a:schemeClr val="accent1">
+              <a:shade val="50000"/>
+            </a:schemeClr>
+          </a:lnRef>
+          <a:fillRef idx="1">
+            <a:schemeClr val="accent1"/>
+          </a:fillRef>
+          <a:effectRef idx="0">
+            <a:schemeClr val="accent1"/>
+          </a:effectRef>
+          <a:fontRef idx="minor">
+            <a:schemeClr val="lt1"/>
+          </a:fontRef>
+        </p:style>
+        <p:txBody>
+          <a:bodyPr rtlCol="0" anchor="ctr"/>
+          <a:lstStyle/>
+          <a:p>
+            <a:pPr algn="ctr"/>
+            <a:endParaRPr lang="en-US"/>
+          </a:p>
+        </p:txBody>
+      </p:sp>
+      <p:sp>
+        <p:nvSpPr>
+          <p:cNvPr id="4" name="TextBox 3">
+            <a:extLst>
+              <a:ext uri="{FF2B5EF4-FFF2-40B4-BE49-F238E27FC236}">
+                <a16:creationId xmlns:a16="http://schemas.microsoft.com/office/drawing/2014/main" id="{D1E2D570-0021-0772-9537-D4427AC2480F}"/>
+              </a:ext>
+            </a:extLst>
+          </p:cNvPr>
+          <p:cNvSpPr txBox="1"/>
+          <p:nvPr/>
+        </p:nvSpPr>
+        <p:spPr>
+          <a:xfrm>
+            <a:off x="189102" y="4588129"/>
+            <a:ext cx="4839786" cy="246221"/>
+          </a:xfrm>
+          <a:prstGeom prst="rect">
+            <a:avLst/>
+          </a:prstGeom>
+          <a:noFill/>
+        </p:spPr>
+        <p:txBody>
+          <a:bodyPr wrap="none" rtlCol="0">
+            <a:spAutoFit/>
+          </a:bodyPr>
+          <a:lstStyle/>
+          <a:p>
+            <a:r>
+              <a:rPr lang="en-US" sz="1000" dirty="0">
+                <a:solidFill>
+                  <a:schemeClr val="bg1">
+                    <a:lumMod val="75000"/>
+                  </a:schemeClr>
+                </a:solidFill>
+                <a:latin typeface="Avenir Book" panose="02000503020000020003" pitchFamily="2" charset="0"/>
+              </a:rPr>
+              <a:t>figures-10 </a:t>
+            </a:r>
+            <a:r>
+              <a:rPr lang="en-US" sz="1000">
+                <a:solidFill>
+                  <a:schemeClr val="bg1">
+                    <a:lumMod val="75000"/>
+                  </a:schemeClr>
+                </a:solidFill>
+                <a:latin typeface="Avenir Book" panose="02000503020000020003" pitchFamily="2" charset="0"/>
+              </a:rPr>
+              <a:t>: bloch-multi-vector-for-4-bit-distributed-qft-teleport-with-input-3</a:t>
+            </a:r>
+            <a:r>
+              <a:rPr lang="en-US" sz="1000" dirty="0">
+                <a:solidFill>
+                  <a:schemeClr val="bg1">
+                    <a:lumMod val="75000"/>
+                  </a:schemeClr>
+                </a:solidFill>
+                <a:latin typeface="Avenir Book" panose="02000503020000020003" pitchFamily="2" charset="0"/>
+              </a:rPr>
+              <a:t>.png</a:t>
+            </a:r>
+            <a:endParaRPr lang="en-US" sz="800" dirty="0">
+              <a:solidFill>
+                <a:schemeClr val="bg1">
+                  <a:lumMod val="75000"/>
+                </a:schemeClr>
+              </a:solidFill>
+              <a:latin typeface="Avenir Book" panose="02000503020000020003" pitchFamily="2" charset="0"/>
+            </a:endParaRPr>
+          </a:p>
+        </p:txBody>
+      </p:sp>
+    </p:spTree>
+    <p:extLst>
+      <p:ext uri="{BB962C8B-B14F-4D97-AF65-F5344CB8AC3E}">
+        <p14:creationId xmlns:p14="http://schemas.microsoft.com/office/powerpoint/2010/main" val="1388897374"/>
+      </p:ext>
+    </p:extLst>
+  </p:cSld>
+  <p:clrMapOvr>
+    <a:masterClrMapping/>
+  </p:clrMapOvr>
+</p:sld>
+</file>
+
 <file path=ppt/slides/slide2.xml><?xml version="1.0" encoding="utf-8"?>
 <p:sld xmlns:a="http://schemas.openxmlformats.org/drawingml/2006/main" xmlns:r="http://schemas.openxmlformats.org/officeDocument/2006/relationships" xmlns:p="http://schemas.openxmlformats.org/presentationml/2006/main">
   <p:cSld>
@@ -5729,6 +6081,36 @@
           <a:chExt cx="0" cy="0"/>
         </a:xfrm>
       </p:grpSpPr>
+      <p:pic>
+        <p:nvPicPr>
+          <p:cNvPr id="4" name="Picture 3">
+            <a:extLst>
+              <a:ext uri="{FF2B5EF4-FFF2-40B4-BE49-F238E27FC236}">
+                <a16:creationId xmlns:a16="http://schemas.microsoft.com/office/drawing/2014/main" id="{C38F742D-F629-7466-312D-4C428E87250E}"/>
+              </a:ext>
+            </a:extLst>
+          </p:cNvPr>
+          <p:cNvPicPr>
+            <a:picLocks noChangeAspect="1"/>
+          </p:cNvPicPr>
+          <p:nvPr/>
+        </p:nvPicPr>
+        <p:blipFill>
+          <a:blip r:embed="rId2"/>
+          <a:stretch>
+            <a:fillRect/>
+          </a:stretch>
+        </p:blipFill>
+        <p:spPr>
+          <a:xfrm>
+            <a:off x="702286" y="2240347"/>
+            <a:ext cx="11016749" cy="2413085"/>
+          </a:xfrm>
+          <a:prstGeom prst="rect">
+            <a:avLst/>
+          </a:prstGeom>
+        </p:spPr>
+      </p:pic>
       <p:sp>
         <p:nvSpPr>
           <p:cNvPr id="12" name="Rectangle 11">
@@ -5820,7 +6202,7 @@
                 </a:solidFill>
                 <a:latin typeface="Avenir Book" panose="02000503020000020003" pitchFamily="2" charset="0"/>
               </a:rPr>
-              <a:t>figures-7 : 4-bit local quantum Fourier transformation</a:t>
+              <a:t>figures-7 : 4-bit-local-quantum-fourier-transformation</a:t>
             </a:r>
             <a:endParaRPr lang="en-US" sz="800" dirty="0">
               <a:solidFill>
@@ -5833,36 +6215,6 @@
           </a:p>
         </p:txBody>
       </p:sp>
-      <p:pic>
-        <p:nvPicPr>
-          <p:cNvPr id="4" name="Picture 3">
-            <a:extLst>
-              <a:ext uri="{FF2B5EF4-FFF2-40B4-BE49-F238E27FC236}">
-                <a16:creationId xmlns:a16="http://schemas.microsoft.com/office/drawing/2014/main" id="{C38F742D-F629-7466-312D-4C428E87250E}"/>
-              </a:ext>
-            </a:extLst>
-          </p:cNvPr>
-          <p:cNvPicPr>
-            <a:picLocks noChangeAspect="1"/>
-          </p:cNvPicPr>
-          <p:nvPr/>
-        </p:nvPicPr>
-        <p:blipFill>
-          <a:blip r:embed="rId2"/>
-          <a:stretch>
-            <a:fillRect/>
-          </a:stretch>
-        </p:blipFill>
-        <p:spPr>
-          <a:xfrm>
-            <a:off x="702286" y="2240347"/>
-            <a:ext cx="11016749" cy="2413085"/>
-          </a:xfrm>
-          <a:prstGeom prst="rect">
-            <a:avLst/>
-          </a:prstGeom>
-        </p:spPr>
-      </p:pic>
     </p:spTree>
     <p:extLst>
       <p:ext uri="{BB962C8B-B14F-4D97-AF65-F5344CB8AC3E}">

--- a/docs/figures/figures.pptx
+++ b/docs/figures/figures.pptx
@@ -16,6 +16,7 @@
     <p:sldId id="259" r:id="rId10"/>
     <p:sldId id="268" r:id="rId11"/>
     <p:sldId id="270" r:id="rId12"/>
+    <p:sldId id="271" r:id="rId13"/>
   </p:sldIdLst>
   <p:sldSz cx="12192000" cy="6858000"/>
   <p:notesSz cx="6858000" cy="9144000"/>
@@ -269,7 +270,7 @@
           <a:p>
             <a:fld id="{1D260CC7-D420-F644-9F41-59E094E33DC7}" type="datetimeFigureOut">
               <a:rPr lang="en-US" smtClean="0"/>
-              <a:t>12/20/22</a:t>
+              <a:t>1/13/23</a:t>
             </a:fld>
             <a:endParaRPr lang="en-US"/>
           </a:p>
@@ -467,7 +468,7 @@
           <a:p>
             <a:fld id="{1D260CC7-D420-F644-9F41-59E094E33DC7}" type="datetimeFigureOut">
               <a:rPr lang="en-US" smtClean="0"/>
-              <a:t>12/20/22</a:t>
+              <a:t>1/13/23</a:t>
             </a:fld>
             <a:endParaRPr lang="en-US"/>
           </a:p>
@@ -675,7 +676,7 @@
           <a:p>
             <a:fld id="{1D260CC7-D420-F644-9F41-59E094E33DC7}" type="datetimeFigureOut">
               <a:rPr lang="en-US" smtClean="0"/>
-              <a:t>12/20/22</a:t>
+              <a:t>1/13/23</a:t>
             </a:fld>
             <a:endParaRPr lang="en-US"/>
           </a:p>
@@ -873,7 +874,7 @@
           <a:p>
             <a:fld id="{1D260CC7-D420-F644-9F41-59E094E33DC7}" type="datetimeFigureOut">
               <a:rPr lang="en-US" smtClean="0"/>
-              <a:t>12/20/22</a:t>
+              <a:t>1/13/23</a:t>
             </a:fld>
             <a:endParaRPr lang="en-US"/>
           </a:p>
@@ -1148,7 +1149,7 @@
           <a:p>
             <a:fld id="{1D260CC7-D420-F644-9F41-59E094E33DC7}" type="datetimeFigureOut">
               <a:rPr lang="en-US" smtClean="0"/>
-              <a:t>12/20/22</a:t>
+              <a:t>1/13/23</a:t>
             </a:fld>
             <a:endParaRPr lang="en-US"/>
           </a:p>
@@ -1413,7 +1414,7 @@
           <a:p>
             <a:fld id="{1D260CC7-D420-F644-9F41-59E094E33DC7}" type="datetimeFigureOut">
               <a:rPr lang="en-US" smtClean="0"/>
-              <a:t>12/20/22</a:t>
+              <a:t>1/13/23</a:t>
             </a:fld>
             <a:endParaRPr lang="en-US"/>
           </a:p>
@@ -1825,7 +1826,7 @@
           <a:p>
             <a:fld id="{1D260CC7-D420-F644-9F41-59E094E33DC7}" type="datetimeFigureOut">
               <a:rPr lang="en-US" smtClean="0"/>
-              <a:t>12/20/22</a:t>
+              <a:t>1/13/23</a:t>
             </a:fld>
             <a:endParaRPr lang="en-US"/>
           </a:p>
@@ -1966,7 +1967,7 @@
           <a:p>
             <a:fld id="{1D260CC7-D420-F644-9F41-59E094E33DC7}" type="datetimeFigureOut">
               <a:rPr lang="en-US" smtClean="0"/>
-              <a:t>12/20/22</a:t>
+              <a:t>1/13/23</a:t>
             </a:fld>
             <a:endParaRPr lang="en-US"/>
           </a:p>
@@ -2079,7 +2080,7 @@
           <a:p>
             <a:fld id="{1D260CC7-D420-F644-9F41-59E094E33DC7}" type="datetimeFigureOut">
               <a:rPr lang="en-US" smtClean="0"/>
-              <a:t>12/20/22</a:t>
+              <a:t>1/13/23</a:t>
             </a:fld>
             <a:endParaRPr lang="en-US"/>
           </a:p>
@@ -2390,7 +2391,7 @@
           <a:p>
             <a:fld id="{1D260CC7-D420-F644-9F41-59E094E33DC7}" type="datetimeFigureOut">
               <a:rPr lang="en-US" smtClean="0"/>
-              <a:t>12/20/22</a:t>
+              <a:t>1/13/23</a:t>
             </a:fld>
             <a:endParaRPr lang="en-US"/>
           </a:p>
@@ -2678,7 +2679,7 @@
           <a:p>
             <a:fld id="{1D260CC7-D420-F644-9F41-59E094E33DC7}" type="datetimeFigureOut">
               <a:rPr lang="en-US" smtClean="0"/>
-              <a:t>12/20/22</a:t>
+              <a:t>1/13/23</a:t>
             </a:fld>
             <a:endParaRPr lang="en-US"/>
           </a:p>
@@ -2919,7 +2920,7 @@
           <a:p>
             <a:fld id="{1D260CC7-D420-F644-9F41-59E094E33DC7}" type="datetimeFigureOut">
               <a:rPr lang="en-US" smtClean="0"/>
-              <a:t>12/20/22</a:t>
+              <a:t>1/13/23</a:t>
             </a:fld>
             <a:endParaRPr lang="en-US"/>
           </a:p>
@@ -3785,7 +3786,1241 @@
                 </a:solidFill>
                 <a:latin typeface="Avenir Book" panose="02000503020000020003" pitchFamily="2" charset="0"/>
               </a:rPr>
-              <a:t>figures-10 </a:t>
+              <a:t>figures-10 : bloch-multi-vector-for-4-bit-distributed-qft-teleport-with-input-3.png</a:t>
+            </a:r>
+            <a:endParaRPr lang="en-US" sz="800" dirty="0">
+              <a:solidFill>
+                <a:schemeClr val="bg1">
+                  <a:lumMod val="75000"/>
+                </a:schemeClr>
+              </a:solidFill>
+              <a:latin typeface="Avenir Book" panose="02000503020000020003" pitchFamily="2" charset="0"/>
+            </a:endParaRPr>
+          </a:p>
+        </p:txBody>
+      </p:sp>
+    </p:spTree>
+    <p:extLst>
+      <p:ext uri="{BB962C8B-B14F-4D97-AF65-F5344CB8AC3E}">
+        <p14:creationId xmlns:p14="http://schemas.microsoft.com/office/powerpoint/2010/main" val="1388897374"/>
+      </p:ext>
+    </p:extLst>
+  </p:cSld>
+  <p:clrMapOvr>
+    <a:masterClrMapping/>
+  </p:clrMapOvr>
+</p:sld>
+</file>
+
+<file path=ppt/slides/slide12.xml><?xml version="1.0" encoding="utf-8"?>
+<p:sld xmlns:a="http://schemas.openxmlformats.org/drawingml/2006/main" xmlns:r="http://schemas.openxmlformats.org/officeDocument/2006/relationships" xmlns:p="http://schemas.openxmlformats.org/presentationml/2006/main">
+  <p:cSld>
+    <p:spTree>
+      <p:nvGrpSpPr>
+        <p:cNvPr id="1" name=""/>
+        <p:cNvGrpSpPr/>
+        <p:nvPr/>
+      </p:nvGrpSpPr>
+      <p:grpSpPr>
+        <a:xfrm>
+          <a:off x="0" y="0"/>
+          <a:ext cx="0" cy="0"/>
+          <a:chOff x="0" y="0"/>
+          <a:chExt cx="0" cy="0"/>
+        </a:xfrm>
+      </p:grpSpPr>
+      <p:sp>
+        <p:nvSpPr>
+          <p:cNvPr id="9" name="Rectangle 8">
+            <a:extLst>
+              <a:ext uri="{FF2B5EF4-FFF2-40B4-BE49-F238E27FC236}">
+                <a16:creationId xmlns:a16="http://schemas.microsoft.com/office/drawing/2014/main" id="{1F1A55F0-D645-52E4-5A83-81F4F91E8ADA}"/>
+              </a:ext>
+            </a:extLst>
+          </p:cNvPr>
+          <p:cNvSpPr/>
+          <p:nvPr/>
+        </p:nvSpPr>
+        <p:spPr>
+          <a:xfrm>
+            <a:off x="1005029" y="2610300"/>
+            <a:ext cx="3967653" cy="1324746"/>
+          </a:xfrm>
+          <a:prstGeom prst="rect">
+            <a:avLst/>
+          </a:prstGeom>
+          <a:solidFill>
+            <a:schemeClr val="bg1">
+              <a:lumMod val="95000"/>
+            </a:schemeClr>
+          </a:solidFill>
+          <a:ln>
+            <a:solidFill>
+              <a:schemeClr val="tx1"/>
+            </a:solidFill>
+          </a:ln>
+        </p:spPr>
+        <p:style>
+          <a:lnRef idx="2">
+            <a:schemeClr val="accent1">
+              <a:shade val="50000"/>
+            </a:schemeClr>
+          </a:lnRef>
+          <a:fillRef idx="1">
+            <a:schemeClr val="accent1"/>
+          </a:fillRef>
+          <a:effectRef idx="0">
+            <a:schemeClr val="accent1"/>
+          </a:effectRef>
+          <a:fontRef idx="minor">
+            <a:schemeClr val="lt1"/>
+          </a:fontRef>
+        </p:style>
+        <p:txBody>
+          <a:bodyPr tIns="91440" rtlCol="0" anchor="t" anchorCtr="0"/>
+          <a:lstStyle/>
+          <a:p>
+            <a:pPr algn="ctr"/>
+            <a:r>
+              <a:rPr lang="en-US" sz="1100" b="1" dirty="0">
+                <a:solidFill>
+                  <a:schemeClr val="tx1"/>
+                </a:solidFill>
+                <a:latin typeface="Avenir Book" panose="02000503020000020003" pitchFamily="2" charset="0"/>
+              </a:rPr>
+              <a:t>QNE-ADK</a:t>
+            </a:r>
+          </a:p>
+          <a:p>
+            <a:pPr algn="ctr"/>
+            <a:r>
+              <a:rPr lang="en-US" sz="1100" i="1" dirty="0">
+                <a:solidFill>
+                  <a:schemeClr val="tx1"/>
+                </a:solidFill>
+                <a:latin typeface="Avenir Book" panose="02000503020000020003" pitchFamily="2" charset="0"/>
+              </a:rPr>
+              <a:t>Application development kit</a:t>
+            </a:r>
+          </a:p>
+        </p:txBody>
+      </p:sp>
+      <p:sp>
+        <p:nvSpPr>
+          <p:cNvPr id="2" name="Rectangle 1">
+            <a:extLst>
+              <a:ext uri="{FF2B5EF4-FFF2-40B4-BE49-F238E27FC236}">
+                <a16:creationId xmlns:a16="http://schemas.microsoft.com/office/drawing/2014/main" id="{55B41ADF-2FBB-FED8-AC68-F0A9474BA900}"/>
+              </a:ext>
+            </a:extLst>
+          </p:cNvPr>
+          <p:cNvSpPr/>
+          <p:nvPr/>
+        </p:nvSpPr>
+        <p:spPr>
+          <a:xfrm>
+            <a:off x="1005029" y="1786725"/>
+            <a:ext cx="3967652" cy="699759"/>
+          </a:xfrm>
+          <a:prstGeom prst="rect">
+            <a:avLst/>
+          </a:prstGeom>
+          <a:solidFill>
+            <a:schemeClr val="bg1">
+              <a:lumMod val="95000"/>
+            </a:schemeClr>
+          </a:solidFill>
+          <a:ln>
+            <a:solidFill>
+              <a:schemeClr val="tx1"/>
+            </a:solidFill>
+          </a:ln>
+        </p:spPr>
+        <p:style>
+          <a:lnRef idx="2">
+            <a:schemeClr val="accent1">
+              <a:shade val="50000"/>
+            </a:schemeClr>
+          </a:lnRef>
+          <a:fillRef idx="1">
+            <a:schemeClr val="accent1"/>
+          </a:fillRef>
+          <a:effectRef idx="0">
+            <a:schemeClr val="accent1"/>
+          </a:effectRef>
+          <a:fontRef idx="minor">
+            <a:schemeClr val="lt1"/>
+          </a:fontRef>
+        </p:style>
+        <p:txBody>
+          <a:bodyPr rtlCol="0" anchor="ctr"/>
+          <a:lstStyle/>
+          <a:p>
+            <a:pPr algn="ctr"/>
+            <a:r>
+              <a:rPr lang="en-US" sz="1100" b="1" dirty="0">
+                <a:solidFill>
+                  <a:schemeClr val="tx1"/>
+                </a:solidFill>
+                <a:latin typeface="Avenir Book" panose="02000503020000020003" pitchFamily="2" charset="0"/>
+              </a:rPr>
+              <a:t>Distributed quantum Fourier transformation</a:t>
+            </a:r>
+          </a:p>
+          <a:p>
+            <a:pPr algn="ctr"/>
+            <a:r>
+              <a:rPr lang="en-US" sz="1100" i="1" dirty="0">
+                <a:solidFill>
+                  <a:schemeClr val="tx1"/>
+                </a:solidFill>
+                <a:latin typeface="Avenir Book" panose="02000503020000020003" pitchFamily="2" charset="0"/>
+              </a:rPr>
+              <a:t>Quantum network application</a:t>
+            </a:r>
+          </a:p>
+        </p:txBody>
+      </p:sp>
+      <p:sp>
+        <p:nvSpPr>
+          <p:cNvPr id="4" name="Rectangle 3">
+            <a:extLst>
+              <a:ext uri="{FF2B5EF4-FFF2-40B4-BE49-F238E27FC236}">
+                <a16:creationId xmlns:a16="http://schemas.microsoft.com/office/drawing/2014/main" id="{1F88E503-9FEF-6111-13B3-8AD240881952}"/>
+              </a:ext>
+            </a:extLst>
+          </p:cNvPr>
+          <p:cNvSpPr/>
+          <p:nvPr/>
+        </p:nvSpPr>
+        <p:spPr>
+          <a:xfrm>
+            <a:off x="1104876" y="3116445"/>
+            <a:ext cx="1849821" cy="699759"/>
+          </a:xfrm>
+          <a:prstGeom prst="rect">
+            <a:avLst/>
+          </a:prstGeom>
+          <a:solidFill>
+            <a:schemeClr val="bg1">
+              <a:lumMod val="95000"/>
+            </a:schemeClr>
+          </a:solidFill>
+          <a:ln>
+            <a:solidFill>
+              <a:schemeClr val="tx1"/>
+            </a:solidFill>
+          </a:ln>
+        </p:spPr>
+        <p:style>
+          <a:lnRef idx="2">
+            <a:schemeClr val="accent1">
+              <a:shade val="50000"/>
+            </a:schemeClr>
+          </a:lnRef>
+          <a:fillRef idx="1">
+            <a:schemeClr val="accent1"/>
+          </a:fillRef>
+          <a:effectRef idx="0">
+            <a:schemeClr val="accent1"/>
+          </a:effectRef>
+          <a:fontRef idx="minor">
+            <a:schemeClr val="lt1"/>
+          </a:fontRef>
+        </p:style>
+        <p:txBody>
+          <a:bodyPr rtlCol="0" anchor="ctr"/>
+          <a:lstStyle/>
+          <a:p>
+            <a:pPr algn="ctr"/>
+            <a:r>
+              <a:rPr lang="en-US" sz="1100" b="1" dirty="0">
+                <a:solidFill>
+                  <a:schemeClr val="tx1"/>
+                </a:solidFill>
+                <a:latin typeface="Avenir Book" panose="02000503020000020003" pitchFamily="2" charset="0"/>
+              </a:rPr>
+              <a:t>NetQASM</a:t>
+            </a:r>
+          </a:p>
+          <a:p>
+            <a:pPr algn="ctr"/>
+            <a:r>
+              <a:rPr lang="en-US" sz="1100" i="1" dirty="0">
+                <a:solidFill>
+                  <a:schemeClr val="tx1"/>
+                </a:solidFill>
+                <a:latin typeface="Avenir Book" panose="02000503020000020003" pitchFamily="2" charset="0"/>
+              </a:rPr>
+              <a:t>Quantum network API</a:t>
+            </a:r>
+          </a:p>
+        </p:txBody>
+      </p:sp>
+      <p:sp>
+        <p:nvSpPr>
+          <p:cNvPr id="6" name="Rectangle 5">
+            <a:extLst>
+              <a:ext uri="{FF2B5EF4-FFF2-40B4-BE49-F238E27FC236}">
+                <a16:creationId xmlns:a16="http://schemas.microsoft.com/office/drawing/2014/main" id="{FC2D9610-3867-628F-D288-A0332EB65EA0}"/>
+              </a:ext>
+            </a:extLst>
+          </p:cNvPr>
+          <p:cNvSpPr/>
+          <p:nvPr/>
+        </p:nvSpPr>
+        <p:spPr>
+          <a:xfrm>
+            <a:off x="1005029" y="4049626"/>
+            <a:ext cx="3967652" cy="699759"/>
+          </a:xfrm>
+          <a:prstGeom prst="rect">
+            <a:avLst/>
+          </a:prstGeom>
+          <a:solidFill>
+            <a:schemeClr val="bg1">
+              <a:lumMod val="95000"/>
+            </a:schemeClr>
+          </a:solidFill>
+          <a:ln>
+            <a:solidFill>
+              <a:schemeClr val="tx1"/>
+            </a:solidFill>
+          </a:ln>
+        </p:spPr>
+        <p:style>
+          <a:lnRef idx="2">
+            <a:schemeClr val="accent1">
+              <a:shade val="50000"/>
+            </a:schemeClr>
+          </a:lnRef>
+          <a:fillRef idx="1">
+            <a:schemeClr val="accent1"/>
+          </a:fillRef>
+          <a:effectRef idx="0">
+            <a:schemeClr val="accent1"/>
+          </a:effectRef>
+          <a:fontRef idx="minor">
+            <a:schemeClr val="lt1"/>
+          </a:fontRef>
+        </p:style>
+        <p:txBody>
+          <a:bodyPr rtlCol="0" anchor="ctr"/>
+          <a:lstStyle/>
+          <a:p>
+            <a:pPr algn="ctr"/>
+            <a:r>
+              <a:rPr lang="en-US" sz="1100" b="1" dirty="0">
+                <a:solidFill>
+                  <a:schemeClr val="tx1"/>
+                </a:solidFill>
+                <a:latin typeface="Avenir Book" panose="02000503020000020003" pitchFamily="2" charset="0"/>
+              </a:rPr>
+              <a:t>SquidASM</a:t>
+            </a:r>
+          </a:p>
+          <a:p>
+            <a:pPr algn="ctr"/>
+            <a:r>
+              <a:rPr lang="en-US" sz="1100" i="1" dirty="0">
+                <a:solidFill>
+                  <a:schemeClr val="tx1"/>
+                </a:solidFill>
+                <a:latin typeface="Avenir Book" panose="02000503020000020003" pitchFamily="2" charset="0"/>
+              </a:rPr>
+              <a:t>Map NetQASM to NetSquid</a:t>
+            </a:r>
+          </a:p>
+        </p:txBody>
+      </p:sp>
+      <p:sp>
+        <p:nvSpPr>
+          <p:cNvPr id="7" name="Rectangle 6">
+            <a:extLst>
+              <a:ext uri="{FF2B5EF4-FFF2-40B4-BE49-F238E27FC236}">
+                <a16:creationId xmlns:a16="http://schemas.microsoft.com/office/drawing/2014/main" id="{0D025C25-BB60-8119-B503-41FD1926B70C}"/>
+              </a:ext>
+            </a:extLst>
+          </p:cNvPr>
+          <p:cNvSpPr/>
+          <p:nvPr/>
+        </p:nvSpPr>
+        <p:spPr>
+          <a:xfrm>
+            <a:off x="1005029" y="4866972"/>
+            <a:ext cx="3967652" cy="699759"/>
+          </a:xfrm>
+          <a:prstGeom prst="rect">
+            <a:avLst/>
+          </a:prstGeom>
+          <a:solidFill>
+            <a:schemeClr val="bg1">
+              <a:lumMod val="95000"/>
+            </a:schemeClr>
+          </a:solidFill>
+          <a:ln>
+            <a:solidFill>
+              <a:schemeClr val="tx1"/>
+            </a:solidFill>
+          </a:ln>
+        </p:spPr>
+        <p:style>
+          <a:lnRef idx="2">
+            <a:schemeClr val="accent1">
+              <a:shade val="50000"/>
+            </a:schemeClr>
+          </a:lnRef>
+          <a:fillRef idx="1">
+            <a:schemeClr val="accent1"/>
+          </a:fillRef>
+          <a:effectRef idx="0">
+            <a:schemeClr val="accent1"/>
+          </a:effectRef>
+          <a:fontRef idx="minor">
+            <a:schemeClr val="lt1"/>
+          </a:fontRef>
+        </p:style>
+        <p:txBody>
+          <a:bodyPr rtlCol="0" anchor="ctr"/>
+          <a:lstStyle/>
+          <a:p>
+            <a:pPr algn="ctr"/>
+            <a:r>
+              <a:rPr lang="en-US" sz="1100" b="1" dirty="0">
+                <a:solidFill>
+                  <a:schemeClr val="tx1"/>
+                </a:solidFill>
+                <a:latin typeface="Avenir Book" panose="02000503020000020003" pitchFamily="2" charset="0"/>
+              </a:rPr>
+              <a:t>NetSquid</a:t>
+            </a:r>
+          </a:p>
+          <a:p>
+            <a:pPr algn="ctr"/>
+            <a:r>
+              <a:rPr lang="en-US" sz="1100" i="1" dirty="0">
+                <a:solidFill>
+                  <a:schemeClr val="tx1"/>
+                </a:solidFill>
+                <a:latin typeface="Avenir Book" panose="02000503020000020003" pitchFamily="2" charset="0"/>
+              </a:rPr>
+              <a:t>Quantum network simulator</a:t>
+            </a:r>
+          </a:p>
+        </p:txBody>
+      </p:sp>
+      <p:sp>
+        <p:nvSpPr>
+          <p:cNvPr id="8" name="Rectangle 7">
+            <a:extLst>
+              <a:ext uri="{FF2B5EF4-FFF2-40B4-BE49-F238E27FC236}">
+                <a16:creationId xmlns:a16="http://schemas.microsoft.com/office/drawing/2014/main" id="{73653876-8BC1-49D7-B942-8C6D9582B03E}"/>
+              </a:ext>
+            </a:extLst>
+          </p:cNvPr>
+          <p:cNvSpPr/>
+          <p:nvPr/>
+        </p:nvSpPr>
+        <p:spPr>
+          <a:xfrm>
+            <a:off x="3033524" y="3116445"/>
+            <a:ext cx="1849821" cy="699759"/>
+          </a:xfrm>
+          <a:prstGeom prst="rect">
+            <a:avLst/>
+          </a:prstGeom>
+          <a:solidFill>
+            <a:schemeClr val="bg1">
+              <a:lumMod val="95000"/>
+            </a:schemeClr>
+          </a:solidFill>
+          <a:ln>
+            <a:solidFill>
+              <a:schemeClr val="tx1"/>
+            </a:solidFill>
+          </a:ln>
+        </p:spPr>
+        <p:style>
+          <a:lnRef idx="2">
+            <a:schemeClr val="accent1">
+              <a:shade val="50000"/>
+            </a:schemeClr>
+          </a:lnRef>
+          <a:fillRef idx="1">
+            <a:schemeClr val="accent1"/>
+          </a:fillRef>
+          <a:effectRef idx="0">
+            <a:schemeClr val="accent1"/>
+          </a:effectRef>
+          <a:fontRef idx="minor">
+            <a:schemeClr val="lt1"/>
+          </a:fontRef>
+        </p:style>
+        <p:txBody>
+          <a:bodyPr rtlCol="0" anchor="ctr"/>
+          <a:lstStyle/>
+          <a:p>
+            <a:pPr algn="ctr"/>
+            <a:r>
+              <a:rPr lang="en-US" sz="1100" b="1" dirty="0">
+                <a:solidFill>
+                  <a:schemeClr val="tx1"/>
+                </a:solidFill>
+                <a:latin typeface="Avenir Book" panose="02000503020000020003" pitchFamily="2" charset="0"/>
+              </a:rPr>
+              <a:t>QNE-CLI</a:t>
+            </a:r>
+          </a:p>
+          <a:p>
+            <a:pPr algn="ctr"/>
+            <a:r>
+              <a:rPr lang="en-US" sz="1100" i="1" dirty="0">
+                <a:solidFill>
+                  <a:schemeClr val="tx1"/>
+                </a:solidFill>
+                <a:latin typeface="Avenir Book" panose="02000503020000020003" pitchFamily="2" charset="0"/>
+              </a:rPr>
+              <a:t>Command line interface</a:t>
+            </a:r>
+          </a:p>
+        </p:txBody>
+      </p:sp>
+      <p:sp>
+        <p:nvSpPr>
+          <p:cNvPr id="10" name="Rectangle 9">
+            <a:extLst>
+              <a:ext uri="{FF2B5EF4-FFF2-40B4-BE49-F238E27FC236}">
+                <a16:creationId xmlns:a16="http://schemas.microsoft.com/office/drawing/2014/main" id="{3F2CDFE3-FCF7-D349-2FFF-3805F1CD275C}"/>
+              </a:ext>
+            </a:extLst>
+          </p:cNvPr>
+          <p:cNvSpPr/>
+          <p:nvPr/>
+        </p:nvSpPr>
+        <p:spPr>
+          <a:xfrm>
+            <a:off x="833732" y="1630217"/>
+            <a:ext cx="4319080" cy="4354024"/>
+          </a:xfrm>
+          <a:prstGeom prst="rect">
+            <a:avLst/>
+          </a:prstGeom>
+          <a:noFill/>
+          <a:ln cap="rnd">
+            <a:solidFill>
+              <a:schemeClr val="tx1"/>
+            </a:solidFill>
+            <a:prstDash val="dash"/>
+          </a:ln>
+        </p:spPr>
+        <p:style>
+          <a:lnRef idx="2">
+            <a:schemeClr val="accent1">
+              <a:shade val="50000"/>
+            </a:schemeClr>
+          </a:lnRef>
+          <a:fillRef idx="1">
+            <a:schemeClr val="accent1"/>
+          </a:fillRef>
+          <a:effectRef idx="0">
+            <a:schemeClr val="accent1"/>
+          </a:effectRef>
+          <a:fontRef idx="minor">
+            <a:schemeClr val="lt1"/>
+          </a:fontRef>
+        </p:style>
+        <p:txBody>
+          <a:bodyPr bIns="91440" rtlCol="0" anchor="b" anchorCtr="0"/>
+          <a:lstStyle/>
+          <a:p>
+            <a:pPr algn="ctr"/>
+            <a:r>
+              <a:rPr lang="en-US" sz="1100" i="1" dirty="0">
+                <a:solidFill>
+                  <a:schemeClr val="tx1"/>
+                </a:solidFill>
+                <a:latin typeface="Avenir Book" panose="02000503020000020003" pitchFamily="2" charset="0"/>
+              </a:rPr>
+              <a:t>Local development environment</a:t>
+            </a:r>
+          </a:p>
+        </p:txBody>
+      </p:sp>
+      <p:sp>
+        <p:nvSpPr>
+          <p:cNvPr id="11" name="Rectangle 10">
+            <a:extLst>
+              <a:ext uri="{FF2B5EF4-FFF2-40B4-BE49-F238E27FC236}">
+                <a16:creationId xmlns:a16="http://schemas.microsoft.com/office/drawing/2014/main" id="{6330B46D-C45D-CB98-EFCD-C671FF2376E3}"/>
+              </a:ext>
+            </a:extLst>
+          </p:cNvPr>
+          <p:cNvSpPr/>
+          <p:nvPr/>
+        </p:nvSpPr>
+        <p:spPr>
+          <a:xfrm>
+            <a:off x="6383977" y="835429"/>
+            <a:ext cx="4979831" cy="5148812"/>
+          </a:xfrm>
+          <a:prstGeom prst="rect">
+            <a:avLst/>
+          </a:prstGeom>
+          <a:noFill/>
+          <a:ln cap="rnd">
+            <a:solidFill>
+              <a:schemeClr val="tx1"/>
+            </a:solidFill>
+            <a:prstDash val="dash"/>
+          </a:ln>
+        </p:spPr>
+        <p:style>
+          <a:lnRef idx="2">
+            <a:schemeClr val="accent1">
+              <a:shade val="50000"/>
+            </a:schemeClr>
+          </a:lnRef>
+          <a:fillRef idx="1">
+            <a:schemeClr val="accent1"/>
+          </a:fillRef>
+          <a:effectRef idx="0">
+            <a:schemeClr val="accent1"/>
+          </a:effectRef>
+          <a:fontRef idx="minor">
+            <a:schemeClr val="lt1"/>
+          </a:fontRef>
+        </p:style>
+        <p:txBody>
+          <a:bodyPr bIns="91440" rtlCol="0" anchor="b" anchorCtr="0"/>
+          <a:lstStyle/>
+          <a:p>
+            <a:pPr algn="ctr"/>
+            <a:r>
+              <a:rPr lang="en-US" sz="1100" i="1" dirty="0">
+                <a:solidFill>
+                  <a:schemeClr val="tx1"/>
+                </a:solidFill>
+                <a:latin typeface="Avenir Book" panose="02000503020000020003" pitchFamily="2" charset="0"/>
+              </a:rPr>
+              <a:t>QNE Cloud-hosted environment</a:t>
+            </a:r>
+          </a:p>
+        </p:txBody>
+      </p:sp>
+      <p:sp>
+        <p:nvSpPr>
+          <p:cNvPr id="12" name="Rectangle 11">
+            <a:extLst>
+              <a:ext uri="{FF2B5EF4-FFF2-40B4-BE49-F238E27FC236}">
+                <a16:creationId xmlns:a16="http://schemas.microsoft.com/office/drawing/2014/main" id="{FD91EB68-FD50-692E-2777-AF8632AE9939}"/>
+              </a:ext>
+            </a:extLst>
+          </p:cNvPr>
+          <p:cNvSpPr/>
+          <p:nvPr/>
+        </p:nvSpPr>
+        <p:spPr>
+          <a:xfrm>
+            <a:off x="6559692" y="4863965"/>
+            <a:ext cx="2228342" cy="699759"/>
+          </a:xfrm>
+          <a:prstGeom prst="rect">
+            <a:avLst/>
+          </a:prstGeom>
+          <a:solidFill>
+            <a:schemeClr val="bg1">
+              <a:lumMod val="95000"/>
+            </a:schemeClr>
+          </a:solidFill>
+          <a:ln>
+            <a:solidFill>
+              <a:schemeClr val="tx1"/>
+            </a:solidFill>
+          </a:ln>
+        </p:spPr>
+        <p:style>
+          <a:lnRef idx="2">
+            <a:schemeClr val="accent1">
+              <a:shade val="50000"/>
+            </a:schemeClr>
+          </a:lnRef>
+          <a:fillRef idx="1">
+            <a:schemeClr val="accent1"/>
+          </a:fillRef>
+          <a:effectRef idx="0">
+            <a:schemeClr val="accent1"/>
+          </a:effectRef>
+          <a:fontRef idx="minor">
+            <a:schemeClr val="lt1"/>
+          </a:fontRef>
+        </p:style>
+        <p:txBody>
+          <a:bodyPr rtlCol="0" anchor="ctr"/>
+          <a:lstStyle/>
+          <a:p>
+            <a:pPr algn="ctr"/>
+            <a:r>
+              <a:rPr lang="en-US" sz="1100" b="1" dirty="0">
+                <a:solidFill>
+                  <a:schemeClr val="tx1"/>
+                </a:solidFill>
+                <a:latin typeface="Avenir Book" panose="02000503020000020003" pitchFamily="2" charset="0"/>
+              </a:rPr>
+              <a:t>NetSquid</a:t>
+            </a:r>
+          </a:p>
+        </p:txBody>
+      </p:sp>
+      <p:sp>
+        <p:nvSpPr>
+          <p:cNvPr id="13" name="Rectangle 12">
+            <a:extLst>
+              <a:ext uri="{FF2B5EF4-FFF2-40B4-BE49-F238E27FC236}">
+                <a16:creationId xmlns:a16="http://schemas.microsoft.com/office/drawing/2014/main" id="{71C0A66A-A4F3-C3AC-9F53-FAAE93FB1159}"/>
+              </a:ext>
+            </a:extLst>
+          </p:cNvPr>
+          <p:cNvSpPr/>
+          <p:nvPr/>
+        </p:nvSpPr>
+        <p:spPr>
+          <a:xfrm>
+            <a:off x="8913306" y="4049625"/>
+            <a:ext cx="2278784" cy="1514099"/>
+          </a:xfrm>
+          <a:prstGeom prst="rect">
+            <a:avLst/>
+          </a:prstGeom>
+          <a:solidFill>
+            <a:schemeClr val="bg1"/>
+          </a:solidFill>
+          <a:ln>
+            <a:solidFill>
+              <a:schemeClr val="tx1"/>
+            </a:solidFill>
+          </a:ln>
+        </p:spPr>
+        <p:style>
+          <a:lnRef idx="2">
+            <a:schemeClr val="accent1">
+              <a:shade val="50000"/>
+            </a:schemeClr>
+          </a:lnRef>
+          <a:fillRef idx="1">
+            <a:schemeClr val="accent1"/>
+          </a:fillRef>
+          <a:effectRef idx="0">
+            <a:schemeClr val="accent1"/>
+          </a:effectRef>
+          <a:fontRef idx="minor">
+            <a:schemeClr val="lt1"/>
+          </a:fontRef>
+        </p:style>
+        <p:txBody>
+          <a:bodyPr rtlCol="0" anchor="ctr"/>
+          <a:lstStyle/>
+          <a:p>
+            <a:pPr algn="ctr"/>
+            <a:r>
+              <a:rPr lang="en-US" sz="1100" b="1" dirty="0">
+                <a:solidFill>
+                  <a:schemeClr val="tx1"/>
+                </a:solidFill>
+                <a:latin typeface="Avenir Book" panose="02000503020000020003" pitchFamily="2" charset="0"/>
+              </a:rPr>
+              <a:t>Real Quantum Network</a:t>
+            </a:r>
+          </a:p>
+          <a:p>
+            <a:pPr algn="ctr"/>
+            <a:r>
+              <a:rPr lang="en-US" sz="1100" i="1" dirty="0">
+                <a:solidFill>
+                  <a:schemeClr val="tx1"/>
+                </a:solidFill>
+                <a:latin typeface="Avenir Book" panose="02000503020000020003" pitchFamily="2" charset="0"/>
+              </a:rPr>
+              <a:t>(Future)</a:t>
+            </a:r>
+          </a:p>
+        </p:txBody>
+      </p:sp>
+      <p:sp>
+        <p:nvSpPr>
+          <p:cNvPr id="14" name="Rectangle 13">
+            <a:extLst>
+              <a:ext uri="{FF2B5EF4-FFF2-40B4-BE49-F238E27FC236}">
+                <a16:creationId xmlns:a16="http://schemas.microsoft.com/office/drawing/2014/main" id="{CF497AF6-0EC8-0B7C-5925-59AA9B528E9B}"/>
+              </a:ext>
+            </a:extLst>
+          </p:cNvPr>
+          <p:cNvSpPr/>
+          <p:nvPr/>
+        </p:nvSpPr>
+        <p:spPr>
+          <a:xfrm>
+            <a:off x="6559692" y="4049625"/>
+            <a:ext cx="2228342" cy="699759"/>
+          </a:xfrm>
+          <a:prstGeom prst="rect">
+            <a:avLst/>
+          </a:prstGeom>
+          <a:solidFill>
+            <a:schemeClr val="bg1">
+              <a:lumMod val="95000"/>
+            </a:schemeClr>
+          </a:solidFill>
+          <a:ln>
+            <a:solidFill>
+              <a:schemeClr val="tx1"/>
+            </a:solidFill>
+          </a:ln>
+        </p:spPr>
+        <p:style>
+          <a:lnRef idx="2">
+            <a:schemeClr val="accent1">
+              <a:shade val="50000"/>
+            </a:schemeClr>
+          </a:lnRef>
+          <a:fillRef idx="1">
+            <a:schemeClr val="accent1"/>
+          </a:fillRef>
+          <a:effectRef idx="0">
+            <a:schemeClr val="accent1"/>
+          </a:effectRef>
+          <a:fontRef idx="minor">
+            <a:schemeClr val="lt1"/>
+          </a:fontRef>
+        </p:style>
+        <p:txBody>
+          <a:bodyPr rtlCol="0" anchor="ctr"/>
+          <a:lstStyle/>
+          <a:p>
+            <a:pPr algn="ctr"/>
+            <a:r>
+              <a:rPr lang="en-US" sz="1100" b="1" dirty="0">
+                <a:solidFill>
+                  <a:schemeClr val="tx1"/>
+                </a:solidFill>
+                <a:latin typeface="Avenir Book" panose="02000503020000020003" pitchFamily="2" charset="0"/>
+              </a:rPr>
+              <a:t>SquidASM</a:t>
+            </a:r>
+          </a:p>
+        </p:txBody>
+      </p:sp>
+      <p:sp>
+        <p:nvSpPr>
+          <p:cNvPr id="15" name="Rectangle 14">
+            <a:extLst>
+              <a:ext uri="{FF2B5EF4-FFF2-40B4-BE49-F238E27FC236}">
+                <a16:creationId xmlns:a16="http://schemas.microsoft.com/office/drawing/2014/main" id="{60F06DFF-D84B-F29C-2B09-06C165DFD69B}"/>
+              </a:ext>
+            </a:extLst>
+          </p:cNvPr>
+          <p:cNvSpPr/>
+          <p:nvPr/>
+        </p:nvSpPr>
+        <p:spPr>
+          <a:xfrm>
+            <a:off x="6559692" y="2610301"/>
+            <a:ext cx="4632398" cy="1304412"/>
+          </a:xfrm>
+          <a:prstGeom prst="rect">
+            <a:avLst/>
+          </a:prstGeom>
+          <a:solidFill>
+            <a:schemeClr val="bg1">
+              <a:lumMod val="95000"/>
+            </a:schemeClr>
+          </a:solidFill>
+          <a:ln>
+            <a:solidFill>
+              <a:schemeClr val="tx1"/>
+            </a:solidFill>
+          </a:ln>
+        </p:spPr>
+        <p:style>
+          <a:lnRef idx="2">
+            <a:schemeClr val="accent1">
+              <a:shade val="50000"/>
+            </a:schemeClr>
+          </a:lnRef>
+          <a:fillRef idx="1">
+            <a:schemeClr val="accent1"/>
+          </a:fillRef>
+          <a:effectRef idx="0">
+            <a:schemeClr val="accent1"/>
+          </a:effectRef>
+          <a:fontRef idx="minor">
+            <a:schemeClr val="lt1"/>
+          </a:fontRef>
+        </p:style>
+        <p:txBody>
+          <a:bodyPr rtlCol="0" anchor="ctr"/>
+          <a:lstStyle/>
+          <a:p>
+            <a:pPr algn="ctr"/>
+            <a:r>
+              <a:rPr lang="en-US" sz="1100" b="1" dirty="0">
+                <a:solidFill>
+                  <a:schemeClr val="tx1"/>
+                </a:solidFill>
+                <a:latin typeface="Avenir Book" panose="02000503020000020003" pitchFamily="2" charset="0"/>
+              </a:rPr>
+              <a:t>NetQASM</a:t>
+            </a:r>
+          </a:p>
+        </p:txBody>
+      </p:sp>
+      <p:sp>
+        <p:nvSpPr>
+          <p:cNvPr id="16" name="Rectangle 15">
+            <a:extLst>
+              <a:ext uri="{FF2B5EF4-FFF2-40B4-BE49-F238E27FC236}">
+                <a16:creationId xmlns:a16="http://schemas.microsoft.com/office/drawing/2014/main" id="{EC73177E-4896-A144-8CB3-22AE95DC5779}"/>
+              </a:ext>
+            </a:extLst>
+          </p:cNvPr>
+          <p:cNvSpPr/>
+          <p:nvPr/>
+        </p:nvSpPr>
+        <p:spPr>
+          <a:xfrm>
+            <a:off x="6559691" y="1795961"/>
+            <a:ext cx="4632397" cy="699759"/>
+          </a:xfrm>
+          <a:prstGeom prst="rect">
+            <a:avLst/>
+          </a:prstGeom>
+          <a:solidFill>
+            <a:schemeClr val="bg1">
+              <a:lumMod val="95000"/>
+            </a:schemeClr>
+          </a:solidFill>
+          <a:ln>
+            <a:solidFill>
+              <a:schemeClr val="tx1"/>
+            </a:solidFill>
+          </a:ln>
+        </p:spPr>
+        <p:style>
+          <a:lnRef idx="2">
+            <a:schemeClr val="accent1">
+              <a:shade val="50000"/>
+            </a:schemeClr>
+          </a:lnRef>
+          <a:fillRef idx="1">
+            <a:schemeClr val="accent1"/>
+          </a:fillRef>
+          <a:effectRef idx="0">
+            <a:schemeClr val="accent1"/>
+          </a:effectRef>
+          <a:fontRef idx="minor">
+            <a:schemeClr val="lt1"/>
+          </a:fontRef>
+        </p:style>
+        <p:txBody>
+          <a:bodyPr rtlCol="0" anchor="ctr"/>
+          <a:lstStyle/>
+          <a:p>
+            <a:pPr algn="ctr"/>
+            <a:r>
+              <a:rPr lang="en-US" sz="1100" b="1" dirty="0">
+                <a:solidFill>
+                  <a:schemeClr val="tx1"/>
+                </a:solidFill>
+                <a:latin typeface="Avenir Book" panose="02000503020000020003" pitchFamily="2" charset="0"/>
+              </a:rPr>
+              <a:t>Distributed quantum Fourier transformation</a:t>
+            </a:r>
+          </a:p>
+          <a:p>
+            <a:pPr algn="ctr"/>
+            <a:r>
+              <a:rPr lang="en-US" sz="1100" i="1" dirty="0">
+                <a:solidFill>
+                  <a:schemeClr val="tx1"/>
+                </a:solidFill>
+                <a:latin typeface="Avenir Book" panose="02000503020000020003" pitchFamily="2" charset="0"/>
+              </a:rPr>
+              <a:t>Quantum network application</a:t>
+            </a:r>
+          </a:p>
+        </p:txBody>
+      </p:sp>
+      <p:cxnSp>
+        <p:nvCxnSpPr>
+          <p:cNvPr id="18" name="Straight Arrow Connector 17">
+            <a:extLst>
+              <a:ext uri="{FF2B5EF4-FFF2-40B4-BE49-F238E27FC236}">
+                <a16:creationId xmlns:a16="http://schemas.microsoft.com/office/drawing/2014/main" id="{E6ACF7DD-48D8-D4FE-3563-B43691079101}"/>
+              </a:ext>
+            </a:extLst>
+          </p:cNvPr>
+          <p:cNvCxnSpPr>
+            <a:stCxn id="2" idx="3"/>
+            <a:endCxn id="16" idx="1"/>
+          </p:cNvCxnSpPr>
+          <p:nvPr/>
+        </p:nvCxnSpPr>
+        <p:spPr>
+          <a:xfrm>
+            <a:off x="4972681" y="2136605"/>
+            <a:ext cx="1587010" cy="0"/>
+          </a:xfrm>
+          <a:prstGeom prst="straightConnector1">
+            <a:avLst/>
+          </a:prstGeom>
+          <a:solidFill>
+            <a:schemeClr val="bg1">
+              <a:lumMod val="95000"/>
+            </a:schemeClr>
+          </a:solidFill>
+          <a:ln>
+            <a:solidFill>
+              <a:schemeClr val="tx1"/>
+            </a:solidFill>
+            <a:tailEnd type="triangle"/>
+          </a:ln>
+        </p:spPr>
+        <p:style>
+          <a:lnRef idx="2">
+            <a:schemeClr val="accent1">
+              <a:shade val="50000"/>
+            </a:schemeClr>
+          </a:lnRef>
+          <a:fillRef idx="1">
+            <a:schemeClr val="accent1"/>
+          </a:fillRef>
+          <a:effectRef idx="0">
+            <a:schemeClr val="accent1"/>
+          </a:effectRef>
+          <a:fontRef idx="minor">
+            <a:schemeClr val="lt1"/>
+          </a:fontRef>
+        </p:style>
+      </p:cxnSp>
+      <p:sp>
+        <p:nvSpPr>
+          <p:cNvPr id="19" name="Rectangle 18">
+            <a:extLst>
+              <a:ext uri="{FF2B5EF4-FFF2-40B4-BE49-F238E27FC236}">
+                <a16:creationId xmlns:a16="http://schemas.microsoft.com/office/drawing/2014/main" id="{38C0730A-979A-40EC-2FCA-EEEA92CF1302}"/>
+              </a:ext>
+            </a:extLst>
+          </p:cNvPr>
+          <p:cNvSpPr/>
+          <p:nvPr/>
+        </p:nvSpPr>
+        <p:spPr>
+          <a:xfrm>
+            <a:off x="5228269" y="1857364"/>
+            <a:ext cx="1080250" cy="288476"/>
+          </a:xfrm>
+          <a:prstGeom prst="rect">
+            <a:avLst/>
+          </a:prstGeom>
+          <a:noFill/>
+          <a:ln>
+            <a:noFill/>
+          </a:ln>
+        </p:spPr>
+        <p:style>
+          <a:lnRef idx="2">
+            <a:schemeClr val="accent1">
+              <a:shade val="50000"/>
+            </a:schemeClr>
+          </a:lnRef>
+          <a:fillRef idx="1">
+            <a:schemeClr val="accent1"/>
+          </a:fillRef>
+          <a:effectRef idx="0">
+            <a:schemeClr val="accent1"/>
+          </a:effectRef>
+          <a:fontRef idx="minor">
+            <a:schemeClr val="lt1"/>
+          </a:fontRef>
+        </p:style>
+        <p:txBody>
+          <a:bodyPr rtlCol="0" anchor="ctr"/>
+          <a:lstStyle/>
+          <a:p>
+            <a:pPr algn="ctr"/>
+            <a:r>
+              <a:rPr lang="en-US" sz="1100" dirty="0">
+                <a:solidFill>
+                  <a:schemeClr val="tx1"/>
+                </a:solidFill>
+                <a:latin typeface="Avenir Book" panose="02000503020000020003" pitchFamily="2" charset="0"/>
+              </a:rPr>
+              <a:t>upload</a:t>
+            </a:r>
+            <a:endParaRPr lang="en-US" sz="1100" i="1" dirty="0">
+              <a:solidFill>
+                <a:schemeClr val="tx1"/>
+              </a:solidFill>
+              <a:latin typeface="Avenir Book" panose="02000503020000020003" pitchFamily="2" charset="0"/>
+            </a:endParaRPr>
+          </a:p>
+        </p:txBody>
+      </p:sp>
+      <p:sp>
+        <p:nvSpPr>
+          <p:cNvPr id="20" name="Rectangle 19">
+            <a:extLst>
+              <a:ext uri="{FF2B5EF4-FFF2-40B4-BE49-F238E27FC236}">
+                <a16:creationId xmlns:a16="http://schemas.microsoft.com/office/drawing/2014/main" id="{FCCFBE84-8C5C-1D2A-177A-31312A393577}"/>
+              </a:ext>
+            </a:extLst>
+          </p:cNvPr>
+          <p:cNvSpPr/>
+          <p:nvPr/>
+        </p:nvSpPr>
+        <p:spPr>
+          <a:xfrm>
+            <a:off x="6557693" y="981621"/>
+            <a:ext cx="4632397" cy="699759"/>
+          </a:xfrm>
+          <a:prstGeom prst="rect">
+            <a:avLst/>
+          </a:prstGeom>
+          <a:solidFill>
+            <a:schemeClr val="bg1">
+              <a:lumMod val="95000"/>
+            </a:schemeClr>
+          </a:solidFill>
+          <a:ln>
+            <a:solidFill>
+              <a:schemeClr val="tx1"/>
+            </a:solidFill>
+          </a:ln>
+        </p:spPr>
+        <p:style>
+          <a:lnRef idx="2">
+            <a:schemeClr val="accent1">
+              <a:shade val="50000"/>
+            </a:schemeClr>
+          </a:lnRef>
+          <a:fillRef idx="1">
+            <a:schemeClr val="accent1"/>
+          </a:fillRef>
+          <a:effectRef idx="0">
+            <a:schemeClr val="accent1"/>
+          </a:effectRef>
+          <a:fontRef idx="minor">
+            <a:schemeClr val="lt1"/>
+          </a:fontRef>
+        </p:style>
+        <p:txBody>
+          <a:bodyPr rtlCol="0" anchor="ctr"/>
+          <a:lstStyle/>
+          <a:p>
+            <a:pPr algn="ctr"/>
+            <a:r>
+              <a:rPr lang="en-US" sz="1100" b="1" dirty="0">
+                <a:solidFill>
+                  <a:schemeClr val="tx1"/>
+                </a:solidFill>
+                <a:latin typeface="Avenir Book" panose="02000503020000020003" pitchFamily="2" charset="0"/>
+              </a:rPr>
+              <a:t>Graphical user interface</a:t>
+            </a:r>
+          </a:p>
+        </p:txBody>
+      </p:sp>
+      <p:sp>
+        <p:nvSpPr>
+          <p:cNvPr id="21" name="Rectangle 20">
+            <a:extLst>
+              <a:ext uri="{FF2B5EF4-FFF2-40B4-BE49-F238E27FC236}">
+                <a16:creationId xmlns:a16="http://schemas.microsoft.com/office/drawing/2014/main" id="{85C7BCF5-D033-DA2E-1034-B5FE00434FDF}"/>
+              </a:ext>
+            </a:extLst>
+          </p:cNvPr>
+          <p:cNvSpPr/>
+          <p:nvPr/>
+        </p:nvSpPr>
+        <p:spPr>
+          <a:xfrm>
+            <a:off x="634538" y="660862"/>
+            <a:ext cx="10922924" cy="5762240"/>
+          </a:xfrm>
+          <a:prstGeom prst="rect">
+            <a:avLst/>
+          </a:prstGeom>
+          <a:noFill/>
+          <a:ln>
+            <a:solidFill>
+              <a:schemeClr val="bg1">
+                <a:lumMod val="85000"/>
+              </a:schemeClr>
+            </a:solidFill>
+          </a:ln>
+        </p:spPr>
+        <p:style>
+          <a:lnRef idx="2">
+            <a:schemeClr val="accent1">
+              <a:shade val="50000"/>
+            </a:schemeClr>
+          </a:lnRef>
+          <a:fillRef idx="1">
+            <a:schemeClr val="accent1"/>
+          </a:fillRef>
+          <a:effectRef idx="0">
+            <a:schemeClr val="accent1"/>
+          </a:effectRef>
+          <a:fontRef idx="minor">
+            <a:schemeClr val="lt1"/>
+          </a:fontRef>
+        </p:style>
+        <p:txBody>
+          <a:bodyPr rtlCol="0" anchor="ctr"/>
+          <a:lstStyle/>
+          <a:p>
+            <a:pPr algn="ctr"/>
+            <a:endParaRPr lang="en-US"/>
+          </a:p>
+        </p:txBody>
+      </p:sp>
+      <p:sp>
+        <p:nvSpPr>
+          <p:cNvPr id="22" name="TextBox 21">
+            <a:extLst>
+              <a:ext uri="{FF2B5EF4-FFF2-40B4-BE49-F238E27FC236}">
+                <a16:creationId xmlns:a16="http://schemas.microsoft.com/office/drawing/2014/main" id="{251207E6-B8A1-439C-B517-CFCC37A3F826}"/>
+              </a:ext>
+            </a:extLst>
+          </p:cNvPr>
+          <p:cNvSpPr txBox="1"/>
+          <p:nvPr/>
+        </p:nvSpPr>
+        <p:spPr>
+          <a:xfrm>
+            <a:off x="634538" y="6176881"/>
+            <a:ext cx="2029723" cy="246221"/>
+          </a:xfrm>
+          <a:prstGeom prst="rect">
+            <a:avLst/>
+          </a:prstGeom>
+          <a:noFill/>
+        </p:spPr>
+        <p:txBody>
+          <a:bodyPr wrap="none" rtlCol="0">
+            <a:spAutoFit/>
+          </a:bodyPr>
+          <a:lstStyle/>
+          <a:p>
+            <a:r>
+              <a:rPr lang="en-US" sz="1000" dirty="0">
+                <a:solidFill>
+                  <a:schemeClr val="bg1">
+                    <a:lumMod val="75000"/>
+                  </a:schemeClr>
+                </a:solidFill>
+                <a:latin typeface="Avenir Book" panose="02000503020000020003" pitchFamily="2" charset="0"/>
+              </a:rPr>
+              <a:t>figures-11 </a:t>
             </a:r>
             <a:r>
               <a:rPr lang="en-US" sz="1000">
@@ -3796,18 +5031,7 @@
                 </a:solidFill>
                 <a:latin typeface="Avenir Book" panose="02000503020000020003" pitchFamily="2" charset="0"/>
               </a:rPr>
-              <a:t>: bloch-multi-vector-for-4-bit-distributed-qft-teleport-with-input-3</a:t>
-            </a:r>
-            <a:r>
-              <a:rPr lang="en-US" sz="1000" dirty="0">
-                <a:solidFill>
-                  <a:schemeClr val="bg1">
-                    <a:lumMod val="75000"/>
-                  </a:schemeClr>
-                </a:solidFill>
-                <a:latin typeface="Avenir Book" panose="02000503020000020003" pitchFamily="2" charset="0"/>
-              </a:rPr>
-              <a:t>.png</a:t>
+              <a:t>:Components of QNE</a:t>
             </a:r>
             <a:endParaRPr lang="en-US" sz="800" dirty="0">
               <a:solidFill>
@@ -3823,7 +5047,7 @@
     </p:spTree>
     <p:extLst>
       <p:ext uri="{BB962C8B-B14F-4D97-AF65-F5344CB8AC3E}">
-        <p14:creationId xmlns:p14="http://schemas.microsoft.com/office/powerpoint/2010/main" val="1388897374"/>
+        <p14:creationId xmlns:p14="http://schemas.microsoft.com/office/powerpoint/2010/main" val="3301599809"/>
       </p:ext>
     </p:extLst>
   </p:cSld>
